--- a/报告1-结构化设计.pptx
+++ b/报告1-结构化设计.pptx
@@ -5,7 +5,7 @@
     <p:sldMasterId id="2147483690" r:id="rId1"/>
   </p:sldMasterIdLst>
   <p:notesMasterIdLst>
-    <p:notesMasterId r:id="rId34"/>
+    <p:notesMasterId r:id="rId35"/>
   </p:notesMasterIdLst>
   <p:sldIdLst>
     <p:sldId id="288" r:id="rId2"/>
@@ -18,28 +18,29 @@
     <p:sldId id="294" r:id="rId9"/>
     <p:sldId id="295" r:id="rId10"/>
     <p:sldId id="298" r:id="rId11"/>
-    <p:sldId id="278" r:id="rId12"/>
-    <p:sldId id="257" r:id="rId13"/>
-    <p:sldId id="276" r:id="rId14"/>
-    <p:sldId id="277" r:id="rId15"/>
-    <p:sldId id="258" r:id="rId16"/>
-    <p:sldId id="259" r:id="rId17"/>
-    <p:sldId id="264" r:id="rId18"/>
-    <p:sldId id="265" r:id="rId19"/>
-    <p:sldId id="261" r:id="rId20"/>
-    <p:sldId id="266" r:id="rId21"/>
-    <p:sldId id="267" r:id="rId22"/>
-    <p:sldId id="262" r:id="rId23"/>
-    <p:sldId id="268" r:id="rId24"/>
-    <p:sldId id="269" r:id="rId25"/>
-    <p:sldId id="270" r:id="rId26"/>
-    <p:sldId id="271" r:id="rId27"/>
-    <p:sldId id="272" r:id="rId28"/>
-    <p:sldId id="273" r:id="rId29"/>
-    <p:sldId id="274" r:id="rId30"/>
-    <p:sldId id="275" r:id="rId31"/>
-    <p:sldId id="287" r:id="rId32"/>
-    <p:sldId id="286" r:id="rId33"/>
+    <p:sldId id="299" r:id="rId12"/>
+    <p:sldId id="278" r:id="rId13"/>
+    <p:sldId id="257" r:id="rId14"/>
+    <p:sldId id="276" r:id="rId15"/>
+    <p:sldId id="277" r:id="rId16"/>
+    <p:sldId id="258" r:id="rId17"/>
+    <p:sldId id="259" r:id="rId18"/>
+    <p:sldId id="264" r:id="rId19"/>
+    <p:sldId id="265" r:id="rId20"/>
+    <p:sldId id="261" r:id="rId21"/>
+    <p:sldId id="266" r:id="rId22"/>
+    <p:sldId id="267" r:id="rId23"/>
+    <p:sldId id="262" r:id="rId24"/>
+    <p:sldId id="268" r:id="rId25"/>
+    <p:sldId id="269" r:id="rId26"/>
+    <p:sldId id="270" r:id="rId27"/>
+    <p:sldId id="271" r:id="rId28"/>
+    <p:sldId id="272" r:id="rId29"/>
+    <p:sldId id="273" r:id="rId30"/>
+    <p:sldId id="274" r:id="rId31"/>
+    <p:sldId id="275" r:id="rId32"/>
+    <p:sldId id="287" r:id="rId33"/>
+    <p:sldId id="286" r:id="rId34"/>
   </p:sldIdLst>
   <p:sldSz cx="12192000" cy="6858000"/>
   <p:notesSz cx="6858000" cy="9144000"/>
@@ -140,7 +141,7 @@
   </p:defaultTextStyle>
   <p:extLst>
     <p:ext uri="{EFAFB233-063F-42B5-8137-9DF3F51BA10A}">
-      <p15:sldGuideLst xmlns:p15="http://schemas.microsoft.com/office/powerpoint/2012/main">
+      <p15:sldGuideLst xmlns="" xmlns:p15="http://schemas.microsoft.com/office/powerpoint/2012/main">
         <p15:guide id="1" orient="horz" pos="2160">
           <p15:clr>
             <a:srgbClr val="A4A3A4"/>
@@ -572,7 +573,7 @@
           <a:p>
             <a:fld id="{833E9ED6-036A-4359-A3C7-A329645BE7BF}" type="slidenum">
               <a:rPr lang="zh-CN" altLang="en-US" smtClean="0"/>
-              <a:t>12</a:t>
+              <a:t>13</a:t>
             </a:fld>
             <a:endParaRPr lang="zh-CN" altLang="en-US"/>
           </a:p>
@@ -8300,7 +8301,12 @@
             <p:ph type="title"/>
           </p:nvPr>
         </p:nvSpPr>
-        <p:spPr/>
+        <p:spPr>
+          <a:xfrm>
+            <a:off x="4436013" y="205010"/>
+            <a:ext cx="3006187" cy="1280890"/>
+          </a:xfrm>
+        </p:spPr>
         <p:txBody>
           <a:bodyPr/>
           <a:lstStyle/>
@@ -8323,7 +8329,12 @@
             <p:ph idx="1"/>
           </p:nvPr>
         </p:nvSpPr>
-        <p:spPr/>
+        <p:spPr>
+          <a:xfrm>
+            <a:off x="7112000" y="1790700"/>
+            <a:ext cx="4749800" cy="4419600"/>
+          </a:xfrm>
+        </p:spPr>
         <p:txBody>
           <a:bodyPr>
             <a:normAutofit/>
@@ -8331,167 +8342,368 @@
           <a:lstStyle/>
           <a:p>
             <a:r>
-              <a:rPr lang="zh-CN" altLang="en-US" sz="2800" dirty="0" smtClean="0"/>
+              <a:rPr lang="zh-CN" altLang="zh-CN" sz="2400" dirty="0"/>
+              <a:t>采用数据库，方便管理。</a:t>
+            </a:r>
+          </a:p>
+          <a:p>
+            <a:r>
+              <a:rPr lang="zh-CN" altLang="zh-CN" sz="2400" dirty="0"/>
+              <a:t>分成用户存储和投票存储两个数据库。</a:t>
+            </a:r>
+          </a:p>
+          <a:p>
+            <a:pPr lvl="0"/>
+            <a:r>
+              <a:rPr lang="en-US" altLang="zh-CN" sz="2400" dirty="0" smtClean="0"/>
+              <a:t>1</a:t>
+            </a:r>
+            <a:r>
+              <a:rPr lang="zh-CN" altLang="en-US" sz="2400" dirty="0" smtClean="0"/>
+              <a:t>、</a:t>
+            </a:r>
+            <a:r>
+              <a:rPr lang="zh-CN" altLang="zh-CN" sz="2400" dirty="0" smtClean="0"/>
               <a:t>用户</a:t>
             </a:r>
             <a:r>
-              <a:rPr lang="zh-CN" altLang="en-US" sz="2800" dirty="0"/>
-              <a:t>存储 </a:t>
-            </a:r>
-            <a:r>
-              <a:rPr lang="zh-CN" altLang="en-US" sz="2800" dirty="0" smtClean="0"/>
+              <a:rPr lang="zh-CN" altLang="zh-CN" sz="2400" dirty="0"/>
+              <a:t>存储</a:t>
+            </a:r>
+            <a:r>
+              <a:rPr lang="en-US" altLang="zh-CN" sz="2400" dirty="0"/>
               <a:t> </a:t>
             </a:r>
             <a:r>
-              <a:rPr lang="en-US" altLang="zh-CN" sz="2800" dirty="0" err="1" smtClean="0"/>
+              <a:rPr lang="en-US" altLang="zh-CN" sz="2400" dirty="0" err="1"/>
               <a:t>UsrData</a:t>
             </a:r>
-            <a:r>
-              <a:rPr lang="en-US" altLang="zh-CN" sz="2800" dirty="0"/>
-              <a:t/>
-            </a:r>
-            <a:br>
-              <a:rPr lang="en-US" altLang="zh-CN" sz="2800" dirty="0"/>
-            </a:br>
-            <a:r>
-              <a:rPr lang="zh-CN" altLang="en-US" sz="2800" dirty="0"/>
+            <a:endParaRPr lang="zh-CN" altLang="zh-CN" sz="2400" dirty="0"/>
+          </a:p>
+          <a:p>
+            <a:r>
+              <a:rPr lang="zh-CN" altLang="zh-CN" sz="2400" dirty="0"/>
               <a:t>用户编号</a:t>
             </a:r>
             <a:r>
-              <a:rPr lang="en-US" altLang="zh-CN" sz="2800" dirty="0"/>
+              <a:rPr lang="en-US" altLang="zh-CN" sz="2400" dirty="0"/>
               <a:t>-</a:t>
             </a:r>
             <a:r>
-              <a:rPr lang="zh-CN" altLang="en-US" sz="2800" dirty="0"/>
+              <a:rPr lang="zh-CN" altLang="zh-CN" sz="2400" dirty="0"/>
               <a:t>用户名</a:t>
             </a:r>
             <a:r>
-              <a:rPr lang="en-US" altLang="zh-CN" sz="2800" dirty="0"/>
+              <a:rPr lang="en-US" altLang="zh-CN" sz="2400" dirty="0"/>
               <a:t>-</a:t>
             </a:r>
             <a:r>
-              <a:rPr lang="zh-CN" altLang="en-US" sz="2800" dirty="0"/>
+              <a:rPr lang="zh-CN" altLang="zh-CN" sz="2400" dirty="0"/>
               <a:t>用户密码</a:t>
             </a:r>
             <a:r>
-              <a:rPr lang="en-US" altLang="zh-CN" sz="2800" dirty="0"/>
+              <a:rPr lang="en-US" altLang="zh-CN" sz="2400" dirty="0"/>
               <a:t>-</a:t>
             </a:r>
             <a:r>
-              <a:rPr lang="zh-CN" altLang="en-US" sz="2800" dirty="0"/>
+              <a:rPr lang="zh-CN" altLang="zh-CN" sz="2400" dirty="0"/>
               <a:t>注册时间</a:t>
             </a:r>
             <a:r>
-              <a:rPr lang="en-US" altLang="zh-CN" sz="2800" dirty="0"/>
+              <a:rPr lang="en-US" altLang="zh-CN" sz="2400" dirty="0"/>
               <a:t>-</a:t>
             </a:r>
             <a:r>
-              <a:rPr lang="zh-CN" altLang="en-US" sz="2800" dirty="0"/>
-              <a:t>用户发起投票列表</a:t>
-            </a:r>
-            <a:r>
-              <a:rPr lang="en-US" altLang="zh-CN" sz="2800" dirty="0"/>
+              <a:rPr lang="zh-CN" altLang="zh-CN" sz="2400" dirty="0"/>
+              <a:t>用户发起投票记录列表</a:t>
+            </a:r>
+            <a:r>
+              <a:rPr lang="en-US" altLang="zh-CN" sz="2400" dirty="0"/>
               <a:t>-</a:t>
             </a:r>
             <a:r>
-              <a:rPr lang="zh-CN" altLang="en-US" sz="2800" dirty="0"/>
-              <a:t>用户关注列表</a:t>
-            </a:r>
-            <a:r>
-              <a:rPr lang="en-US" altLang="zh-CN" sz="2800" dirty="0"/>
+              <a:rPr lang="zh-CN" altLang="zh-CN" sz="2400" dirty="0"/>
+              <a:t>用户关注记录列表</a:t>
+            </a:r>
+            <a:r>
+              <a:rPr lang="en-US" altLang="zh-CN" sz="2400" dirty="0"/>
               <a:t>-</a:t>
             </a:r>
             <a:r>
-              <a:rPr lang="zh-CN" altLang="en-US" sz="2800" dirty="0"/>
-              <a:t>用户投票历史列表</a:t>
-            </a:r>
-            <a:r>
-              <a:rPr lang="zh-CN" altLang="en-US" sz="2000" dirty="0"/>
-              <a:t/>
-            </a:r>
-            <a:br>
-              <a:rPr lang="zh-CN" altLang="en-US" sz="2000" dirty="0"/>
-            </a:br>
-            <a:endParaRPr lang="en-US" altLang="zh-CN" sz="2000" dirty="0" smtClean="0"/>
-          </a:p>
-          <a:p>
-            <a:r>
-              <a:rPr lang="zh-CN" altLang="en-US" sz="2800" dirty="0" smtClean="0"/>
+              <a:rPr lang="zh-CN" altLang="zh-CN" sz="2400" dirty="0"/>
+              <a:t>用户投票历史记录</a:t>
+            </a:r>
+            <a:r>
+              <a:rPr lang="zh-CN" altLang="zh-CN" sz="2400" dirty="0" smtClean="0"/>
+              <a:t>列表</a:t>
+            </a:r>
+            <a:endParaRPr lang="en-US" altLang="zh-CN" sz="2400" dirty="0" smtClean="0"/>
+          </a:p>
+          <a:p>
+            <a:pPr lvl="0"/>
+            <a:r>
+              <a:rPr lang="en-US" altLang="zh-CN" sz="2400" dirty="0" smtClean="0"/>
+              <a:t>2</a:t>
+            </a:r>
+            <a:r>
+              <a:rPr lang="zh-CN" altLang="en-US" sz="2400" dirty="0"/>
+              <a:t>、</a:t>
+            </a:r>
+            <a:r>
+              <a:rPr lang="zh-CN" altLang="zh-CN" sz="2400" dirty="0" smtClean="0"/>
               <a:t>投票</a:t>
             </a:r>
             <a:r>
-              <a:rPr lang="zh-CN" altLang="en-US" sz="2800" dirty="0"/>
-              <a:t>存储 </a:t>
-            </a:r>
-            <a:r>
-              <a:rPr lang="zh-CN" altLang="en-US" sz="2800" dirty="0" smtClean="0"/>
-              <a:t> </a:t>
-            </a:r>
-            <a:r>
-              <a:rPr lang="en-US" altLang="zh-CN" sz="2800" dirty="0" err="1" smtClean="0"/>
-              <a:t>VoteData</a:t>
-            </a:r>
-            <a:r>
-              <a:rPr lang="en-US" altLang="zh-CN" sz="2800" dirty="0"/>
-              <a:t/>
-            </a:r>
-            <a:br>
-              <a:rPr lang="en-US" altLang="zh-CN" sz="2800" dirty="0"/>
-            </a:br>
-            <a:r>
-              <a:rPr lang="zh-CN" altLang="en-US" sz="2800" dirty="0"/>
+              <a:rPr lang="zh-CN" altLang="zh-CN" sz="2400" dirty="0"/>
+              <a:t>记录</a:t>
+            </a:r>
+            <a:r>
+              <a:rPr lang="en-US" altLang="zh-CN" sz="2400" dirty="0"/>
+              <a:t> Record</a:t>
+            </a:r>
+            <a:endParaRPr lang="zh-CN" altLang="zh-CN" sz="2400" dirty="0"/>
+          </a:p>
+          <a:p>
+            <a:r>
+              <a:rPr lang="zh-CN" altLang="zh-CN" sz="2400" dirty="0"/>
               <a:t>投票编号</a:t>
             </a:r>
-            <a:r>
-              <a:rPr lang="en-US" altLang="zh-CN" sz="2800" dirty="0"/>
-              <a:t>-</a:t>
-            </a:r>
-            <a:r>
-              <a:rPr lang="zh-CN" altLang="en-US" sz="2800" dirty="0"/>
-              <a:t>发起时间</a:t>
-            </a:r>
-            <a:r>
-              <a:rPr lang="en-US" altLang="zh-CN" sz="2800" dirty="0"/>
-              <a:t>-</a:t>
-            </a:r>
-            <a:r>
-              <a:rPr lang="zh-CN" altLang="en-US" sz="2800" dirty="0"/>
-              <a:t>发起用户</a:t>
-            </a:r>
-            <a:r>
-              <a:rPr lang="en-US" altLang="zh-CN" sz="2800" dirty="0"/>
-              <a:t>-</a:t>
-            </a:r>
-            <a:r>
-              <a:rPr lang="zh-CN" altLang="en-US" sz="2800" dirty="0"/>
-              <a:t>投票选项列表</a:t>
-            </a:r>
-            <a:r>
-              <a:rPr lang="en-US" altLang="zh-CN" sz="2800" dirty="0"/>
-              <a:t>-</a:t>
-            </a:r>
-            <a:r>
-              <a:rPr lang="zh-CN" altLang="en-US" sz="2800" dirty="0"/>
-              <a:t>投票结果列表</a:t>
-            </a:r>
-            <a:r>
-              <a:rPr lang="zh-CN" altLang="en-US" dirty="0"/>
-              <a:t/>
-            </a:r>
-            <a:br>
-              <a:rPr lang="zh-CN" altLang="en-US" dirty="0"/>
-            </a:br>
+          </a:p>
+          <a:p>
+            <a:endParaRPr lang="zh-CN" altLang="zh-CN" dirty="0"/>
+          </a:p>
+          <a:p>
             <a:endParaRPr lang="zh-CN" altLang="en-US" dirty="0"/>
           </a:p>
-          <a:p>
-            <a:endParaRPr lang="zh-CN" altLang="en-US" dirty="0"/>
-          </a:p>
-        </p:txBody>
-      </p:sp>
+        </p:txBody>
+      </p:sp>
+      <p:pic>
+        <p:nvPicPr>
+          <p:cNvPr id="4" name="图片 3"/>
+          <p:cNvPicPr>
+            <a:picLocks noChangeAspect="1"/>
+          </p:cNvPicPr>
+          <p:nvPr/>
+        </p:nvPicPr>
+        <p:blipFill>
+          <a:blip r:embed="rId2">
+            <a:extLst>
+              <a:ext uri="{28A0092B-C50C-407E-A947-70E740481C1C}">
+                <a14:useLocalDpi xmlns:a14="http://schemas.microsoft.com/office/drawing/2010/main" val="0"/>
+              </a:ext>
+            </a:extLst>
+          </a:blip>
+          <a:stretch>
+            <a:fillRect/>
+          </a:stretch>
+        </p:blipFill>
+        <p:spPr>
+          <a:xfrm>
+            <a:off x="1188522" y="1382799"/>
+            <a:ext cx="4557155" cy="5311601"/>
+          </a:xfrm>
+          <a:prstGeom prst="rect">
+            <a:avLst/>
+          </a:prstGeom>
+        </p:spPr>
+      </p:pic>
     </p:spTree>
     <p:extLst>
       <p:ext uri="{BB962C8B-B14F-4D97-AF65-F5344CB8AC3E}">
-        <p14:creationId xmlns:p14="http://schemas.microsoft.com/office/powerpoint/2010/main" val="1922392346"/>
+        <p14:creationId xmlns:p14="http://schemas.microsoft.com/office/powerpoint/2010/main" val="1001874931"/>
+      </p:ext>
+    </p:extLst>
+  </p:cSld>
+  <p:clrMapOvr>
+    <a:masterClrMapping/>
+  </p:clrMapOvr>
+  <p:timing>
+    <p:tnLst>
+      <p:par>
+        <p:cTn id="1" dur="indefinite" restart="never" nodeType="tmRoot"/>
+      </p:par>
+    </p:tnLst>
+  </p:timing>
+</p:sld>
+</file>
+
+<file path=ppt/slides/slide11.xml><?xml version="1.0" encoding="utf-8"?>
+<p:sld xmlns:a="http://schemas.openxmlformats.org/drawingml/2006/main" xmlns:r="http://schemas.openxmlformats.org/officeDocument/2006/relationships" xmlns:p="http://schemas.openxmlformats.org/presentationml/2006/main">
+  <p:cSld>
+    <p:spTree>
+      <p:nvGrpSpPr>
+        <p:cNvPr id="1" name=""/>
+        <p:cNvGrpSpPr/>
+        <p:nvPr/>
+      </p:nvGrpSpPr>
+      <p:grpSpPr>
+        <a:xfrm>
+          <a:off x="0" y="0"/>
+          <a:ext cx="0" cy="0"/>
+          <a:chOff x="0" y="0"/>
+          <a:chExt cx="0" cy="0"/>
+        </a:xfrm>
+      </p:grpSpPr>
+      <p:sp>
+        <p:nvSpPr>
+          <p:cNvPr id="2" name="标题 1"/>
+          <p:cNvSpPr>
+            <a:spLocks noGrp="1"/>
+          </p:cNvSpPr>
+          <p:nvPr>
+            <p:ph type="title"/>
+          </p:nvPr>
+        </p:nvSpPr>
+        <p:spPr>
+          <a:xfrm>
+            <a:off x="5132925" y="370110"/>
+            <a:ext cx="2690275" cy="1280890"/>
+          </a:xfrm>
+        </p:spPr>
+        <p:txBody>
+          <a:bodyPr/>
+          <a:lstStyle/>
+          <a:p>
+            <a:r>
+              <a:rPr lang="zh-CN" altLang="en-US" dirty="0" smtClean="0"/>
+              <a:t>数据设计</a:t>
+            </a:r>
+            <a:endParaRPr lang="zh-CN" altLang="en-US" dirty="0"/>
+          </a:p>
+        </p:txBody>
+      </p:sp>
+      <p:sp>
+        <p:nvSpPr>
+          <p:cNvPr id="3" name="内容占位符 2"/>
+          <p:cNvSpPr>
+            <a:spLocks noGrp="1"/>
+          </p:cNvSpPr>
+          <p:nvPr>
+            <p:ph idx="1"/>
+          </p:nvPr>
+        </p:nvSpPr>
+        <p:spPr>
+          <a:xfrm>
+            <a:off x="6792912" y="2184400"/>
+            <a:ext cx="5399088" cy="2260600"/>
+          </a:xfrm>
+        </p:spPr>
+        <p:txBody>
+          <a:bodyPr>
+            <a:normAutofit lnSpcReduction="10000"/>
+          </a:bodyPr>
+          <a:lstStyle/>
+          <a:p>
+            <a:pPr lvl="0"/>
+            <a:r>
+              <a:rPr lang="zh-CN" altLang="zh-CN" sz="2400" dirty="0"/>
+              <a:t>投票存储</a:t>
+            </a:r>
+            <a:r>
+              <a:rPr lang="en-US" altLang="zh-CN" sz="2400" dirty="0"/>
+              <a:t> </a:t>
+            </a:r>
+            <a:r>
+              <a:rPr lang="en-US" altLang="zh-CN" sz="2400" dirty="0" err="1"/>
+              <a:t>VoteData</a:t>
+            </a:r>
+            <a:endParaRPr lang="zh-CN" altLang="zh-CN" sz="2400" dirty="0"/>
+          </a:p>
+          <a:p>
+            <a:r>
+              <a:rPr lang="zh-CN" altLang="zh-CN" sz="2400" dirty="0"/>
+              <a:t>投票编号</a:t>
+            </a:r>
+            <a:r>
+              <a:rPr lang="en-US" altLang="zh-CN" sz="2400" dirty="0"/>
+              <a:t>-</a:t>
+            </a:r>
+            <a:r>
+              <a:rPr lang="zh-CN" altLang="zh-CN" sz="2400" dirty="0"/>
+              <a:t>发起时间</a:t>
+            </a:r>
+            <a:r>
+              <a:rPr lang="en-US" altLang="zh-CN" sz="2400" dirty="0"/>
+              <a:t>-</a:t>
+            </a:r>
+            <a:r>
+              <a:rPr lang="zh-CN" altLang="zh-CN" sz="2400" dirty="0"/>
+              <a:t>发起用户</a:t>
+            </a:r>
+            <a:r>
+              <a:rPr lang="en-US" altLang="zh-CN" sz="2400" dirty="0"/>
+              <a:t>-</a:t>
+            </a:r>
+            <a:r>
+              <a:rPr lang="zh-CN" altLang="zh-CN" sz="2400" dirty="0"/>
+              <a:t>投票选项列表</a:t>
+            </a:r>
+          </a:p>
+          <a:p>
+            <a:pPr lvl="0"/>
+            <a:r>
+              <a:rPr lang="zh-CN" altLang="zh-CN" sz="2400" dirty="0"/>
+              <a:t>投票选项</a:t>
+            </a:r>
+            <a:r>
+              <a:rPr lang="en-US" altLang="zh-CN" sz="2400" dirty="0"/>
+              <a:t> Choice</a:t>
+            </a:r>
+            <a:endParaRPr lang="zh-CN" altLang="zh-CN" sz="2400" dirty="0"/>
+          </a:p>
+          <a:p>
+            <a:r>
+              <a:rPr lang="zh-CN" altLang="zh-CN" sz="2400" dirty="0"/>
+              <a:t>选项图片</a:t>
+            </a:r>
+            <a:r>
+              <a:rPr lang="en-US" altLang="zh-CN" sz="2400" dirty="0"/>
+              <a:t>-</a:t>
+            </a:r>
+            <a:r>
+              <a:rPr lang="zh-CN" altLang="zh-CN" sz="2400" dirty="0"/>
+              <a:t>选项票数</a:t>
+            </a:r>
+          </a:p>
+          <a:p>
+            <a:endParaRPr lang="zh-CN" altLang="en-US" dirty="0"/>
+          </a:p>
+        </p:txBody>
+      </p:sp>
+      <p:pic>
+        <p:nvPicPr>
+          <p:cNvPr id="4" name="图片 3"/>
+          <p:cNvPicPr>
+            <a:picLocks noChangeAspect="1"/>
+          </p:cNvPicPr>
+          <p:nvPr/>
+        </p:nvPicPr>
+        <p:blipFill>
+          <a:blip r:embed="rId2">
+            <a:extLst>
+              <a:ext uri="{28A0092B-C50C-407E-A947-70E740481C1C}">
+                <a14:useLocalDpi xmlns:a14="http://schemas.microsoft.com/office/drawing/2010/main" val="0"/>
+              </a:ext>
+            </a:extLst>
+          </a:blip>
+          <a:stretch>
+            <a:fillRect/>
+          </a:stretch>
+        </p:blipFill>
+        <p:spPr>
+          <a:xfrm>
+            <a:off x="1503527" y="812552"/>
+            <a:ext cx="3520745" cy="5715496"/>
+          </a:xfrm>
+          <a:prstGeom prst="rect">
+            <a:avLst/>
+          </a:prstGeom>
+        </p:spPr>
+      </p:pic>
+    </p:spTree>
+    <p:extLst>
+      <p:ext uri="{BB962C8B-B14F-4D97-AF65-F5344CB8AC3E}">
+        <p14:creationId xmlns:p14="http://schemas.microsoft.com/office/powerpoint/2010/main" val="2369065187"/>
       </p:ext>
     </p:extLst>
   </p:cSld>
@@ -8501,7 +8713,7 @@
 </p:sld>
 </file>
 
-<file path=ppt/slides/slide11.xml><?xml version="1.0" encoding="utf-8"?>
+<file path=ppt/slides/slide12.xml><?xml version="1.0" encoding="utf-8"?>
 <p:sld xmlns:a="http://schemas.openxmlformats.org/drawingml/2006/main" xmlns:r="http://schemas.openxmlformats.org/officeDocument/2006/relationships" xmlns:p="http://schemas.openxmlformats.org/presentationml/2006/main">
   <p:cSld>
     <p:spTree>
@@ -8599,7 +8811,7 @@
 </p:sld>
 </file>
 
-<file path=ppt/slides/slide12.xml><?xml version="1.0" encoding="utf-8"?>
+<file path=ppt/slides/slide13.xml><?xml version="1.0" encoding="utf-8"?>
 <p:sld xmlns:a="http://schemas.openxmlformats.org/drawingml/2006/main" xmlns:r="http://schemas.openxmlformats.org/officeDocument/2006/relationships" xmlns:p="http://schemas.openxmlformats.org/presentationml/2006/main">
   <p:cSld>
     <p:spTree>
@@ -8699,7 +8911,7 @@
 </p:sld>
 </file>
 
-<file path=ppt/slides/slide13.xml><?xml version="1.0" encoding="utf-8"?>
+<file path=ppt/slides/slide14.xml><?xml version="1.0" encoding="utf-8"?>
 <p:sld xmlns:a="http://schemas.openxmlformats.org/drawingml/2006/main" xmlns:r="http://schemas.openxmlformats.org/officeDocument/2006/relationships" xmlns:p="http://schemas.openxmlformats.org/presentationml/2006/main">
   <p:cSld>
     <p:spTree>
@@ -8837,7 +9049,7 @@
 </p:sld>
 </file>
 
-<file path=ppt/slides/slide14.xml><?xml version="1.0" encoding="utf-8"?>
+<file path=ppt/slides/slide15.xml><?xml version="1.0" encoding="utf-8"?>
 <p:sld xmlns:a="http://schemas.openxmlformats.org/drawingml/2006/main" xmlns:r="http://schemas.openxmlformats.org/officeDocument/2006/relationships" xmlns:p="http://schemas.openxmlformats.org/presentationml/2006/main">
   <p:cSld>
     <p:spTree>
@@ -8975,7 +9187,7 @@
 </p:sld>
 </file>
 
-<file path=ppt/slides/slide15.xml><?xml version="1.0" encoding="utf-8"?>
+<file path=ppt/slides/slide16.xml><?xml version="1.0" encoding="utf-8"?>
 <p:sld xmlns:a="http://schemas.openxmlformats.org/drawingml/2006/main" xmlns:r="http://schemas.openxmlformats.org/officeDocument/2006/relationships" xmlns:p="http://schemas.openxmlformats.org/presentationml/2006/main">
   <p:cSld>
     <p:spTree>
@@ -9082,7 +9294,7 @@
 </p:sld>
 </file>
 
-<file path=ppt/slides/slide16.xml><?xml version="1.0" encoding="utf-8"?>
+<file path=ppt/slides/slide17.xml><?xml version="1.0" encoding="utf-8"?>
 <p:sld xmlns:a="http://schemas.openxmlformats.org/drawingml/2006/main" xmlns:r="http://schemas.openxmlformats.org/officeDocument/2006/relationships" xmlns:p="http://schemas.openxmlformats.org/presentationml/2006/main">
   <p:cSld>
     <p:spTree>
@@ -9179,7 +9391,7 @@
 </p:sld>
 </file>
 
-<file path=ppt/slides/slide17.xml><?xml version="1.0" encoding="utf-8"?>
+<file path=ppt/slides/slide18.xml><?xml version="1.0" encoding="utf-8"?>
 <p:sld xmlns:a="http://schemas.openxmlformats.org/drawingml/2006/main" xmlns:r="http://schemas.openxmlformats.org/officeDocument/2006/relationships" xmlns:p="http://schemas.openxmlformats.org/presentationml/2006/main">
   <p:cSld>
     <p:spTree>
@@ -9317,7 +9529,7 @@
 </p:sld>
 </file>
 
-<file path=ppt/slides/slide18.xml><?xml version="1.0" encoding="utf-8"?>
+<file path=ppt/slides/slide19.xml><?xml version="1.0" encoding="utf-8"?>
 <p:sld xmlns:a="http://schemas.openxmlformats.org/drawingml/2006/main" xmlns:r="http://schemas.openxmlformats.org/officeDocument/2006/relationships" xmlns:p="http://schemas.openxmlformats.org/presentationml/2006/main">
   <p:cSld>
     <p:spTree>
@@ -9455,7 +9667,318 @@
 </p:sld>
 </file>
 
-<file path=ppt/slides/slide19.xml><?xml version="1.0" encoding="utf-8"?>
+<file path=ppt/slides/slide2.xml><?xml version="1.0" encoding="utf-8"?>
+<p:sld xmlns:a="http://schemas.openxmlformats.org/drawingml/2006/main" xmlns:r="http://schemas.openxmlformats.org/officeDocument/2006/relationships" xmlns:p="http://schemas.openxmlformats.org/presentationml/2006/main">
+  <p:cSld>
+    <p:spTree>
+      <p:nvGrpSpPr>
+        <p:cNvPr id="1" name=""/>
+        <p:cNvGrpSpPr/>
+        <p:nvPr/>
+      </p:nvGrpSpPr>
+      <p:grpSpPr>
+        <a:xfrm>
+          <a:off x="0" y="0"/>
+          <a:ext cx="0" cy="0"/>
+          <a:chOff x="0" y="0"/>
+          <a:chExt cx="0" cy="0"/>
+        </a:xfrm>
+      </p:grpSpPr>
+      <p:sp>
+        <p:nvSpPr>
+          <p:cNvPr id="2" name="标题 1"/>
+          <p:cNvSpPr>
+            <a:spLocks noGrp="1"/>
+          </p:cNvSpPr>
+          <p:nvPr>
+            <p:ph type="title"/>
+          </p:nvPr>
+        </p:nvSpPr>
+        <p:spPr>
+          <a:xfrm>
+            <a:off x="4653738" y="4868564"/>
+            <a:ext cx="6919563" cy="1280890"/>
+          </a:xfrm>
+        </p:spPr>
+        <p:txBody>
+          <a:bodyPr/>
+          <a:lstStyle/>
+          <a:p>
+            <a:r>
+              <a:rPr lang="zh-CN" altLang="en-US" dirty="0" smtClean="0"/>
+              <a:t>“选呗”是什么</a:t>
+            </a:r>
+            <a:r>
+              <a:rPr lang="en-US" altLang="zh-CN" dirty="0" smtClean="0"/>
+              <a:t>——</a:t>
+            </a:r>
+            <a:r>
+              <a:rPr lang="zh-CN" altLang="en-US" dirty="0" smtClean="0"/>
+              <a:t>前情回顾</a:t>
+            </a:r>
+            <a:endParaRPr lang="zh-CN" altLang="en-US" dirty="0"/>
+          </a:p>
+        </p:txBody>
+      </p:sp>
+      <p:sp>
+        <p:nvSpPr>
+          <p:cNvPr id="3" name="内容占位符 2"/>
+          <p:cNvSpPr>
+            <a:spLocks noGrp="1"/>
+          </p:cNvSpPr>
+          <p:nvPr>
+            <p:ph idx="1"/>
+          </p:nvPr>
+        </p:nvSpPr>
+        <p:spPr>
+          <a:xfrm>
+            <a:off x="1009934" y="1187353"/>
+            <a:ext cx="10494678" cy="5117911"/>
+          </a:xfrm>
+        </p:spPr>
+        <p:txBody>
+          <a:bodyPr/>
+          <a:lstStyle/>
+          <a:p>
+            <a:r>
+              <a:rPr lang="zh-CN" altLang="en-US" sz="2800" dirty="0"/>
+              <a:t>实现一个</a:t>
+            </a:r>
+            <a:r>
+              <a:rPr lang="zh-CN" altLang="en-US" sz="2800" dirty="0">
+                <a:solidFill>
+                  <a:srgbClr val="92D050"/>
+                </a:solidFill>
+                <a:effectLst>
+                  <a:outerShdw blurRad="38100" dist="38100" dir="2700000" algn="tl">
+                    <a:srgbClr val="000000">
+                      <a:alpha val="43137"/>
+                    </a:srgbClr>
+                  </a:outerShdw>
+                </a:effectLst>
+              </a:rPr>
+              <a:t>手机应用“</a:t>
+            </a:r>
+            <a:r>
+              <a:rPr lang="zh-CN" altLang="en-US" sz="2800" b="1" dirty="0">
+                <a:solidFill>
+                  <a:srgbClr val="C00000"/>
+                </a:solidFill>
+                <a:effectLst>
+                  <a:outerShdw blurRad="38100" dist="38100" dir="2700000" algn="tl">
+                    <a:srgbClr val="000000">
+                      <a:alpha val="43137"/>
+                    </a:srgbClr>
+                  </a:outerShdw>
+                </a:effectLst>
+              </a:rPr>
+              <a:t>选呗</a:t>
+            </a:r>
+            <a:r>
+              <a:rPr lang="zh-CN" altLang="en-US" sz="2800" dirty="0">
+                <a:solidFill>
+                  <a:srgbClr val="92D050"/>
+                </a:solidFill>
+                <a:effectLst>
+                  <a:outerShdw blurRad="38100" dist="38100" dir="2700000" algn="tl">
+                    <a:srgbClr val="000000">
+                      <a:alpha val="43137"/>
+                    </a:srgbClr>
+                  </a:outerShdw>
+                </a:effectLst>
+              </a:rPr>
+              <a:t>”</a:t>
+            </a:r>
+            <a:endParaRPr lang="en-US" altLang="zh-CN" sz="2800" dirty="0">
+              <a:solidFill>
+                <a:srgbClr val="92D050"/>
+              </a:solidFill>
+              <a:effectLst>
+                <a:outerShdw blurRad="38100" dist="38100" dir="2700000" algn="tl">
+                  <a:srgbClr val="000000">
+                    <a:alpha val="43137"/>
+                  </a:srgbClr>
+                </a:outerShdw>
+              </a:effectLst>
+            </a:endParaRPr>
+          </a:p>
+          <a:p>
+            <a:r>
+              <a:rPr lang="zh-CN" altLang="en-US" sz="2800" dirty="0"/>
+              <a:t>用户可以</a:t>
+            </a:r>
+            <a:r>
+              <a:rPr lang="zh-CN" altLang="en-US" sz="2800" dirty="0">
+                <a:solidFill>
+                  <a:srgbClr val="00B0F0"/>
+                </a:solidFill>
+                <a:effectLst>
+                  <a:outerShdw blurRad="38100" dist="38100" dir="2700000" algn="tl">
+                    <a:srgbClr val="000000">
+                      <a:alpha val="43137"/>
+                    </a:srgbClr>
+                  </a:outerShdw>
+                </a:effectLst>
+              </a:rPr>
+              <a:t>发起投票</a:t>
+            </a:r>
+            <a:r>
+              <a:rPr lang="zh-CN" altLang="en-US" sz="2800" dirty="0"/>
+              <a:t>，上传</a:t>
+            </a:r>
+            <a:r>
+              <a:rPr lang="zh-CN" altLang="en-US" sz="2800" dirty="0">
+                <a:solidFill>
+                  <a:srgbClr val="FFC000"/>
+                </a:solidFill>
+                <a:effectLst>
+                  <a:outerShdw blurRad="38100" dist="38100" dir="2700000" algn="tl">
+                    <a:srgbClr val="000000">
+                      <a:alpha val="43137"/>
+                    </a:srgbClr>
+                  </a:outerShdw>
+                </a:effectLst>
+              </a:rPr>
+              <a:t>至少两张</a:t>
+            </a:r>
+            <a:r>
+              <a:rPr lang="zh-CN" altLang="en-US" sz="2800" dirty="0"/>
+              <a:t>图片用于表达自己面对的选择</a:t>
+            </a:r>
+            <a:endParaRPr lang="en-US" altLang="zh-CN" sz="2800" dirty="0"/>
+          </a:p>
+          <a:p>
+            <a:r>
+              <a:rPr lang="zh-CN" altLang="en-US" sz="2800" dirty="0"/>
+              <a:t>其他用户可以</a:t>
+            </a:r>
+            <a:r>
+              <a:rPr lang="zh-CN" altLang="en-US" sz="2800" dirty="0">
+                <a:solidFill>
+                  <a:srgbClr val="0070C0"/>
+                </a:solidFill>
+                <a:effectLst>
+                  <a:outerShdw blurRad="38100" dist="38100" dir="2700000" algn="tl">
+                    <a:srgbClr val="000000">
+                      <a:alpha val="43137"/>
+                    </a:srgbClr>
+                  </a:outerShdw>
+                </a:effectLst>
+              </a:rPr>
+              <a:t>参与投票</a:t>
+            </a:r>
+            <a:r>
+              <a:rPr lang="zh-CN" altLang="en-US" sz="2800" dirty="0"/>
+              <a:t>，</a:t>
+            </a:r>
+            <a:r>
+              <a:rPr lang="zh-CN" altLang="en-US" sz="2800" dirty="0">
+                <a:solidFill>
+                  <a:schemeClr val="tx1">
+                    <a:lumMod val="60000"/>
+                    <a:lumOff val="40000"/>
+                  </a:schemeClr>
+                </a:solidFill>
+                <a:effectLst>
+                  <a:outerShdw blurRad="38100" dist="38100" dir="2700000" algn="tl">
+                    <a:srgbClr val="000000">
+                      <a:alpha val="43137"/>
+                    </a:srgbClr>
+                  </a:outerShdw>
+                </a:effectLst>
+              </a:rPr>
+              <a:t>选择一张</a:t>
+            </a:r>
+            <a:r>
+              <a:rPr lang="zh-CN" altLang="en-US" sz="2800" dirty="0"/>
+              <a:t>图片作为推荐选择，并进行</a:t>
+            </a:r>
+            <a:r>
+              <a:rPr lang="zh-CN" altLang="en-US" sz="2800" dirty="0">
+                <a:solidFill>
+                  <a:srgbClr val="00B050"/>
+                </a:solidFill>
+                <a:effectLst>
+                  <a:outerShdw blurRad="38100" dist="38100" dir="2700000" algn="tl">
+                    <a:srgbClr val="000000">
+                      <a:alpha val="43137"/>
+                    </a:srgbClr>
+                  </a:outerShdw>
+                </a:effectLst>
+              </a:rPr>
+              <a:t>可选的</a:t>
+            </a:r>
+            <a:r>
+              <a:rPr lang="zh-CN" altLang="en-US" sz="2800" dirty="0"/>
+              <a:t>评论</a:t>
+            </a:r>
+            <a:endParaRPr lang="en-US" altLang="zh-CN" sz="2800" dirty="0"/>
+          </a:p>
+          <a:p>
+            <a:r>
+              <a:rPr lang="zh-CN" altLang="en-US" sz="2800" dirty="0"/>
+              <a:t>杂项功能：</a:t>
+            </a:r>
+            <a:endParaRPr lang="en-US" altLang="zh-CN" sz="2800" dirty="0"/>
+          </a:p>
+          <a:p>
+            <a:pPr lvl="1"/>
+            <a:r>
+              <a:rPr lang="zh-CN" altLang="en-US" sz="2400" dirty="0"/>
+              <a:t>注册</a:t>
+            </a:r>
+            <a:endParaRPr lang="en-US" altLang="zh-CN" sz="2400" dirty="0"/>
+          </a:p>
+          <a:p>
+            <a:pPr lvl="1"/>
+            <a:r>
+              <a:rPr lang="zh-CN" altLang="en-US" sz="2400" dirty="0"/>
+              <a:t>登录</a:t>
+            </a:r>
+            <a:endParaRPr lang="en-US" altLang="zh-CN" sz="2400" dirty="0"/>
+          </a:p>
+          <a:p>
+            <a:pPr lvl="1"/>
+            <a:r>
+              <a:rPr lang="zh-CN" altLang="en-US" sz="2400" dirty="0"/>
+              <a:t>管理</a:t>
+            </a:r>
+            <a:endParaRPr lang="en-US" altLang="zh-CN" sz="2400" dirty="0"/>
+          </a:p>
+          <a:p>
+            <a:pPr lvl="1"/>
+            <a:r>
+              <a:rPr lang="zh-CN" altLang="en-US" sz="2400" dirty="0"/>
+              <a:t>历史</a:t>
+            </a:r>
+            <a:endParaRPr lang="en-US" altLang="zh-CN" sz="2400" dirty="0"/>
+          </a:p>
+          <a:p>
+            <a:endParaRPr lang="zh-CN" altLang="en-US" dirty="0"/>
+          </a:p>
+        </p:txBody>
+      </p:sp>
+    </p:spTree>
+    <p:extLst>
+      <p:ext uri="{BB962C8B-B14F-4D97-AF65-F5344CB8AC3E}">
+        <p14:creationId xmlns:p14="http://schemas.microsoft.com/office/powerpoint/2010/main" val="3383093811"/>
+      </p:ext>
+    </p:extLst>
+  </p:cSld>
+  <p:clrMapOvr>
+    <a:masterClrMapping/>
+  </p:clrMapOvr>
+  <p:timing>
+    <p:tnLst>
+      <p:par>
+        <p:cTn id="1" dur="indefinite" restart="never" nodeType="tmRoot"/>
+      </p:par>
+    </p:tnLst>
+  </p:timing>
+</p:sld>
+</file>
+
+<file path=ppt/slides/slide20.xml><?xml version="1.0" encoding="utf-8"?>
 <p:sld xmlns:a="http://schemas.openxmlformats.org/drawingml/2006/main" xmlns:r="http://schemas.openxmlformats.org/officeDocument/2006/relationships" xmlns:p="http://schemas.openxmlformats.org/presentationml/2006/main">
   <p:cSld>
     <p:spTree>
@@ -9552,318 +10075,7 @@
 </p:sld>
 </file>
 
-<file path=ppt/slides/slide2.xml><?xml version="1.0" encoding="utf-8"?>
-<p:sld xmlns:a="http://schemas.openxmlformats.org/drawingml/2006/main" xmlns:r="http://schemas.openxmlformats.org/officeDocument/2006/relationships" xmlns:p="http://schemas.openxmlformats.org/presentationml/2006/main">
-  <p:cSld>
-    <p:spTree>
-      <p:nvGrpSpPr>
-        <p:cNvPr id="1" name=""/>
-        <p:cNvGrpSpPr/>
-        <p:nvPr/>
-      </p:nvGrpSpPr>
-      <p:grpSpPr>
-        <a:xfrm>
-          <a:off x="0" y="0"/>
-          <a:ext cx="0" cy="0"/>
-          <a:chOff x="0" y="0"/>
-          <a:chExt cx="0" cy="0"/>
-        </a:xfrm>
-      </p:grpSpPr>
-      <p:sp>
-        <p:nvSpPr>
-          <p:cNvPr id="2" name="标题 1"/>
-          <p:cNvSpPr>
-            <a:spLocks noGrp="1"/>
-          </p:cNvSpPr>
-          <p:nvPr>
-            <p:ph type="title"/>
-          </p:nvPr>
-        </p:nvSpPr>
-        <p:spPr>
-          <a:xfrm>
-            <a:off x="4653738" y="4868564"/>
-            <a:ext cx="6919563" cy="1280890"/>
-          </a:xfrm>
-        </p:spPr>
-        <p:txBody>
-          <a:bodyPr/>
-          <a:lstStyle/>
-          <a:p>
-            <a:r>
-              <a:rPr lang="zh-CN" altLang="en-US" dirty="0" smtClean="0"/>
-              <a:t>“选呗”是什么</a:t>
-            </a:r>
-            <a:r>
-              <a:rPr lang="en-US" altLang="zh-CN" dirty="0" smtClean="0"/>
-              <a:t>——</a:t>
-            </a:r>
-            <a:r>
-              <a:rPr lang="zh-CN" altLang="en-US" dirty="0" smtClean="0"/>
-              <a:t>前情回顾</a:t>
-            </a:r>
-            <a:endParaRPr lang="zh-CN" altLang="en-US" dirty="0"/>
-          </a:p>
-        </p:txBody>
-      </p:sp>
-      <p:sp>
-        <p:nvSpPr>
-          <p:cNvPr id="3" name="内容占位符 2"/>
-          <p:cNvSpPr>
-            <a:spLocks noGrp="1"/>
-          </p:cNvSpPr>
-          <p:nvPr>
-            <p:ph idx="1"/>
-          </p:nvPr>
-        </p:nvSpPr>
-        <p:spPr>
-          <a:xfrm>
-            <a:off x="1009934" y="1187353"/>
-            <a:ext cx="10494678" cy="5117911"/>
-          </a:xfrm>
-        </p:spPr>
-        <p:txBody>
-          <a:bodyPr/>
-          <a:lstStyle/>
-          <a:p>
-            <a:r>
-              <a:rPr lang="zh-CN" altLang="en-US" sz="2800" dirty="0"/>
-              <a:t>实现一个</a:t>
-            </a:r>
-            <a:r>
-              <a:rPr lang="zh-CN" altLang="en-US" sz="2800" dirty="0">
-                <a:solidFill>
-                  <a:srgbClr val="92D050"/>
-                </a:solidFill>
-                <a:effectLst>
-                  <a:outerShdw blurRad="38100" dist="38100" dir="2700000" algn="tl">
-                    <a:srgbClr val="000000">
-                      <a:alpha val="43137"/>
-                    </a:srgbClr>
-                  </a:outerShdw>
-                </a:effectLst>
-              </a:rPr>
-              <a:t>手机应用“</a:t>
-            </a:r>
-            <a:r>
-              <a:rPr lang="zh-CN" altLang="en-US" sz="2800" b="1" dirty="0">
-                <a:solidFill>
-                  <a:srgbClr val="C00000"/>
-                </a:solidFill>
-                <a:effectLst>
-                  <a:outerShdw blurRad="38100" dist="38100" dir="2700000" algn="tl">
-                    <a:srgbClr val="000000">
-                      <a:alpha val="43137"/>
-                    </a:srgbClr>
-                  </a:outerShdw>
-                </a:effectLst>
-              </a:rPr>
-              <a:t>选呗</a:t>
-            </a:r>
-            <a:r>
-              <a:rPr lang="zh-CN" altLang="en-US" sz="2800" dirty="0">
-                <a:solidFill>
-                  <a:srgbClr val="92D050"/>
-                </a:solidFill>
-                <a:effectLst>
-                  <a:outerShdw blurRad="38100" dist="38100" dir="2700000" algn="tl">
-                    <a:srgbClr val="000000">
-                      <a:alpha val="43137"/>
-                    </a:srgbClr>
-                  </a:outerShdw>
-                </a:effectLst>
-              </a:rPr>
-              <a:t>”</a:t>
-            </a:r>
-            <a:endParaRPr lang="en-US" altLang="zh-CN" sz="2800" dirty="0">
-              <a:solidFill>
-                <a:srgbClr val="92D050"/>
-              </a:solidFill>
-              <a:effectLst>
-                <a:outerShdw blurRad="38100" dist="38100" dir="2700000" algn="tl">
-                  <a:srgbClr val="000000">
-                    <a:alpha val="43137"/>
-                  </a:srgbClr>
-                </a:outerShdw>
-              </a:effectLst>
-            </a:endParaRPr>
-          </a:p>
-          <a:p>
-            <a:r>
-              <a:rPr lang="zh-CN" altLang="en-US" sz="2800" dirty="0"/>
-              <a:t>用户可以</a:t>
-            </a:r>
-            <a:r>
-              <a:rPr lang="zh-CN" altLang="en-US" sz="2800" dirty="0">
-                <a:solidFill>
-                  <a:srgbClr val="00B0F0"/>
-                </a:solidFill>
-                <a:effectLst>
-                  <a:outerShdw blurRad="38100" dist="38100" dir="2700000" algn="tl">
-                    <a:srgbClr val="000000">
-                      <a:alpha val="43137"/>
-                    </a:srgbClr>
-                  </a:outerShdw>
-                </a:effectLst>
-              </a:rPr>
-              <a:t>发起投票</a:t>
-            </a:r>
-            <a:r>
-              <a:rPr lang="zh-CN" altLang="en-US" sz="2800" dirty="0"/>
-              <a:t>，上传</a:t>
-            </a:r>
-            <a:r>
-              <a:rPr lang="zh-CN" altLang="en-US" sz="2800" dirty="0">
-                <a:solidFill>
-                  <a:srgbClr val="FFC000"/>
-                </a:solidFill>
-                <a:effectLst>
-                  <a:outerShdw blurRad="38100" dist="38100" dir="2700000" algn="tl">
-                    <a:srgbClr val="000000">
-                      <a:alpha val="43137"/>
-                    </a:srgbClr>
-                  </a:outerShdw>
-                </a:effectLst>
-              </a:rPr>
-              <a:t>至少两张</a:t>
-            </a:r>
-            <a:r>
-              <a:rPr lang="zh-CN" altLang="en-US" sz="2800" dirty="0"/>
-              <a:t>图片用于表达自己面对的选择</a:t>
-            </a:r>
-            <a:endParaRPr lang="en-US" altLang="zh-CN" sz="2800" dirty="0"/>
-          </a:p>
-          <a:p>
-            <a:r>
-              <a:rPr lang="zh-CN" altLang="en-US" sz="2800" dirty="0"/>
-              <a:t>其他用户可以</a:t>
-            </a:r>
-            <a:r>
-              <a:rPr lang="zh-CN" altLang="en-US" sz="2800" dirty="0">
-                <a:solidFill>
-                  <a:srgbClr val="0070C0"/>
-                </a:solidFill>
-                <a:effectLst>
-                  <a:outerShdw blurRad="38100" dist="38100" dir="2700000" algn="tl">
-                    <a:srgbClr val="000000">
-                      <a:alpha val="43137"/>
-                    </a:srgbClr>
-                  </a:outerShdw>
-                </a:effectLst>
-              </a:rPr>
-              <a:t>参与投票</a:t>
-            </a:r>
-            <a:r>
-              <a:rPr lang="zh-CN" altLang="en-US" sz="2800" dirty="0"/>
-              <a:t>，</a:t>
-            </a:r>
-            <a:r>
-              <a:rPr lang="zh-CN" altLang="en-US" sz="2800" dirty="0">
-                <a:solidFill>
-                  <a:schemeClr val="tx1">
-                    <a:lumMod val="60000"/>
-                    <a:lumOff val="40000"/>
-                  </a:schemeClr>
-                </a:solidFill>
-                <a:effectLst>
-                  <a:outerShdw blurRad="38100" dist="38100" dir="2700000" algn="tl">
-                    <a:srgbClr val="000000">
-                      <a:alpha val="43137"/>
-                    </a:srgbClr>
-                  </a:outerShdw>
-                </a:effectLst>
-              </a:rPr>
-              <a:t>选择一张</a:t>
-            </a:r>
-            <a:r>
-              <a:rPr lang="zh-CN" altLang="en-US" sz="2800" dirty="0"/>
-              <a:t>图片作为推荐选择，并进行</a:t>
-            </a:r>
-            <a:r>
-              <a:rPr lang="zh-CN" altLang="en-US" sz="2800" dirty="0">
-                <a:solidFill>
-                  <a:srgbClr val="00B050"/>
-                </a:solidFill>
-                <a:effectLst>
-                  <a:outerShdw blurRad="38100" dist="38100" dir="2700000" algn="tl">
-                    <a:srgbClr val="000000">
-                      <a:alpha val="43137"/>
-                    </a:srgbClr>
-                  </a:outerShdw>
-                </a:effectLst>
-              </a:rPr>
-              <a:t>可选的</a:t>
-            </a:r>
-            <a:r>
-              <a:rPr lang="zh-CN" altLang="en-US" sz="2800" dirty="0"/>
-              <a:t>评论</a:t>
-            </a:r>
-            <a:endParaRPr lang="en-US" altLang="zh-CN" sz="2800" dirty="0"/>
-          </a:p>
-          <a:p>
-            <a:r>
-              <a:rPr lang="zh-CN" altLang="en-US" sz="2800" dirty="0"/>
-              <a:t>杂项功能：</a:t>
-            </a:r>
-            <a:endParaRPr lang="en-US" altLang="zh-CN" sz="2800" dirty="0"/>
-          </a:p>
-          <a:p>
-            <a:pPr lvl="1"/>
-            <a:r>
-              <a:rPr lang="zh-CN" altLang="en-US" sz="2400" dirty="0"/>
-              <a:t>注册</a:t>
-            </a:r>
-            <a:endParaRPr lang="en-US" altLang="zh-CN" sz="2400" dirty="0"/>
-          </a:p>
-          <a:p>
-            <a:pPr lvl="1"/>
-            <a:r>
-              <a:rPr lang="zh-CN" altLang="en-US" sz="2400" dirty="0"/>
-              <a:t>登录</a:t>
-            </a:r>
-            <a:endParaRPr lang="en-US" altLang="zh-CN" sz="2400" dirty="0"/>
-          </a:p>
-          <a:p>
-            <a:pPr lvl="1"/>
-            <a:r>
-              <a:rPr lang="zh-CN" altLang="en-US" sz="2400" dirty="0"/>
-              <a:t>管理</a:t>
-            </a:r>
-            <a:endParaRPr lang="en-US" altLang="zh-CN" sz="2400" dirty="0"/>
-          </a:p>
-          <a:p>
-            <a:pPr lvl="1"/>
-            <a:r>
-              <a:rPr lang="zh-CN" altLang="en-US" sz="2400" dirty="0"/>
-              <a:t>历史</a:t>
-            </a:r>
-            <a:endParaRPr lang="en-US" altLang="zh-CN" sz="2400" dirty="0"/>
-          </a:p>
-          <a:p>
-            <a:endParaRPr lang="zh-CN" altLang="en-US" dirty="0"/>
-          </a:p>
-        </p:txBody>
-      </p:sp>
-    </p:spTree>
-    <p:extLst>
-      <p:ext uri="{BB962C8B-B14F-4D97-AF65-F5344CB8AC3E}">
-        <p14:creationId xmlns:p14="http://schemas.microsoft.com/office/powerpoint/2010/main" val="3383093811"/>
-      </p:ext>
-    </p:extLst>
-  </p:cSld>
-  <p:clrMapOvr>
-    <a:masterClrMapping/>
-  </p:clrMapOvr>
-  <p:timing>
-    <p:tnLst>
-      <p:par>
-        <p:cTn id="1" dur="indefinite" restart="never" nodeType="tmRoot"/>
-      </p:par>
-    </p:tnLst>
-  </p:timing>
-</p:sld>
-</file>
-
-<file path=ppt/slides/slide20.xml><?xml version="1.0" encoding="utf-8"?>
+<file path=ppt/slides/slide21.xml><?xml version="1.0" encoding="utf-8"?>
 <p:sld xmlns:a="http://schemas.openxmlformats.org/drawingml/2006/main" xmlns:r="http://schemas.openxmlformats.org/officeDocument/2006/relationships" xmlns:p="http://schemas.openxmlformats.org/presentationml/2006/main">
   <p:cSld>
     <p:spTree>
@@ -10001,7 +10213,7 @@
 </p:sld>
 </file>
 
-<file path=ppt/slides/slide21.xml><?xml version="1.0" encoding="utf-8"?>
+<file path=ppt/slides/slide22.xml><?xml version="1.0" encoding="utf-8"?>
 <p:sld xmlns:a="http://schemas.openxmlformats.org/drawingml/2006/main" xmlns:r="http://schemas.openxmlformats.org/officeDocument/2006/relationships" xmlns:p="http://schemas.openxmlformats.org/presentationml/2006/main">
   <p:cSld>
     <p:spTree>
@@ -10147,7 +10359,7 @@
 </p:sld>
 </file>
 
-<file path=ppt/slides/slide22.xml><?xml version="1.0" encoding="utf-8"?>
+<file path=ppt/slides/slide23.xml><?xml version="1.0" encoding="utf-8"?>
 <p:sld xmlns:a="http://schemas.openxmlformats.org/drawingml/2006/main" xmlns:r="http://schemas.openxmlformats.org/officeDocument/2006/relationships" xmlns:p="http://schemas.openxmlformats.org/presentationml/2006/main">
   <p:cSld>
     <p:spTree>
@@ -10283,7 +10495,7 @@
 </p:sld>
 </file>
 
-<file path=ppt/slides/slide23.xml><?xml version="1.0" encoding="utf-8"?>
+<file path=ppt/slides/slide24.xml><?xml version="1.0" encoding="utf-8"?>
 <p:sld xmlns:a="http://schemas.openxmlformats.org/drawingml/2006/main" xmlns:r="http://schemas.openxmlformats.org/officeDocument/2006/relationships" xmlns:p="http://schemas.openxmlformats.org/presentationml/2006/main">
   <p:cSld>
     <p:spTree>
@@ -10379,7 +10591,7 @@
 </p:sld>
 </file>
 
-<file path=ppt/slides/slide24.xml><?xml version="1.0" encoding="utf-8"?>
+<file path=ppt/slides/slide25.xml><?xml version="1.0" encoding="utf-8"?>
 <p:sld xmlns:a="http://schemas.openxmlformats.org/drawingml/2006/main" xmlns:r="http://schemas.openxmlformats.org/officeDocument/2006/relationships" xmlns:p="http://schemas.openxmlformats.org/presentationml/2006/main">
   <p:cSld>
     <p:spTree>
@@ -10484,7 +10696,7 @@
 </p:sld>
 </file>
 
-<file path=ppt/slides/slide25.xml><?xml version="1.0" encoding="utf-8"?>
+<file path=ppt/slides/slide26.xml><?xml version="1.0" encoding="utf-8"?>
 <p:sld xmlns:a="http://schemas.openxmlformats.org/drawingml/2006/main" xmlns:r="http://schemas.openxmlformats.org/officeDocument/2006/relationships" xmlns:p="http://schemas.openxmlformats.org/presentationml/2006/main">
   <p:cSld>
     <p:spTree>
@@ -10581,7 +10793,7 @@
 </p:sld>
 </file>
 
-<file path=ppt/slides/slide26.xml><?xml version="1.0" encoding="utf-8"?>
+<file path=ppt/slides/slide27.xml><?xml version="1.0" encoding="utf-8"?>
 <p:sld xmlns:a="http://schemas.openxmlformats.org/drawingml/2006/main" xmlns:r="http://schemas.openxmlformats.org/officeDocument/2006/relationships" xmlns:p="http://schemas.openxmlformats.org/presentationml/2006/main">
   <p:cSld>
     <p:spTree>
@@ -10678,7 +10890,7 @@
 </p:sld>
 </file>
 
-<file path=ppt/slides/slide27.xml><?xml version="1.0" encoding="utf-8"?>
+<file path=ppt/slides/slide28.xml><?xml version="1.0" encoding="utf-8"?>
 <p:sld xmlns:a="http://schemas.openxmlformats.org/drawingml/2006/main" xmlns:r="http://schemas.openxmlformats.org/officeDocument/2006/relationships" xmlns:p="http://schemas.openxmlformats.org/presentationml/2006/main">
   <p:cSld>
     <p:spTree>
@@ -10775,7 +10987,7 @@
 </p:sld>
 </file>
 
-<file path=ppt/slides/slide28.xml><?xml version="1.0" encoding="utf-8"?>
+<file path=ppt/slides/slide29.xml><?xml version="1.0" encoding="utf-8"?>
 <p:sld xmlns:a="http://schemas.openxmlformats.org/drawingml/2006/main" xmlns:r="http://schemas.openxmlformats.org/officeDocument/2006/relationships" xmlns:p="http://schemas.openxmlformats.org/presentationml/2006/main">
   <p:cSld>
     <p:spTree>
@@ -10912,7 +11124,110 @@
 </p:sld>
 </file>
 
-<file path=ppt/slides/slide29.xml><?xml version="1.0" encoding="utf-8"?>
+<file path=ppt/slides/slide3.xml><?xml version="1.0" encoding="utf-8"?>
+<p:sld xmlns:a="http://schemas.openxmlformats.org/drawingml/2006/main" xmlns:r="http://schemas.openxmlformats.org/officeDocument/2006/relationships" xmlns:p="http://schemas.openxmlformats.org/presentationml/2006/main">
+  <p:cSld>
+    <p:spTree>
+      <p:nvGrpSpPr>
+        <p:cNvPr id="1" name=""/>
+        <p:cNvGrpSpPr/>
+        <p:nvPr/>
+      </p:nvGrpSpPr>
+      <p:grpSpPr>
+        <a:xfrm>
+          <a:off x="0" y="0"/>
+          <a:ext cx="0" cy="0"/>
+          <a:chOff x="0" y="0"/>
+          <a:chExt cx="0" cy="0"/>
+        </a:xfrm>
+      </p:grpSpPr>
+      <p:sp>
+        <p:nvSpPr>
+          <p:cNvPr id="2" name="标题 1"/>
+          <p:cNvSpPr>
+            <a:spLocks noGrp="1"/>
+          </p:cNvSpPr>
+          <p:nvPr>
+            <p:ph type="ctrTitle"/>
+          </p:nvPr>
+        </p:nvSpPr>
+        <p:spPr/>
+        <p:txBody>
+          <a:bodyPr/>
+          <a:lstStyle/>
+          <a:p>
+            <a:r>
+              <a:rPr lang="zh-CN" altLang="en-US" dirty="0"/>
+              <a:t>概要</a:t>
+            </a:r>
+            <a:r>
+              <a:rPr lang="zh-CN" altLang="en-US" dirty="0" smtClean="0"/>
+              <a:t>设计</a:t>
+            </a:r>
+            <a:endParaRPr lang="zh-CN" altLang="en-US" dirty="0"/>
+          </a:p>
+        </p:txBody>
+      </p:sp>
+      <p:sp>
+        <p:nvSpPr>
+          <p:cNvPr id="3" name="副标题 2"/>
+          <p:cNvSpPr>
+            <a:spLocks noGrp="1"/>
+          </p:cNvSpPr>
+          <p:nvPr>
+            <p:ph type="subTitle" idx="1"/>
+          </p:nvPr>
+        </p:nvSpPr>
+        <p:spPr/>
+        <p:txBody>
+          <a:bodyPr/>
+          <a:lstStyle/>
+          <a:p>
+            <a:r>
+              <a:rPr lang="zh-CN" altLang="en-US" dirty="0" smtClean="0"/>
+              <a:t>根据结构化分析数据流图设计初始</a:t>
+            </a:r>
+            <a:r>
+              <a:rPr lang="en-US" altLang="zh-CN" dirty="0" smtClean="0"/>
+              <a:t>MSD</a:t>
+            </a:r>
+            <a:r>
+              <a:rPr lang="zh-CN" altLang="en-US" dirty="0" smtClean="0"/>
+              <a:t>以及其他设计</a:t>
+            </a:r>
+            <a:endParaRPr lang="zh-CN" altLang="en-US" dirty="0"/>
+          </a:p>
+        </p:txBody>
+      </p:sp>
+    </p:spTree>
+    <p:extLst>
+      <p:ext uri="{BB962C8B-B14F-4D97-AF65-F5344CB8AC3E}">
+        <p14:creationId xmlns:p14="http://schemas.microsoft.com/office/powerpoint/2010/main" val="38665523"/>
+      </p:ext>
+    </p:extLst>
+  </p:cSld>
+  <p:clrMapOvr>
+    <a:masterClrMapping/>
+  </p:clrMapOvr>
+  <mc:AlternateContent xmlns:mc="http://schemas.openxmlformats.org/markup-compatibility/2006" xmlns:p14="http://schemas.microsoft.com/office/powerpoint/2010/main">
+    <mc:Choice Requires="p14">
+      <p:transition p14:dur="0"/>
+    </mc:Choice>
+    <mc:Fallback xmlns="">
+      <p:transition/>
+    </mc:Fallback>
+  </mc:AlternateContent>
+  <p:timing>
+    <p:tnLst>
+      <p:par>
+        <p:cTn id="1" dur="indefinite" restart="never" nodeType="tmRoot"/>
+      </p:par>
+    </p:tnLst>
+  </p:timing>
+</p:sld>
+</file>
+
+<file path=ppt/slides/slide30.xml><?xml version="1.0" encoding="utf-8"?>
 <p:sld xmlns:a="http://schemas.openxmlformats.org/drawingml/2006/main" xmlns:r="http://schemas.openxmlformats.org/officeDocument/2006/relationships" xmlns:p="http://schemas.openxmlformats.org/presentationml/2006/main">
   <p:cSld>
     <p:spTree>
@@ -11045,110 +11360,7 @@
 </p:sld>
 </file>
 
-<file path=ppt/slides/slide3.xml><?xml version="1.0" encoding="utf-8"?>
-<p:sld xmlns:a="http://schemas.openxmlformats.org/drawingml/2006/main" xmlns:r="http://schemas.openxmlformats.org/officeDocument/2006/relationships" xmlns:p="http://schemas.openxmlformats.org/presentationml/2006/main">
-  <p:cSld>
-    <p:spTree>
-      <p:nvGrpSpPr>
-        <p:cNvPr id="1" name=""/>
-        <p:cNvGrpSpPr/>
-        <p:nvPr/>
-      </p:nvGrpSpPr>
-      <p:grpSpPr>
-        <a:xfrm>
-          <a:off x="0" y="0"/>
-          <a:ext cx="0" cy="0"/>
-          <a:chOff x="0" y="0"/>
-          <a:chExt cx="0" cy="0"/>
-        </a:xfrm>
-      </p:grpSpPr>
-      <p:sp>
-        <p:nvSpPr>
-          <p:cNvPr id="2" name="标题 1"/>
-          <p:cNvSpPr>
-            <a:spLocks noGrp="1"/>
-          </p:cNvSpPr>
-          <p:nvPr>
-            <p:ph type="ctrTitle"/>
-          </p:nvPr>
-        </p:nvSpPr>
-        <p:spPr/>
-        <p:txBody>
-          <a:bodyPr/>
-          <a:lstStyle/>
-          <a:p>
-            <a:r>
-              <a:rPr lang="zh-CN" altLang="en-US" dirty="0"/>
-              <a:t>概要</a:t>
-            </a:r>
-            <a:r>
-              <a:rPr lang="zh-CN" altLang="en-US" dirty="0" smtClean="0"/>
-              <a:t>设计</a:t>
-            </a:r>
-            <a:endParaRPr lang="zh-CN" altLang="en-US" dirty="0"/>
-          </a:p>
-        </p:txBody>
-      </p:sp>
-      <p:sp>
-        <p:nvSpPr>
-          <p:cNvPr id="3" name="副标题 2"/>
-          <p:cNvSpPr>
-            <a:spLocks noGrp="1"/>
-          </p:cNvSpPr>
-          <p:nvPr>
-            <p:ph type="subTitle" idx="1"/>
-          </p:nvPr>
-        </p:nvSpPr>
-        <p:spPr/>
-        <p:txBody>
-          <a:bodyPr/>
-          <a:lstStyle/>
-          <a:p>
-            <a:r>
-              <a:rPr lang="zh-CN" altLang="en-US" dirty="0" smtClean="0"/>
-              <a:t>根据结构化分析数据流图设计初始</a:t>
-            </a:r>
-            <a:r>
-              <a:rPr lang="en-US" altLang="zh-CN" dirty="0" smtClean="0"/>
-              <a:t>MSD</a:t>
-            </a:r>
-            <a:r>
-              <a:rPr lang="zh-CN" altLang="en-US" dirty="0" smtClean="0"/>
-              <a:t>以及其他设计</a:t>
-            </a:r>
-            <a:endParaRPr lang="zh-CN" altLang="en-US" dirty="0"/>
-          </a:p>
-        </p:txBody>
-      </p:sp>
-    </p:spTree>
-    <p:extLst>
-      <p:ext uri="{BB962C8B-B14F-4D97-AF65-F5344CB8AC3E}">
-        <p14:creationId xmlns:p14="http://schemas.microsoft.com/office/powerpoint/2010/main" val="38665523"/>
-      </p:ext>
-    </p:extLst>
-  </p:cSld>
-  <p:clrMapOvr>
-    <a:masterClrMapping/>
-  </p:clrMapOvr>
-  <mc:AlternateContent xmlns:mc="http://schemas.openxmlformats.org/markup-compatibility/2006" xmlns:p14="http://schemas.microsoft.com/office/powerpoint/2010/main">
-    <mc:Choice Requires="p14">
-      <p:transition p14:dur="0"/>
-    </mc:Choice>
-    <mc:Fallback xmlns="">
-      <p:transition/>
-    </mc:Fallback>
-  </mc:AlternateContent>
-  <p:timing>
-    <p:tnLst>
-      <p:par>
-        <p:cTn id="1" dur="indefinite" restart="never" nodeType="tmRoot"/>
-      </p:par>
-    </p:tnLst>
-  </p:timing>
-</p:sld>
-</file>
-
-<file path=ppt/slides/slide30.xml><?xml version="1.0" encoding="utf-8"?>
+<file path=ppt/slides/slide31.xml><?xml version="1.0" encoding="utf-8"?>
 <p:sld xmlns:a="http://schemas.openxmlformats.org/drawingml/2006/main" xmlns:r="http://schemas.openxmlformats.org/officeDocument/2006/relationships" xmlns:p="http://schemas.openxmlformats.org/presentationml/2006/main">
   <p:cSld>
     <p:spTree>
@@ -11245,7 +11457,7 @@
 </p:sld>
 </file>
 
-<file path=ppt/slides/slide31.xml><?xml version="1.0" encoding="utf-8"?>
+<file path=ppt/slides/slide32.xml><?xml version="1.0" encoding="utf-8"?>
 <p:sld xmlns:a="http://schemas.openxmlformats.org/drawingml/2006/main" xmlns:r="http://schemas.openxmlformats.org/officeDocument/2006/relationships" xmlns:p="http://schemas.openxmlformats.org/presentationml/2006/main">
   <p:cSld>
     <p:spTree>
@@ -11334,7 +11546,7 @@
 </p:sld>
 </file>
 
-<file path=ppt/slides/slide32.xml><?xml version="1.0" encoding="utf-8"?>
+<file path=ppt/slides/slide33.xml><?xml version="1.0" encoding="utf-8"?>
 <p:sld xmlns:a="http://schemas.openxmlformats.org/drawingml/2006/main" xmlns:r="http://schemas.openxmlformats.org/officeDocument/2006/relationships" xmlns:p="http://schemas.openxmlformats.org/presentationml/2006/main">
   <p:cSld>
     <p:spTree>
@@ -14293,7 +14505,7 @@
   <a:extraClrSchemeLst/>
   <a:extLst>
     <a:ext uri="{05A4C25C-085E-4340-85A3-A5531E510DB2}">
-      <thm15:themeFamily xmlns:thm15="http://schemas.microsoft.com/office/thememl/2012/main" name="Wisp" id="{7CB32D59-10C0-40DD-B7BD-2E94284A981C}" vid="{24B1A44C-C006-48B2-A4D7-E5549B3D8CD4}"/>
+      <thm15:themeFamily xmlns="" xmlns:thm15="http://schemas.microsoft.com/office/thememl/2012/main" name="Wisp" id="{7CB32D59-10C0-40DD-B7BD-2E94284A981C}" vid="{24B1A44C-C006-48B2-A4D7-E5549B3D8CD4}"/>
     </a:ext>
   </a:extLst>
 </a:theme>

--- a/报告1-结构化设计.pptx
+++ b/报告1-结构化设计.pptx
@@ -9,37 +9,37 @@
   </p:notesMasterIdLst>
   <p:sldIdLst>
     <p:sldId id="288" r:id="rId2"/>
-    <p:sldId id="289" r:id="rId3"/>
-    <p:sldId id="290" r:id="rId4"/>
-    <p:sldId id="291" r:id="rId5"/>
-    <p:sldId id="292" r:id="rId6"/>
-    <p:sldId id="293" r:id="rId7"/>
-    <p:sldId id="297" r:id="rId8"/>
-    <p:sldId id="294" r:id="rId9"/>
-    <p:sldId id="295" r:id="rId10"/>
-    <p:sldId id="298" r:id="rId11"/>
-    <p:sldId id="299" r:id="rId12"/>
-    <p:sldId id="278" r:id="rId13"/>
-    <p:sldId id="257" r:id="rId14"/>
-    <p:sldId id="276" r:id="rId15"/>
-    <p:sldId id="277" r:id="rId16"/>
-    <p:sldId id="258" r:id="rId17"/>
-    <p:sldId id="259" r:id="rId18"/>
-    <p:sldId id="264" r:id="rId19"/>
-    <p:sldId id="265" r:id="rId20"/>
-    <p:sldId id="261" r:id="rId21"/>
-    <p:sldId id="266" r:id="rId22"/>
-    <p:sldId id="267" r:id="rId23"/>
-    <p:sldId id="262" r:id="rId24"/>
-    <p:sldId id="268" r:id="rId25"/>
-    <p:sldId id="269" r:id="rId26"/>
-    <p:sldId id="270" r:id="rId27"/>
-    <p:sldId id="271" r:id="rId28"/>
-    <p:sldId id="272" r:id="rId29"/>
-    <p:sldId id="273" r:id="rId30"/>
-    <p:sldId id="274" r:id="rId31"/>
-    <p:sldId id="275" r:id="rId32"/>
-    <p:sldId id="287" r:id="rId33"/>
+    <p:sldId id="300" r:id="rId3"/>
+    <p:sldId id="289" r:id="rId4"/>
+    <p:sldId id="290" r:id="rId5"/>
+    <p:sldId id="291" r:id="rId6"/>
+    <p:sldId id="292" r:id="rId7"/>
+    <p:sldId id="293" r:id="rId8"/>
+    <p:sldId id="297" r:id="rId9"/>
+    <p:sldId id="294" r:id="rId10"/>
+    <p:sldId id="295" r:id="rId11"/>
+    <p:sldId id="298" r:id="rId12"/>
+    <p:sldId id="299" r:id="rId13"/>
+    <p:sldId id="278" r:id="rId14"/>
+    <p:sldId id="257" r:id="rId15"/>
+    <p:sldId id="276" r:id="rId16"/>
+    <p:sldId id="277" r:id="rId17"/>
+    <p:sldId id="258" r:id="rId18"/>
+    <p:sldId id="259" r:id="rId19"/>
+    <p:sldId id="264" r:id="rId20"/>
+    <p:sldId id="265" r:id="rId21"/>
+    <p:sldId id="261" r:id="rId22"/>
+    <p:sldId id="266" r:id="rId23"/>
+    <p:sldId id="267" r:id="rId24"/>
+    <p:sldId id="262" r:id="rId25"/>
+    <p:sldId id="268" r:id="rId26"/>
+    <p:sldId id="269" r:id="rId27"/>
+    <p:sldId id="270" r:id="rId28"/>
+    <p:sldId id="271" r:id="rId29"/>
+    <p:sldId id="272" r:id="rId30"/>
+    <p:sldId id="273" r:id="rId31"/>
+    <p:sldId id="274" r:id="rId32"/>
+    <p:sldId id="275" r:id="rId33"/>
     <p:sldId id="286" r:id="rId34"/>
   </p:sldIdLst>
   <p:sldSz cx="12192000" cy="6858000"/>
@@ -141,7 +141,7 @@
   </p:defaultTextStyle>
   <p:extLst>
     <p:ext uri="{EFAFB233-063F-42B5-8137-9DF3F51BA10A}">
-      <p15:sldGuideLst xmlns="" xmlns:p15="http://schemas.microsoft.com/office/powerpoint/2012/main">
+      <p15:sldGuideLst xmlns:p15="http://schemas.microsoft.com/office/powerpoint/2012/main">
         <p15:guide id="1" orient="horz" pos="2160">
           <p15:clr>
             <a:srgbClr val="A4A3A4"/>
@@ -573,7 +573,7 @@
           <a:p>
             <a:fld id="{833E9ED6-036A-4359-A3C7-A329645BE7BF}" type="slidenum">
               <a:rPr lang="zh-CN" altLang="en-US" smtClean="0"/>
-              <a:t>13</a:t>
+              <a:t>14</a:t>
             </a:fld>
             <a:endParaRPr lang="zh-CN" altLang="en-US"/>
           </a:p>
@@ -8303,6 +8303,923 @@
         </p:nvSpPr>
         <p:spPr>
           <a:xfrm>
+            <a:off x="1869025" y="243110"/>
+            <a:ext cx="8138575" cy="1280890"/>
+          </a:xfrm>
+        </p:spPr>
+        <p:txBody>
+          <a:bodyPr/>
+          <a:lstStyle/>
+          <a:p>
+            <a:r>
+              <a:rPr lang="zh-CN" altLang="en-US" dirty="0"/>
+              <a:t>接口设计</a:t>
+            </a:r>
+            <a:r>
+              <a:rPr lang="en-US" altLang="zh-CN" dirty="0" smtClean="0"/>
+              <a:t>——</a:t>
+            </a:r>
+            <a:r>
+              <a:rPr lang="zh-CN" altLang="en-US" dirty="0"/>
+              <a:t>内部</a:t>
+            </a:r>
+            <a:r>
+              <a:rPr lang="zh-CN" altLang="en-US" dirty="0" smtClean="0"/>
+              <a:t>接口</a:t>
+            </a:r>
+            <a:endParaRPr lang="zh-CN" altLang="en-US" dirty="0"/>
+          </a:p>
+        </p:txBody>
+      </p:sp>
+      <p:graphicFrame>
+        <p:nvGraphicFramePr>
+          <p:cNvPr id="4" name="内容占位符 3"/>
+          <p:cNvGraphicFramePr>
+            <a:graphicFrameLocks noGrp="1"/>
+          </p:cNvGraphicFramePr>
+          <p:nvPr>
+            <p:ph idx="1"/>
+            <p:extLst>
+              <p:ext uri="{D42A27DB-BD31-4B8C-83A1-F6EECF244321}">
+                <p14:modId xmlns:p14="http://schemas.microsoft.com/office/powerpoint/2010/main" val="2692891161"/>
+              </p:ext>
+            </p:extLst>
+          </p:nvPr>
+        </p:nvGraphicFramePr>
+        <p:xfrm>
+          <a:off x="2628900" y="1447793"/>
+          <a:ext cx="9194800" cy="4597406"/>
+        </p:xfrm>
+        <a:graphic>
+          <a:graphicData uri="http://schemas.openxmlformats.org/drawingml/2006/table">
+            <a:tbl>
+              <a:tblPr>
+                <a:tableStyleId>{5C22544A-7EE6-4342-B048-85BDC9FD1C3A}</a:tableStyleId>
+              </a:tblPr>
+              <a:tblGrid>
+                <a:gridCol w="2300050"/>
+                <a:gridCol w="3253545"/>
+                <a:gridCol w="3641205"/>
+              </a:tblGrid>
+              <a:tr h="417946">
+                <a:tc>
+                  <a:txBody>
+                    <a:bodyPr/>
+                    <a:lstStyle/>
+                    <a:p>
+                      <a:pPr algn="ctr">
+                        <a:spcAft>
+                          <a:spcPts val="0"/>
+                        </a:spcAft>
+                      </a:pPr>
+                      <a:r>
+                        <a:rPr lang="zh-CN" sz="1800" kern="100" dirty="0">
+                          <a:effectLst/>
+                          <a:latin typeface="华文宋体" panose="02010600040101010101" pitchFamily="2" charset="-122"/>
+                          <a:ea typeface="华文宋体" panose="02010600040101010101" pitchFamily="2" charset="-122"/>
+                        </a:rPr>
+                        <a:t>函数</a:t>
+                      </a:r>
+                    </a:p>
+                  </a:txBody>
+                  <a:tcPr marL="68580" marR="68580" marT="0" marB="0" anchor="ctr"/>
+                </a:tc>
+                <a:tc>
+                  <a:txBody>
+                    <a:bodyPr/>
+                    <a:lstStyle/>
+                    <a:p>
+                      <a:pPr algn="ctr">
+                        <a:spcAft>
+                          <a:spcPts val="0"/>
+                        </a:spcAft>
+                      </a:pPr>
+                      <a:r>
+                        <a:rPr lang="zh-CN" sz="1800" kern="100">
+                          <a:effectLst/>
+                          <a:latin typeface="华文宋体" panose="02010600040101010101" pitchFamily="2" charset="-122"/>
+                          <a:ea typeface="华文宋体" panose="02010600040101010101" pitchFamily="2" charset="-122"/>
+                        </a:rPr>
+                        <a:t>输入</a:t>
+                      </a:r>
+                    </a:p>
+                  </a:txBody>
+                  <a:tcPr marL="68580" marR="68580" marT="0" marB="0" anchor="ctr"/>
+                </a:tc>
+                <a:tc>
+                  <a:txBody>
+                    <a:bodyPr/>
+                    <a:lstStyle/>
+                    <a:p>
+                      <a:pPr algn="ctr">
+                        <a:spcAft>
+                          <a:spcPts val="0"/>
+                        </a:spcAft>
+                      </a:pPr>
+                      <a:r>
+                        <a:rPr lang="zh-CN" sz="1800" kern="100">
+                          <a:effectLst/>
+                          <a:latin typeface="华文宋体" panose="02010600040101010101" pitchFamily="2" charset="-122"/>
+                          <a:ea typeface="华文宋体" panose="02010600040101010101" pitchFamily="2" charset="-122"/>
+                        </a:rPr>
+                        <a:t>返回</a:t>
+                      </a:r>
+                    </a:p>
+                  </a:txBody>
+                  <a:tcPr marL="68580" marR="68580" marT="0" marB="0" anchor="ctr"/>
+                </a:tc>
+              </a:tr>
+              <a:tr h="417946">
+                <a:tc>
+                  <a:txBody>
+                    <a:bodyPr/>
+                    <a:lstStyle/>
+                    <a:p>
+                      <a:pPr algn="ctr">
+                        <a:spcAft>
+                          <a:spcPts val="0"/>
+                        </a:spcAft>
+                      </a:pPr>
+                      <a:r>
+                        <a:rPr lang="en-US" sz="1800" kern="100" dirty="0" err="1">
+                          <a:effectLst/>
+                          <a:latin typeface="华文宋体" panose="02010600040101010101" pitchFamily="2" charset="-122"/>
+                          <a:ea typeface="华文宋体" panose="02010600040101010101" pitchFamily="2" charset="-122"/>
+                        </a:rPr>
+                        <a:t>UsrLoginCheck</a:t>
+                      </a:r>
+                      <a:endParaRPr lang="zh-CN" sz="1800" kern="100" dirty="0">
+                        <a:effectLst/>
+                        <a:latin typeface="华文宋体" panose="02010600040101010101" pitchFamily="2" charset="-122"/>
+                        <a:ea typeface="华文宋体" panose="02010600040101010101" pitchFamily="2" charset="-122"/>
+                      </a:endParaRPr>
+                    </a:p>
+                  </a:txBody>
+                  <a:tcPr marL="68580" marR="68580" marT="0" marB="0" anchor="ctr"/>
+                </a:tc>
+                <a:tc>
+                  <a:txBody>
+                    <a:bodyPr/>
+                    <a:lstStyle/>
+                    <a:p>
+                      <a:pPr algn="ctr">
+                        <a:spcAft>
+                          <a:spcPts val="0"/>
+                        </a:spcAft>
+                      </a:pPr>
+                      <a:r>
+                        <a:rPr lang="zh-CN" sz="1800" kern="100">
+                          <a:effectLst/>
+                          <a:latin typeface="华文宋体" panose="02010600040101010101" pitchFamily="2" charset="-122"/>
+                          <a:ea typeface="华文宋体" panose="02010600040101010101" pitchFamily="2" charset="-122"/>
+                        </a:rPr>
+                        <a:t>用户名，密码</a:t>
+                      </a:r>
+                    </a:p>
+                  </a:txBody>
+                  <a:tcPr marL="68580" marR="68580" marT="0" marB="0" anchor="ctr"/>
+                </a:tc>
+                <a:tc>
+                  <a:txBody>
+                    <a:bodyPr/>
+                    <a:lstStyle/>
+                    <a:p>
+                      <a:pPr algn="ctr">
+                        <a:spcAft>
+                          <a:spcPts val="0"/>
+                        </a:spcAft>
+                      </a:pPr>
+                      <a:r>
+                        <a:rPr lang="zh-CN" sz="1800" kern="100">
+                          <a:effectLst/>
+                          <a:latin typeface="华文宋体" panose="02010600040101010101" pitchFamily="2" charset="-122"/>
+                          <a:ea typeface="华文宋体" panose="02010600040101010101" pitchFamily="2" charset="-122"/>
+                        </a:rPr>
+                        <a:t>是否登陆成功</a:t>
+                      </a:r>
+                    </a:p>
+                  </a:txBody>
+                  <a:tcPr marL="68580" marR="68580" marT="0" marB="0" anchor="ctr"/>
+                </a:tc>
+              </a:tr>
+              <a:tr h="417946">
+                <a:tc>
+                  <a:txBody>
+                    <a:bodyPr/>
+                    <a:lstStyle/>
+                    <a:p>
+                      <a:pPr algn="ctr">
+                        <a:spcAft>
+                          <a:spcPts val="0"/>
+                        </a:spcAft>
+                      </a:pPr>
+                      <a:r>
+                        <a:rPr lang="en-US" sz="1800" kern="100">
+                          <a:effectLst/>
+                          <a:latin typeface="华文宋体" panose="02010600040101010101" pitchFamily="2" charset="-122"/>
+                          <a:ea typeface="华文宋体" panose="02010600040101010101" pitchFamily="2" charset="-122"/>
+                        </a:rPr>
+                        <a:t>ManLoginCheck</a:t>
+                      </a:r>
+                      <a:endParaRPr lang="zh-CN" sz="1800" kern="100">
+                        <a:effectLst/>
+                        <a:latin typeface="华文宋体" panose="02010600040101010101" pitchFamily="2" charset="-122"/>
+                        <a:ea typeface="华文宋体" panose="02010600040101010101" pitchFamily="2" charset="-122"/>
+                      </a:endParaRPr>
+                    </a:p>
+                  </a:txBody>
+                  <a:tcPr marL="68580" marR="68580" marT="0" marB="0" anchor="ctr"/>
+                </a:tc>
+                <a:tc>
+                  <a:txBody>
+                    <a:bodyPr/>
+                    <a:lstStyle/>
+                    <a:p>
+                      <a:pPr algn="ctr">
+                        <a:spcAft>
+                          <a:spcPts val="0"/>
+                        </a:spcAft>
+                      </a:pPr>
+                      <a:r>
+                        <a:rPr lang="zh-CN" sz="1800" kern="100">
+                          <a:effectLst/>
+                          <a:latin typeface="华文宋体" panose="02010600040101010101" pitchFamily="2" charset="-122"/>
+                          <a:ea typeface="华文宋体" panose="02010600040101010101" pitchFamily="2" charset="-122"/>
+                        </a:rPr>
+                        <a:t>管理员名，密码</a:t>
+                      </a:r>
+                    </a:p>
+                  </a:txBody>
+                  <a:tcPr marL="68580" marR="68580" marT="0" marB="0" anchor="ctr"/>
+                </a:tc>
+                <a:tc>
+                  <a:txBody>
+                    <a:bodyPr/>
+                    <a:lstStyle/>
+                    <a:p>
+                      <a:pPr algn="ctr">
+                        <a:spcAft>
+                          <a:spcPts val="0"/>
+                        </a:spcAft>
+                      </a:pPr>
+                      <a:r>
+                        <a:rPr lang="zh-CN" sz="1800" kern="100">
+                          <a:effectLst/>
+                          <a:latin typeface="华文宋体" panose="02010600040101010101" pitchFamily="2" charset="-122"/>
+                          <a:ea typeface="华文宋体" panose="02010600040101010101" pitchFamily="2" charset="-122"/>
+                        </a:rPr>
+                        <a:t>是否登陆成功</a:t>
+                      </a:r>
+                    </a:p>
+                  </a:txBody>
+                  <a:tcPr marL="68580" marR="68580" marT="0" marB="0" anchor="ctr"/>
+                </a:tc>
+              </a:tr>
+              <a:tr h="417946">
+                <a:tc>
+                  <a:txBody>
+                    <a:bodyPr/>
+                    <a:lstStyle/>
+                    <a:p>
+                      <a:pPr algn="ctr">
+                        <a:spcAft>
+                          <a:spcPts val="0"/>
+                        </a:spcAft>
+                      </a:pPr>
+                      <a:r>
+                        <a:rPr lang="en-US" sz="1800" kern="100">
+                          <a:effectLst/>
+                          <a:latin typeface="华文宋体" panose="02010600040101010101" pitchFamily="2" charset="-122"/>
+                          <a:ea typeface="华文宋体" panose="02010600040101010101" pitchFamily="2" charset="-122"/>
+                        </a:rPr>
+                        <a:t>Register</a:t>
+                      </a:r>
+                      <a:endParaRPr lang="zh-CN" sz="1800" kern="100">
+                        <a:effectLst/>
+                        <a:latin typeface="华文宋体" panose="02010600040101010101" pitchFamily="2" charset="-122"/>
+                        <a:ea typeface="华文宋体" panose="02010600040101010101" pitchFamily="2" charset="-122"/>
+                      </a:endParaRPr>
+                    </a:p>
+                  </a:txBody>
+                  <a:tcPr marL="68580" marR="68580" marT="0" marB="0" anchor="ctr"/>
+                </a:tc>
+                <a:tc>
+                  <a:txBody>
+                    <a:bodyPr/>
+                    <a:lstStyle/>
+                    <a:p>
+                      <a:pPr algn="ctr">
+                        <a:spcAft>
+                          <a:spcPts val="0"/>
+                        </a:spcAft>
+                      </a:pPr>
+                      <a:r>
+                        <a:rPr lang="zh-CN" sz="1800" kern="100" dirty="0">
+                          <a:effectLst/>
+                          <a:latin typeface="华文宋体" panose="02010600040101010101" pitchFamily="2" charset="-122"/>
+                          <a:ea typeface="华文宋体" panose="02010600040101010101" pitchFamily="2" charset="-122"/>
+                        </a:rPr>
+                        <a:t>注册的用户名，密码</a:t>
+                      </a:r>
+                    </a:p>
+                  </a:txBody>
+                  <a:tcPr marL="68580" marR="68580" marT="0" marB="0" anchor="ctr"/>
+                </a:tc>
+                <a:tc>
+                  <a:txBody>
+                    <a:bodyPr/>
+                    <a:lstStyle/>
+                    <a:p>
+                      <a:pPr algn="ctr">
+                        <a:spcAft>
+                          <a:spcPts val="0"/>
+                        </a:spcAft>
+                      </a:pPr>
+                      <a:r>
+                        <a:rPr lang="zh-CN" sz="1800" kern="100">
+                          <a:effectLst/>
+                          <a:latin typeface="华文宋体" panose="02010600040101010101" pitchFamily="2" charset="-122"/>
+                          <a:ea typeface="华文宋体" panose="02010600040101010101" pitchFamily="2" charset="-122"/>
+                        </a:rPr>
+                        <a:t>是否增加成功</a:t>
+                      </a:r>
+                    </a:p>
+                  </a:txBody>
+                  <a:tcPr marL="68580" marR="68580" marT="0" marB="0" anchor="ctr"/>
+                </a:tc>
+              </a:tr>
+              <a:tr h="417946">
+                <a:tc>
+                  <a:txBody>
+                    <a:bodyPr/>
+                    <a:lstStyle/>
+                    <a:p>
+                      <a:pPr algn="ctr">
+                        <a:spcAft>
+                          <a:spcPts val="0"/>
+                        </a:spcAft>
+                      </a:pPr>
+                      <a:r>
+                        <a:rPr lang="en-US" sz="1800" kern="100">
+                          <a:effectLst/>
+                          <a:latin typeface="华文宋体" panose="02010600040101010101" pitchFamily="2" charset="-122"/>
+                          <a:ea typeface="华文宋体" panose="02010600040101010101" pitchFamily="2" charset="-122"/>
+                        </a:rPr>
+                        <a:t>Vote</a:t>
+                      </a:r>
+                      <a:endParaRPr lang="zh-CN" sz="1800" kern="100">
+                        <a:effectLst/>
+                        <a:latin typeface="华文宋体" panose="02010600040101010101" pitchFamily="2" charset="-122"/>
+                        <a:ea typeface="华文宋体" panose="02010600040101010101" pitchFamily="2" charset="-122"/>
+                      </a:endParaRPr>
+                    </a:p>
+                  </a:txBody>
+                  <a:tcPr marL="68580" marR="68580" marT="0" marB="0" anchor="ctr"/>
+                </a:tc>
+                <a:tc>
+                  <a:txBody>
+                    <a:bodyPr/>
+                    <a:lstStyle/>
+                    <a:p>
+                      <a:pPr algn="ctr">
+                        <a:spcAft>
+                          <a:spcPts val="0"/>
+                        </a:spcAft>
+                      </a:pPr>
+                      <a:r>
+                        <a:rPr lang="zh-CN" sz="1800" kern="100">
+                          <a:effectLst/>
+                          <a:latin typeface="华文宋体" panose="02010600040101010101" pitchFamily="2" charset="-122"/>
+                          <a:ea typeface="华文宋体" panose="02010600040101010101" pitchFamily="2" charset="-122"/>
+                        </a:rPr>
+                        <a:t>用户名，投票编号，投票</a:t>
+                      </a:r>
+                    </a:p>
+                  </a:txBody>
+                  <a:tcPr marL="68580" marR="68580" marT="0" marB="0" anchor="ctr"/>
+                </a:tc>
+                <a:tc>
+                  <a:txBody>
+                    <a:bodyPr/>
+                    <a:lstStyle/>
+                    <a:p>
+                      <a:pPr algn="ctr">
+                        <a:spcAft>
+                          <a:spcPts val="0"/>
+                        </a:spcAft>
+                      </a:pPr>
+                      <a:r>
+                        <a:rPr lang="zh-CN" sz="1800" kern="100">
+                          <a:effectLst/>
+                          <a:latin typeface="华文宋体" panose="02010600040101010101" pitchFamily="2" charset="-122"/>
+                          <a:ea typeface="华文宋体" panose="02010600040101010101" pitchFamily="2" charset="-122"/>
+                        </a:rPr>
+                        <a:t>数据是否更新成功</a:t>
+                      </a:r>
+                    </a:p>
+                  </a:txBody>
+                  <a:tcPr marL="68580" marR="68580" marT="0" marB="0" anchor="ctr"/>
+                </a:tc>
+              </a:tr>
+              <a:tr h="417946">
+                <a:tc>
+                  <a:txBody>
+                    <a:bodyPr/>
+                    <a:lstStyle/>
+                    <a:p>
+                      <a:pPr algn="ctr">
+                        <a:spcAft>
+                          <a:spcPts val="0"/>
+                        </a:spcAft>
+                      </a:pPr>
+                      <a:r>
+                        <a:rPr lang="en-US" sz="1800" kern="100">
+                          <a:effectLst/>
+                          <a:latin typeface="华文宋体" panose="02010600040101010101" pitchFamily="2" charset="-122"/>
+                          <a:ea typeface="华文宋体" panose="02010600040101010101" pitchFamily="2" charset="-122"/>
+                        </a:rPr>
+                        <a:t>CheckVote</a:t>
+                      </a:r>
+                      <a:endParaRPr lang="zh-CN" sz="1800" kern="100">
+                        <a:effectLst/>
+                        <a:latin typeface="华文宋体" panose="02010600040101010101" pitchFamily="2" charset="-122"/>
+                        <a:ea typeface="华文宋体" panose="02010600040101010101" pitchFamily="2" charset="-122"/>
+                      </a:endParaRPr>
+                    </a:p>
+                  </a:txBody>
+                  <a:tcPr marL="68580" marR="68580" marT="0" marB="0" anchor="ctr"/>
+                </a:tc>
+                <a:tc>
+                  <a:txBody>
+                    <a:bodyPr/>
+                    <a:lstStyle/>
+                    <a:p>
+                      <a:pPr algn="ctr">
+                        <a:spcAft>
+                          <a:spcPts val="0"/>
+                        </a:spcAft>
+                      </a:pPr>
+                      <a:r>
+                        <a:rPr lang="zh-CN" sz="1800" kern="100" dirty="0">
+                          <a:effectLst/>
+                          <a:latin typeface="华文宋体" panose="02010600040101010101" pitchFamily="2" charset="-122"/>
+                          <a:ea typeface="华文宋体" panose="02010600040101010101" pitchFamily="2" charset="-122"/>
+                        </a:rPr>
+                        <a:t>投票编号</a:t>
+                      </a:r>
+                    </a:p>
+                  </a:txBody>
+                  <a:tcPr marL="68580" marR="68580" marT="0" marB="0" anchor="ctr"/>
+                </a:tc>
+                <a:tc>
+                  <a:txBody>
+                    <a:bodyPr/>
+                    <a:lstStyle/>
+                    <a:p>
+                      <a:pPr algn="ctr">
+                        <a:spcAft>
+                          <a:spcPts val="0"/>
+                        </a:spcAft>
+                      </a:pPr>
+                      <a:r>
+                        <a:rPr lang="zh-CN" sz="1800" kern="100">
+                          <a:effectLst/>
+                          <a:latin typeface="华文宋体" panose="02010600040101010101" pitchFamily="2" charset="-122"/>
+                          <a:ea typeface="华文宋体" panose="02010600040101010101" pitchFamily="2" charset="-122"/>
+                        </a:rPr>
+                        <a:t>投票结果</a:t>
+                      </a:r>
+                    </a:p>
+                  </a:txBody>
+                  <a:tcPr marL="68580" marR="68580" marT="0" marB="0" anchor="ctr"/>
+                </a:tc>
+              </a:tr>
+              <a:tr h="417946">
+                <a:tc>
+                  <a:txBody>
+                    <a:bodyPr/>
+                    <a:lstStyle/>
+                    <a:p>
+                      <a:pPr algn="ctr">
+                        <a:spcAft>
+                          <a:spcPts val="0"/>
+                        </a:spcAft>
+                      </a:pPr>
+                      <a:r>
+                        <a:rPr lang="en-US" sz="1800" kern="100">
+                          <a:effectLst/>
+                          <a:latin typeface="华文宋体" panose="02010600040101010101" pitchFamily="2" charset="-122"/>
+                          <a:ea typeface="华文宋体" panose="02010600040101010101" pitchFamily="2" charset="-122"/>
+                        </a:rPr>
+                        <a:t>DeleteVote</a:t>
+                      </a:r>
+                      <a:endParaRPr lang="zh-CN" sz="1800" kern="100">
+                        <a:effectLst/>
+                        <a:latin typeface="华文宋体" panose="02010600040101010101" pitchFamily="2" charset="-122"/>
+                        <a:ea typeface="华文宋体" panose="02010600040101010101" pitchFamily="2" charset="-122"/>
+                      </a:endParaRPr>
+                    </a:p>
+                  </a:txBody>
+                  <a:tcPr marL="68580" marR="68580" marT="0" marB="0" anchor="ctr"/>
+                </a:tc>
+                <a:tc>
+                  <a:txBody>
+                    <a:bodyPr/>
+                    <a:lstStyle/>
+                    <a:p>
+                      <a:pPr algn="ctr">
+                        <a:spcAft>
+                          <a:spcPts val="0"/>
+                        </a:spcAft>
+                      </a:pPr>
+                      <a:r>
+                        <a:rPr lang="zh-CN" sz="1800" kern="100">
+                          <a:effectLst/>
+                          <a:latin typeface="华文宋体" panose="02010600040101010101" pitchFamily="2" charset="-122"/>
+                          <a:ea typeface="华文宋体" panose="02010600040101010101" pitchFamily="2" charset="-122"/>
+                        </a:rPr>
+                        <a:t>用户名，投票编号</a:t>
+                      </a:r>
+                    </a:p>
+                  </a:txBody>
+                  <a:tcPr marL="68580" marR="68580" marT="0" marB="0" anchor="ctr"/>
+                </a:tc>
+                <a:tc>
+                  <a:txBody>
+                    <a:bodyPr/>
+                    <a:lstStyle/>
+                    <a:p>
+                      <a:pPr algn="ctr">
+                        <a:spcAft>
+                          <a:spcPts val="0"/>
+                        </a:spcAft>
+                      </a:pPr>
+                      <a:r>
+                        <a:rPr lang="zh-CN" sz="1800" kern="100" dirty="0">
+                          <a:effectLst/>
+                          <a:latin typeface="华文宋体" panose="02010600040101010101" pitchFamily="2" charset="-122"/>
+                          <a:ea typeface="华文宋体" panose="02010600040101010101" pitchFamily="2" charset="-122"/>
+                        </a:rPr>
+                        <a:t>是否删除成功</a:t>
+                      </a:r>
+                    </a:p>
+                  </a:txBody>
+                  <a:tcPr marL="68580" marR="68580" marT="0" marB="0" anchor="ctr"/>
+                </a:tc>
+              </a:tr>
+              <a:tr h="417946">
+                <a:tc>
+                  <a:txBody>
+                    <a:bodyPr/>
+                    <a:lstStyle/>
+                    <a:p>
+                      <a:pPr algn="ctr">
+                        <a:spcAft>
+                          <a:spcPts val="0"/>
+                        </a:spcAft>
+                      </a:pPr>
+                      <a:r>
+                        <a:rPr lang="en-US" sz="1800" kern="100">
+                          <a:effectLst/>
+                          <a:latin typeface="华文宋体" panose="02010600040101010101" pitchFamily="2" charset="-122"/>
+                          <a:ea typeface="华文宋体" panose="02010600040101010101" pitchFamily="2" charset="-122"/>
+                        </a:rPr>
+                        <a:t>DeleteUsr</a:t>
+                      </a:r>
+                      <a:endParaRPr lang="zh-CN" sz="1800" kern="100">
+                        <a:effectLst/>
+                        <a:latin typeface="华文宋体" panose="02010600040101010101" pitchFamily="2" charset="-122"/>
+                        <a:ea typeface="华文宋体" panose="02010600040101010101" pitchFamily="2" charset="-122"/>
+                      </a:endParaRPr>
+                    </a:p>
+                  </a:txBody>
+                  <a:tcPr marL="68580" marR="68580" marT="0" marB="0" anchor="ctr"/>
+                </a:tc>
+                <a:tc>
+                  <a:txBody>
+                    <a:bodyPr/>
+                    <a:lstStyle/>
+                    <a:p>
+                      <a:pPr algn="ctr">
+                        <a:spcAft>
+                          <a:spcPts val="0"/>
+                        </a:spcAft>
+                      </a:pPr>
+                      <a:r>
+                        <a:rPr lang="zh-CN" sz="1800" kern="100">
+                          <a:effectLst/>
+                          <a:latin typeface="华文宋体" panose="02010600040101010101" pitchFamily="2" charset="-122"/>
+                          <a:ea typeface="华文宋体" panose="02010600040101010101" pitchFamily="2" charset="-122"/>
+                        </a:rPr>
+                        <a:t>用户名</a:t>
+                      </a:r>
+                    </a:p>
+                  </a:txBody>
+                  <a:tcPr marL="68580" marR="68580" marT="0" marB="0" anchor="ctr"/>
+                </a:tc>
+                <a:tc>
+                  <a:txBody>
+                    <a:bodyPr/>
+                    <a:lstStyle/>
+                    <a:p>
+                      <a:pPr algn="ctr">
+                        <a:spcAft>
+                          <a:spcPts val="0"/>
+                        </a:spcAft>
+                      </a:pPr>
+                      <a:r>
+                        <a:rPr lang="zh-CN" sz="1800" kern="100">
+                          <a:effectLst/>
+                          <a:latin typeface="华文宋体" panose="02010600040101010101" pitchFamily="2" charset="-122"/>
+                          <a:ea typeface="华文宋体" panose="02010600040101010101" pitchFamily="2" charset="-122"/>
+                        </a:rPr>
+                        <a:t>是否删除成功</a:t>
+                      </a:r>
+                    </a:p>
+                  </a:txBody>
+                  <a:tcPr marL="68580" marR="68580" marT="0" marB="0" anchor="ctr"/>
+                </a:tc>
+              </a:tr>
+              <a:tr h="417946">
+                <a:tc>
+                  <a:txBody>
+                    <a:bodyPr/>
+                    <a:lstStyle/>
+                    <a:p>
+                      <a:pPr algn="ctr">
+                        <a:spcAft>
+                          <a:spcPts val="0"/>
+                        </a:spcAft>
+                      </a:pPr>
+                      <a:r>
+                        <a:rPr lang="en-US" sz="1800" kern="100">
+                          <a:effectLst/>
+                          <a:latin typeface="华文宋体" panose="02010600040101010101" pitchFamily="2" charset="-122"/>
+                          <a:ea typeface="华文宋体" panose="02010600040101010101" pitchFamily="2" charset="-122"/>
+                        </a:rPr>
+                        <a:t>MarkVote</a:t>
+                      </a:r>
+                      <a:endParaRPr lang="zh-CN" sz="1800" kern="100">
+                        <a:effectLst/>
+                        <a:latin typeface="华文宋体" panose="02010600040101010101" pitchFamily="2" charset="-122"/>
+                        <a:ea typeface="华文宋体" panose="02010600040101010101" pitchFamily="2" charset="-122"/>
+                      </a:endParaRPr>
+                    </a:p>
+                  </a:txBody>
+                  <a:tcPr marL="68580" marR="68580" marT="0" marB="0" anchor="ctr"/>
+                </a:tc>
+                <a:tc>
+                  <a:txBody>
+                    <a:bodyPr/>
+                    <a:lstStyle/>
+                    <a:p>
+                      <a:pPr algn="ctr">
+                        <a:spcAft>
+                          <a:spcPts val="0"/>
+                        </a:spcAft>
+                      </a:pPr>
+                      <a:r>
+                        <a:rPr lang="zh-CN" sz="1800" kern="100">
+                          <a:effectLst/>
+                          <a:latin typeface="华文宋体" panose="02010600040101010101" pitchFamily="2" charset="-122"/>
+                          <a:ea typeface="华文宋体" panose="02010600040101010101" pitchFamily="2" charset="-122"/>
+                        </a:rPr>
+                        <a:t>用户名，投票编号</a:t>
+                      </a:r>
+                    </a:p>
+                  </a:txBody>
+                  <a:tcPr marL="68580" marR="68580" marT="0" marB="0" anchor="ctr"/>
+                </a:tc>
+                <a:tc>
+                  <a:txBody>
+                    <a:bodyPr/>
+                    <a:lstStyle/>
+                    <a:p>
+                      <a:pPr algn="ctr">
+                        <a:spcAft>
+                          <a:spcPts val="0"/>
+                        </a:spcAft>
+                      </a:pPr>
+                      <a:r>
+                        <a:rPr lang="zh-CN" sz="1800" kern="100" dirty="0">
+                          <a:effectLst/>
+                          <a:latin typeface="华文宋体" panose="02010600040101010101" pitchFamily="2" charset="-122"/>
+                          <a:ea typeface="华文宋体" panose="02010600040101010101" pitchFamily="2" charset="-122"/>
+                        </a:rPr>
+                        <a:t>是否关注成功</a:t>
+                      </a:r>
+                    </a:p>
+                  </a:txBody>
+                  <a:tcPr marL="68580" marR="68580" marT="0" marB="0" anchor="ctr"/>
+                </a:tc>
+              </a:tr>
+              <a:tr h="417946">
+                <a:tc>
+                  <a:txBody>
+                    <a:bodyPr/>
+                    <a:lstStyle/>
+                    <a:p>
+                      <a:pPr algn="ctr">
+                        <a:spcAft>
+                          <a:spcPts val="0"/>
+                        </a:spcAft>
+                      </a:pPr>
+                      <a:r>
+                        <a:rPr lang="en-US" sz="1800" kern="100">
+                          <a:effectLst/>
+                          <a:latin typeface="华文宋体" panose="02010600040101010101" pitchFamily="2" charset="-122"/>
+                          <a:ea typeface="华文宋体" panose="02010600040101010101" pitchFamily="2" charset="-122"/>
+                        </a:rPr>
+                        <a:t>CheckMark</a:t>
+                      </a:r>
+                      <a:endParaRPr lang="zh-CN" sz="1800" kern="100">
+                        <a:effectLst/>
+                        <a:latin typeface="华文宋体" panose="02010600040101010101" pitchFamily="2" charset="-122"/>
+                        <a:ea typeface="华文宋体" panose="02010600040101010101" pitchFamily="2" charset="-122"/>
+                      </a:endParaRPr>
+                    </a:p>
+                  </a:txBody>
+                  <a:tcPr marL="68580" marR="68580" marT="0" marB="0" anchor="ctr"/>
+                </a:tc>
+                <a:tc>
+                  <a:txBody>
+                    <a:bodyPr/>
+                    <a:lstStyle/>
+                    <a:p>
+                      <a:pPr algn="ctr">
+                        <a:spcAft>
+                          <a:spcPts val="0"/>
+                        </a:spcAft>
+                      </a:pPr>
+                      <a:r>
+                        <a:rPr lang="zh-CN" sz="1800" kern="100">
+                          <a:effectLst/>
+                          <a:latin typeface="华文宋体" panose="02010600040101010101" pitchFamily="2" charset="-122"/>
+                          <a:ea typeface="华文宋体" panose="02010600040101010101" pitchFamily="2" charset="-122"/>
+                        </a:rPr>
+                        <a:t>用户名</a:t>
+                      </a:r>
+                    </a:p>
+                  </a:txBody>
+                  <a:tcPr marL="68580" marR="68580" marT="0" marB="0" anchor="ctr"/>
+                </a:tc>
+                <a:tc>
+                  <a:txBody>
+                    <a:bodyPr/>
+                    <a:lstStyle/>
+                    <a:p>
+                      <a:pPr algn="ctr">
+                        <a:spcAft>
+                          <a:spcPts val="0"/>
+                        </a:spcAft>
+                      </a:pPr>
+                      <a:r>
+                        <a:rPr lang="zh-CN" sz="1800" kern="100" dirty="0">
+                          <a:effectLst/>
+                          <a:latin typeface="华文宋体" panose="02010600040101010101" pitchFamily="2" charset="-122"/>
+                          <a:ea typeface="华文宋体" panose="02010600040101010101" pitchFamily="2" charset="-122"/>
+                        </a:rPr>
+                        <a:t>用户关注列表</a:t>
+                      </a:r>
+                    </a:p>
+                  </a:txBody>
+                  <a:tcPr marL="68580" marR="68580" marT="0" marB="0" anchor="ctr"/>
+                </a:tc>
+              </a:tr>
+              <a:tr h="417946">
+                <a:tc>
+                  <a:txBody>
+                    <a:bodyPr/>
+                    <a:lstStyle/>
+                    <a:p>
+                      <a:pPr algn="ctr">
+                        <a:spcAft>
+                          <a:spcPts val="0"/>
+                        </a:spcAft>
+                      </a:pPr>
+                      <a:r>
+                        <a:rPr lang="en-US" sz="1800" kern="100">
+                          <a:effectLst/>
+                          <a:latin typeface="华文宋体" panose="02010600040101010101" pitchFamily="2" charset="-122"/>
+                          <a:ea typeface="华文宋体" panose="02010600040101010101" pitchFamily="2" charset="-122"/>
+                        </a:rPr>
+                        <a:t>CheckHistory</a:t>
+                      </a:r>
+                      <a:endParaRPr lang="zh-CN" sz="1800" kern="100">
+                        <a:effectLst/>
+                        <a:latin typeface="华文宋体" panose="02010600040101010101" pitchFamily="2" charset="-122"/>
+                        <a:ea typeface="华文宋体" panose="02010600040101010101" pitchFamily="2" charset="-122"/>
+                      </a:endParaRPr>
+                    </a:p>
+                  </a:txBody>
+                  <a:tcPr marL="68580" marR="68580" marT="0" marB="0" anchor="ctr"/>
+                </a:tc>
+                <a:tc>
+                  <a:txBody>
+                    <a:bodyPr/>
+                    <a:lstStyle/>
+                    <a:p>
+                      <a:pPr algn="ctr">
+                        <a:spcAft>
+                          <a:spcPts val="0"/>
+                        </a:spcAft>
+                      </a:pPr>
+                      <a:r>
+                        <a:rPr lang="zh-CN" sz="1800" kern="100">
+                          <a:effectLst/>
+                          <a:latin typeface="华文宋体" panose="02010600040101010101" pitchFamily="2" charset="-122"/>
+                          <a:ea typeface="华文宋体" panose="02010600040101010101" pitchFamily="2" charset="-122"/>
+                        </a:rPr>
+                        <a:t>用户名</a:t>
+                      </a:r>
+                    </a:p>
+                  </a:txBody>
+                  <a:tcPr marL="68580" marR="68580" marT="0" marB="0" anchor="ctr"/>
+                </a:tc>
+                <a:tc>
+                  <a:txBody>
+                    <a:bodyPr/>
+                    <a:lstStyle/>
+                    <a:p>
+                      <a:pPr algn="ctr">
+                        <a:spcAft>
+                          <a:spcPts val="0"/>
+                        </a:spcAft>
+                      </a:pPr>
+                      <a:r>
+                        <a:rPr lang="zh-CN" sz="1800" kern="100" dirty="0">
+                          <a:effectLst/>
+                          <a:latin typeface="华文宋体" panose="02010600040101010101" pitchFamily="2" charset="-122"/>
+                          <a:ea typeface="华文宋体" panose="02010600040101010101" pitchFamily="2" charset="-122"/>
+                        </a:rPr>
+                        <a:t>用户投票历史</a:t>
+                      </a:r>
+                    </a:p>
+                  </a:txBody>
+                  <a:tcPr marL="68580" marR="68580" marT="0" marB="0" anchor="ctr"/>
+                </a:tc>
+              </a:tr>
+            </a:tbl>
+          </a:graphicData>
+        </a:graphic>
+      </p:graphicFrame>
+    </p:spTree>
+    <p:extLst>
+      <p:ext uri="{BB962C8B-B14F-4D97-AF65-F5344CB8AC3E}">
+        <p14:creationId xmlns:p14="http://schemas.microsoft.com/office/powerpoint/2010/main" val="2915597152"/>
+      </p:ext>
+    </p:extLst>
+  </p:cSld>
+  <p:clrMapOvr>
+    <a:masterClrMapping/>
+  </p:clrMapOvr>
+  <mc:AlternateContent xmlns:mc="http://schemas.openxmlformats.org/markup-compatibility/2006" xmlns:p14="http://schemas.microsoft.com/office/powerpoint/2010/main">
+    <mc:Choice Requires="p14">
+      <p:transition p14:dur="0"/>
+    </mc:Choice>
+    <mc:Fallback xmlns="">
+      <p:transition/>
+    </mc:Fallback>
+  </mc:AlternateContent>
+  <p:timing>
+    <p:tnLst>
+      <p:par>
+        <p:cTn id="1" dur="indefinite" restart="never" nodeType="tmRoot"/>
+      </p:par>
+    </p:tnLst>
+  </p:timing>
+</p:sld>
+</file>
+
+<file path=ppt/slides/slide11.xml><?xml version="1.0" encoding="utf-8"?>
+<p:sld xmlns:a="http://schemas.openxmlformats.org/drawingml/2006/main" xmlns:r="http://schemas.openxmlformats.org/officeDocument/2006/relationships" xmlns:p="http://schemas.openxmlformats.org/presentationml/2006/main">
+  <p:cSld>
+    <p:spTree>
+      <p:nvGrpSpPr>
+        <p:cNvPr id="1" name=""/>
+        <p:cNvGrpSpPr/>
+        <p:nvPr/>
+      </p:nvGrpSpPr>
+      <p:grpSpPr>
+        <a:xfrm>
+          <a:off x="0" y="0"/>
+          <a:ext cx="0" cy="0"/>
+          <a:chOff x="0" y="0"/>
+          <a:chExt cx="0" cy="0"/>
+        </a:xfrm>
+      </p:grpSpPr>
+      <p:sp>
+        <p:nvSpPr>
+          <p:cNvPr id="2" name="标题 1"/>
+          <p:cNvSpPr>
+            <a:spLocks noGrp="1"/>
+          </p:cNvSpPr>
+          <p:nvPr>
+            <p:ph type="title"/>
+          </p:nvPr>
+        </p:nvSpPr>
+        <p:spPr>
+          <a:xfrm>
             <a:off x="4436013" y="205010"/>
             <a:ext cx="3006187" cy="1280890"/>
           </a:xfrm>
@@ -8527,7 +9444,7 @@
 </p:sld>
 </file>
 
-<file path=ppt/slides/slide11.xml><?xml version="1.0" encoding="utf-8"?>
+<file path=ppt/slides/slide12.xml><?xml version="1.0" encoding="utf-8"?>
 <p:sld xmlns:a="http://schemas.openxmlformats.org/drawingml/2006/main" xmlns:r="http://schemas.openxmlformats.org/officeDocument/2006/relationships" xmlns:p="http://schemas.openxmlformats.org/presentationml/2006/main">
   <p:cSld>
     <p:spTree>
@@ -8672,28 +9589,22 @@
       </p:sp>
       <p:pic>
         <p:nvPicPr>
-          <p:cNvPr id="4" name="图片 3"/>
+          <p:cNvPr id="5" name="图片 4"/>
           <p:cNvPicPr>
             <a:picLocks noChangeAspect="1"/>
           </p:cNvPicPr>
           <p:nvPr/>
         </p:nvPicPr>
         <p:blipFill>
-          <a:blip r:embed="rId2">
-            <a:extLst>
-              <a:ext uri="{28A0092B-C50C-407E-A947-70E740481C1C}">
-                <a14:useLocalDpi xmlns:a14="http://schemas.microsoft.com/office/drawing/2010/main" val="0"/>
-              </a:ext>
-            </a:extLst>
-          </a:blip>
+          <a:blip r:embed="rId2"/>
           <a:stretch>
             <a:fillRect/>
           </a:stretch>
         </p:blipFill>
         <p:spPr>
           <a:xfrm>
-            <a:off x="1503527" y="812552"/>
-            <a:ext cx="3520745" cy="5715496"/>
+            <a:off x="1651379" y="1152524"/>
+            <a:ext cx="3752574" cy="5425697"/>
           </a:xfrm>
           <a:prstGeom prst="rect">
             <a:avLst/>
@@ -8713,7 +9624,7 @@
 </p:sld>
 </file>
 
-<file path=ppt/slides/slide12.xml><?xml version="1.0" encoding="utf-8"?>
+<file path=ppt/slides/slide13.xml><?xml version="1.0" encoding="utf-8"?>
 <p:sld xmlns:a="http://schemas.openxmlformats.org/drawingml/2006/main" xmlns:r="http://schemas.openxmlformats.org/officeDocument/2006/relationships" xmlns:p="http://schemas.openxmlformats.org/presentationml/2006/main">
   <p:cSld>
     <p:spTree>
@@ -8811,7 +9722,7 @@
 </p:sld>
 </file>
 
-<file path=ppt/slides/slide13.xml><?xml version="1.0" encoding="utf-8"?>
+<file path=ppt/slides/slide14.xml><?xml version="1.0" encoding="utf-8"?>
 <p:sld xmlns:a="http://schemas.openxmlformats.org/drawingml/2006/main" xmlns:r="http://schemas.openxmlformats.org/officeDocument/2006/relationships" xmlns:p="http://schemas.openxmlformats.org/presentationml/2006/main">
   <p:cSld>
     <p:spTree>
@@ -8911,7 +9822,7 @@
 </p:sld>
 </file>
 
-<file path=ppt/slides/slide14.xml><?xml version="1.0" encoding="utf-8"?>
+<file path=ppt/slides/slide15.xml><?xml version="1.0" encoding="utf-8"?>
 <p:sld xmlns:a="http://schemas.openxmlformats.org/drawingml/2006/main" xmlns:r="http://schemas.openxmlformats.org/officeDocument/2006/relationships" xmlns:p="http://schemas.openxmlformats.org/presentationml/2006/main">
   <p:cSld>
     <p:spTree>
@@ -9049,7 +9960,7 @@
 </p:sld>
 </file>
 
-<file path=ppt/slides/slide15.xml><?xml version="1.0" encoding="utf-8"?>
+<file path=ppt/slides/slide16.xml><?xml version="1.0" encoding="utf-8"?>
 <p:sld xmlns:a="http://schemas.openxmlformats.org/drawingml/2006/main" xmlns:r="http://schemas.openxmlformats.org/officeDocument/2006/relationships" xmlns:p="http://schemas.openxmlformats.org/presentationml/2006/main">
   <p:cSld>
     <p:spTree>
@@ -9187,7 +10098,7 @@
 </p:sld>
 </file>
 
-<file path=ppt/slides/slide16.xml><?xml version="1.0" encoding="utf-8"?>
+<file path=ppt/slides/slide17.xml><?xml version="1.0" encoding="utf-8"?>
 <p:sld xmlns:a="http://schemas.openxmlformats.org/drawingml/2006/main" xmlns:r="http://schemas.openxmlformats.org/officeDocument/2006/relationships" xmlns:p="http://schemas.openxmlformats.org/presentationml/2006/main">
   <p:cSld>
     <p:spTree>
@@ -9294,7 +10205,7 @@
 </p:sld>
 </file>
 
-<file path=ppt/slides/slide17.xml><?xml version="1.0" encoding="utf-8"?>
+<file path=ppt/slides/slide18.xml><?xml version="1.0" encoding="utf-8"?>
 <p:sld xmlns:a="http://schemas.openxmlformats.org/drawingml/2006/main" xmlns:r="http://schemas.openxmlformats.org/officeDocument/2006/relationships" xmlns:p="http://schemas.openxmlformats.org/presentationml/2006/main">
   <p:cSld>
     <p:spTree>
@@ -9391,7 +10302,7 @@
 </p:sld>
 </file>
 
-<file path=ppt/slides/slide18.xml><?xml version="1.0" encoding="utf-8"?>
+<file path=ppt/slides/slide19.xml><?xml version="1.0" encoding="utf-8"?>
 <p:sld xmlns:a="http://schemas.openxmlformats.org/drawingml/2006/main" xmlns:r="http://schemas.openxmlformats.org/officeDocument/2006/relationships" xmlns:p="http://schemas.openxmlformats.org/presentationml/2006/main">
   <p:cSld>
     <p:spTree>
@@ -9529,7 +10440,96 @@
 </p:sld>
 </file>
 
-<file path=ppt/slides/slide19.xml><?xml version="1.0" encoding="utf-8"?>
+<file path=ppt/slides/slide2.xml><?xml version="1.0" encoding="utf-8"?>
+<p:sld xmlns:a="http://schemas.openxmlformats.org/drawingml/2006/main" xmlns:r="http://schemas.openxmlformats.org/officeDocument/2006/relationships" xmlns:p="http://schemas.openxmlformats.org/presentationml/2006/main">
+  <p:cSld>
+    <p:spTree>
+      <p:nvGrpSpPr>
+        <p:cNvPr id="1" name=""/>
+        <p:cNvGrpSpPr/>
+        <p:nvPr/>
+      </p:nvGrpSpPr>
+      <p:grpSpPr>
+        <a:xfrm>
+          <a:off x="0" y="0"/>
+          <a:ext cx="0" cy="0"/>
+          <a:chOff x="0" y="0"/>
+          <a:chExt cx="0" cy="0"/>
+        </a:xfrm>
+      </p:grpSpPr>
+      <p:sp>
+        <p:nvSpPr>
+          <p:cNvPr id="2" name="标题 1"/>
+          <p:cNvSpPr>
+            <a:spLocks noGrp="1"/>
+          </p:cNvSpPr>
+          <p:nvPr>
+            <p:ph type="title"/>
+          </p:nvPr>
+        </p:nvSpPr>
+        <p:spPr/>
+        <p:txBody>
+          <a:bodyPr/>
+          <a:lstStyle/>
+          <a:p>
+            <a:r>
+              <a:rPr lang="zh-CN" altLang="en-US" smtClean="0"/>
+              <a:t>施工人员与工期</a:t>
+            </a:r>
+            <a:endParaRPr lang="zh-CN" altLang="en-US"/>
+          </a:p>
+        </p:txBody>
+      </p:sp>
+      <p:pic>
+        <p:nvPicPr>
+          <p:cNvPr id="4" name="内容占位符 3"/>
+          <p:cNvPicPr>
+            <a:picLocks noGrp="1" noChangeAspect="1"/>
+          </p:cNvPicPr>
+          <p:nvPr>
+            <p:ph idx="1"/>
+          </p:nvPr>
+        </p:nvPicPr>
+        <p:blipFill>
+          <a:blip r:embed="rId2">
+            <a:extLst>
+              <a:ext uri="{28A0092B-C50C-407E-A947-70E740481C1C}">
+                <a14:useLocalDpi xmlns:a14="http://schemas.microsoft.com/office/drawing/2010/main" val="0"/>
+              </a:ext>
+            </a:extLst>
+          </a:blip>
+          <a:stretch>
+            <a:fillRect/>
+          </a:stretch>
+        </p:blipFill>
+        <p:spPr>
+          <a:xfrm>
+            <a:off x="442204" y="2369024"/>
+            <a:ext cx="11349012" cy="2327492"/>
+          </a:xfrm>
+        </p:spPr>
+      </p:pic>
+    </p:spTree>
+    <p:extLst>
+      <p:ext uri="{BB962C8B-B14F-4D97-AF65-F5344CB8AC3E}">
+        <p14:creationId xmlns:p14="http://schemas.microsoft.com/office/powerpoint/2010/main" val="2586346490"/>
+      </p:ext>
+    </p:extLst>
+  </p:cSld>
+  <p:clrMapOvr>
+    <a:masterClrMapping/>
+  </p:clrMapOvr>
+  <p:timing>
+    <p:tnLst>
+      <p:par>
+        <p:cTn id="1" dur="indefinite" restart="never" nodeType="tmRoot"/>
+      </p:par>
+    </p:tnLst>
+  </p:timing>
+</p:sld>
+</file>
+
+<file path=ppt/slides/slide20.xml><?xml version="1.0" encoding="utf-8"?>
 <p:sld xmlns:a="http://schemas.openxmlformats.org/drawingml/2006/main" xmlns:r="http://schemas.openxmlformats.org/officeDocument/2006/relationships" xmlns:p="http://schemas.openxmlformats.org/presentationml/2006/main">
   <p:cSld>
     <p:spTree>
@@ -9667,318 +10667,7 @@
 </p:sld>
 </file>
 
-<file path=ppt/slides/slide2.xml><?xml version="1.0" encoding="utf-8"?>
-<p:sld xmlns:a="http://schemas.openxmlformats.org/drawingml/2006/main" xmlns:r="http://schemas.openxmlformats.org/officeDocument/2006/relationships" xmlns:p="http://schemas.openxmlformats.org/presentationml/2006/main">
-  <p:cSld>
-    <p:spTree>
-      <p:nvGrpSpPr>
-        <p:cNvPr id="1" name=""/>
-        <p:cNvGrpSpPr/>
-        <p:nvPr/>
-      </p:nvGrpSpPr>
-      <p:grpSpPr>
-        <a:xfrm>
-          <a:off x="0" y="0"/>
-          <a:ext cx="0" cy="0"/>
-          <a:chOff x="0" y="0"/>
-          <a:chExt cx="0" cy="0"/>
-        </a:xfrm>
-      </p:grpSpPr>
-      <p:sp>
-        <p:nvSpPr>
-          <p:cNvPr id="2" name="标题 1"/>
-          <p:cNvSpPr>
-            <a:spLocks noGrp="1"/>
-          </p:cNvSpPr>
-          <p:nvPr>
-            <p:ph type="title"/>
-          </p:nvPr>
-        </p:nvSpPr>
-        <p:spPr>
-          <a:xfrm>
-            <a:off x="4653738" y="4868564"/>
-            <a:ext cx="6919563" cy="1280890"/>
-          </a:xfrm>
-        </p:spPr>
-        <p:txBody>
-          <a:bodyPr/>
-          <a:lstStyle/>
-          <a:p>
-            <a:r>
-              <a:rPr lang="zh-CN" altLang="en-US" dirty="0" smtClean="0"/>
-              <a:t>“选呗”是什么</a:t>
-            </a:r>
-            <a:r>
-              <a:rPr lang="en-US" altLang="zh-CN" dirty="0" smtClean="0"/>
-              <a:t>——</a:t>
-            </a:r>
-            <a:r>
-              <a:rPr lang="zh-CN" altLang="en-US" dirty="0" smtClean="0"/>
-              <a:t>前情回顾</a:t>
-            </a:r>
-            <a:endParaRPr lang="zh-CN" altLang="en-US" dirty="0"/>
-          </a:p>
-        </p:txBody>
-      </p:sp>
-      <p:sp>
-        <p:nvSpPr>
-          <p:cNvPr id="3" name="内容占位符 2"/>
-          <p:cNvSpPr>
-            <a:spLocks noGrp="1"/>
-          </p:cNvSpPr>
-          <p:nvPr>
-            <p:ph idx="1"/>
-          </p:nvPr>
-        </p:nvSpPr>
-        <p:spPr>
-          <a:xfrm>
-            <a:off x="1009934" y="1187353"/>
-            <a:ext cx="10494678" cy="5117911"/>
-          </a:xfrm>
-        </p:spPr>
-        <p:txBody>
-          <a:bodyPr/>
-          <a:lstStyle/>
-          <a:p>
-            <a:r>
-              <a:rPr lang="zh-CN" altLang="en-US" sz="2800" dirty="0"/>
-              <a:t>实现一个</a:t>
-            </a:r>
-            <a:r>
-              <a:rPr lang="zh-CN" altLang="en-US" sz="2800" dirty="0">
-                <a:solidFill>
-                  <a:srgbClr val="92D050"/>
-                </a:solidFill>
-                <a:effectLst>
-                  <a:outerShdw blurRad="38100" dist="38100" dir="2700000" algn="tl">
-                    <a:srgbClr val="000000">
-                      <a:alpha val="43137"/>
-                    </a:srgbClr>
-                  </a:outerShdw>
-                </a:effectLst>
-              </a:rPr>
-              <a:t>手机应用“</a:t>
-            </a:r>
-            <a:r>
-              <a:rPr lang="zh-CN" altLang="en-US" sz="2800" b="1" dirty="0">
-                <a:solidFill>
-                  <a:srgbClr val="C00000"/>
-                </a:solidFill>
-                <a:effectLst>
-                  <a:outerShdw blurRad="38100" dist="38100" dir="2700000" algn="tl">
-                    <a:srgbClr val="000000">
-                      <a:alpha val="43137"/>
-                    </a:srgbClr>
-                  </a:outerShdw>
-                </a:effectLst>
-              </a:rPr>
-              <a:t>选呗</a:t>
-            </a:r>
-            <a:r>
-              <a:rPr lang="zh-CN" altLang="en-US" sz="2800" dirty="0">
-                <a:solidFill>
-                  <a:srgbClr val="92D050"/>
-                </a:solidFill>
-                <a:effectLst>
-                  <a:outerShdw blurRad="38100" dist="38100" dir="2700000" algn="tl">
-                    <a:srgbClr val="000000">
-                      <a:alpha val="43137"/>
-                    </a:srgbClr>
-                  </a:outerShdw>
-                </a:effectLst>
-              </a:rPr>
-              <a:t>”</a:t>
-            </a:r>
-            <a:endParaRPr lang="en-US" altLang="zh-CN" sz="2800" dirty="0">
-              <a:solidFill>
-                <a:srgbClr val="92D050"/>
-              </a:solidFill>
-              <a:effectLst>
-                <a:outerShdw blurRad="38100" dist="38100" dir="2700000" algn="tl">
-                  <a:srgbClr val="000000">
-                    <a:alpha val="43137"/>
-                  </a:srgbClr>
-                </a:outerShdw>
-              </a:effectLst>
-            </a:endParaRPr>
-          </a:p>
-          <a:p>
-            <a:r>
-              <a:rPr lang="zh-CN" altLang="en-US" sz="2800" dirty="0"/>
-              <a:t>用户可以</a:t>
-            </a:r>
-            <a:r>
-              <a:rPr lang="zh-CN" altLang="en-US" sz="2800" dirty="0">
-                <a:solidFill>
-                  <a:srgbClr val="00B0F0"/>
-                </a:solidFill>
-                <a:effectLst>
-                  <a:outerShdw blurRad="38100" dist="38100" dir="2700000" algn="tl">
-                    <a:srgbClr val="000000">
-                      <a:alpha val="43137"/>
-                    </a:srgbClr>
-                  </a:outerShdw>
-                </a:effectLst>
-              </a:rPr>
-              <a:t>发起投票</a:t>
-            </a:r>
-            <a:r>
-              <a:rPr lang="zh-CN" altLang="en-US" sz="2800" dirty="0"/>
-              <a:t>，上传</a:t>
-            </a:r>
-            <a:r>
-              <a:rPr lang="zh-CN" altLang="en-US" sz="2800" dirty="0">
-                <a:solidFill>
-                  <a:srgbClr val="FFC000"/>
-                </a:solidFill>
-                <a:effectLst>
-                  <a:outerShdw blurRad="38100" dist="38100" dir="2700000" algn="tl">
-                    <a:srgbClr val="000000">
-                      <a:alpha val="43137"/>
-                    </a:srgbClr>
-                  </a:outerShdw>
-                </a:effectLst>
-              </a:rPr>
-              <a:t>至少两张</a:t>
-            </a:r>
-            <a:r>
-              <a:rPr lang="zh-CN" altLang="en-US" sz="2800" dirty="0"/>
-              <a:t>图片用于表达自己面对的选择</a:t>
-            </a:r>
-            <a:endParaRPr lang="en-US" altLang="zh-CN" sz="2800" dirty="0"/>
-          </a:p>
-          <a:p>
-            <a:r>
-              <a:rPr lang="zh-CN" altLang="en-US" sz="2800" dirty="0"/>
-              <a:t>其他用户可以</a:t>
-            </a:r>
-            <a:r>
-              <a:rPr lang="zh-CN" altLang="en-US" sz="2800" dirty="0">
-                <a:solidFill>
-                  <a:srgbClr val="0070C0"/>
-                </a:solidFill>
-                <a:effectLst>
-                  <a:outerShdw blurRad="38100" dist="38100" dir="2700000" algn="tl">
-                    <a:srgbClr val="000000">
-                      <a:alpha val="43137"/>
-                    </a:srgbClr>
-                  </a:outerShdw>
-                </a:effectLst>
-              </a:rPr>
-              <a:t>参与投票</a:t>
-            </a:r>
-            <a:r>
-              <a:rPr lang="zh-CN" altLang="en-US" sz="2800" dirty="0"/>
-              <a:t>，</a:t>
-            </a:r>
-            <a:r>
-              <a:rPr lang="zh-CN" altLang="en-US" sz="2800" dirty="0">
-                <a:solidFill>
-                  <a:schemeClr val="tx1">
-                    <a:lumMod val="60000"/>
-                    <a:lumOff val="40000"/>
-                  </a:schemeClr>
-                </a:solidFill>
-                <a:effectLst>
-                  <a:outerShdw blurRad="38100" dist="38100" dir="2700000" algn="tl">
-                    <a:srgbClr val="000000">
-                      <a:alpha val="43137"/>
-                    </a:srgbClr>
-                  </a:outerShdw>
-                </a:effectLst>
-              </a:rPr>
-              <a:t>选择一张</a:t>
-            </a:r>
-            <a:r>
-              <a:rPr lang="zh-CN" altLang="en-US" sz="2800" dirty="0"/>
-              <a:t>图片作为推荐选择，并进行</a:t>
-            </a:r>
-            <a:r>
-              <a:rPr lang="zh-CN" altLang="en-US" sz="2800" dirty="0">
-                <a:solidFill>
-                  <a:srgbClr val="00B050"/>
-                </a:solidFill>
-                <a:effectLst>
-                  <a:outerShdw blurRad="38100" dist="38100" dir="2700000" algn="tl">
-                    <a:srgbClr val="000000">
-                      <a:alpha val="43137"/>
-                    </a:srgbClr>
-                  </a:outerShdw>
-                </a:effectLst>
-              </a:rPr>
-              <a:t>可选的</a:t>
-            </a:r>
-            <a:r>
-              <a:rPr lang="zh-CN" altLang="en-US" sz="2800" dirty="0"/>
-              <a:t>评论</a:t>
-            </a:r>
-            <a:endParaRPr lang="en-US" altLang="zh-CN" sz="2800" dirty="0"/>
-          </a:p>
-          <a:p>
-            <a:r>
-              <a:rPr lang="zh-CN" altLang="en-US" sz="2800" dirty="0"/>
-              <a:t>杂项功能：</a:t>
-            </a:r>
-            <a:endParaRPr lang="en-US" altLang="zh-CN" sz="2800" dirty="0"/>
-          </a:p>
-          <a:p>
-            <a:pPr lvl="1"/>
-            <a:r>
-              <a:rPr lang="zh-CN" altLang="en-US" sz="2400" dirty="0"/>
-              <a:t>注册</a:t>
-            </a:r>
-            <a:endParaRPr lang="en-US" altLang="zh-CN" sz="2400" dirty="0"/>
-          </a:p>
-          <a:p>
-            <a:pPr lvl="1"/>
-            <a:r>
-              <a:rPr lang="zh-CN" altLang="en-US" sz="2400" dirty="0"/>
-              <a:t>登录</a:t>
-            </a:r>
-            <a:endParaRPr lang="en-US" altLang="zh-CN" sz="2400" dirty="0"/>
-          </a:p>
-          <a:p>
-            <a:pPr lvl="1"/>
-            <a:r>
-              <a:rPr lang="zh-CN" altLang="en-US" sz="2400" dirty="0"/>
-              <a:t>管理</a:t>
-            </a:r>
-            <a:endParaRPr lang="en-US" altLang="zh-CN" sz="2400" dirty="0"/>
-          </a:p>
-          <a:p>
-            <a:pPr lvl="1"/>
-            <a:r>
-              <a:rPr lang="zh-CN" altLang="en-US" sz="2400" dirty="0"/>
-              <a:t>历史</a:t>
-            </a:r>
-            <a:endParaRPr lang="en-US" altLang="zh-CN" sz="2400" dirty="0"/>
-          </a:p>
-          <a:p>
-            <a:endParaRPr lang="zh-CN" altLang="en-US" dirty="0"/>
-          </a:p>
-        </p:txBody>
-      </p:sp>
-    </p:spTree>
-    <p:extLst>
-      <p:ext uri="{BB962C8B-B14F-4D97-AF65-F5344CB8AC3E}">
-        <p14:creationId xmlns:p14="http://schemas.microsoft.com/office/powerpoint/2010/main" val="3383093811"/>
-      </p:ext>
-    </p:extLst>
-  </p:cSld>
-  <p:clrMapOvr>
-    <a:masterClrMapping/>
-  </p:clrMapOvr>
-  <p:timing>
-    <p:tnLst>
-      <p:par>
-        <p:cTn id="1" dur="indefinite" restart="never" nodeType="tmRoot"/>
-      </p:par>
-    </p:tnLst>
-  </p:timing>
-</p:sld>
-</file>
-
-<file path=ppt/slides/slide20.xml><?xml version="1.0" encoding="utf-8"?>
+<file path=ppt/slides/slide21.xml><?xml version="1.0" encoding="utf-8"?>
 <p:sld xmlns:a="http://schemas.openxmlformats.org/drawingml/2006/main" xmlns:r="http://schemas.openxmlformats.org/officeDocument/2006/relationships" xmlns:p="http://schemas.openxmlformats.org/presentationml/2006/main">
   <p:cSld>
     <p:spTree>
@@ -10075,7 +10764,7 @@
 </p:sld>
 </file>
 
-<file path=ppt/slides/slide21.xml><?xml version="1.0" encoding="utf-8"?>
+<file path=ppt/slides/slide22.xml><?xml version="1.0" encoding="utf-8"?>
 <p:sld xmlns:a="http://schemas.openxmlformats.org/drawingml/2006/main" xmlns:r="http://schemas.openxmlformats.org/officeDocument/2006/relationships" xmlns:p="http://schemas.openxmlformats.org/presentationml/2006/main">
   <p:cSld>
     <p:spTree>
@@ -10213,7 +10902,7 @@
 </p:sld>
 </file>
 
-<file path=ppt/slides/slide22.xml><?xml version="1.0" encoding="utf-8"?>
+<file path=ppt/slides/slide23.xml><?xml version="1.0" encoding="utf-8"?>
 <p:sld xmlns:a="http://schemas.openxmlformats.org/drawingml/2006/main" xmlns:r="http://schemas.openxmlformats.org/officeDocument/2006/relationships" xmlns:p="http://schemas.openxmlformats.org/presentationml/2006/main">
   <p:cSld>
     <p:spTree>
@@ -10359,7 +11048,7 @@
 </p:sld>
 </file>
 
-<file path=ppt/slides/slide23.xml><?xml version="1.0" encoding="utf-8"?>
+<file path=ppt/slides/slide24.xml><?xml version="1.0" encoding="utf-8"?>
 <p:sld xmlns:a="http://schemas.openxmlformats.org/drawingml/2006/main" xmlns:r="http://schemas.openxmlformats.org/officeDocument/2006/relationships" xmlns:p="http://schemas.openxmlformats.org/presentationml/2006/main">
   <p:cSld>
     <p:spTree>
@@ -10495,7 +11184,7 @@
 </p:sld>
 </file>
 
-<file path=ppt/slides/slide24.xml><?xml version="1.0" encoding="utf-8"?>
+<file path=ppt/slides/slide25.xml><?xml version="1.0" encoding="utf-8"?>
 <p:sld xmlns:a="http://schemas.openxmlformats.org/drawingml/2006/main" xmlns:r="http://schemas.openxmlformats.org/officeDocument/2006/relationships" xmlns:p="http://schemas.openxmlformats.org/presentationml/2006/main">
   <p:cSld>
     <p:spTree>
@@ -10591,7 +11280,7 @@
 </p:sld>
 </file>
 
-<file path=ppt/slides/slide25.xml><?xml version="1.0" encoding="utf-8"?>
+<file path=ppt/slides/slide26.xml><?xml version="1.0" encoding="utf-8"?>
 <p:sld xmlns:a="http://schemas.openxmlformats.org/drawingml/2006/main" xmlns:r="http://schemas.openxmlformats.org/officeDocument/2006/relationships" xmlns:p="http://schemas.openxmlformats.org/presentationml/2006/main">
   <p:cSld>
     <p:spTree>
@@ -10696,7 +11385,7 @@
 </p:sld>
 </file>
 
-<file path=ppt/slides/slide26.xml><?xml version="1.0" encoding="utf-8"?>
+<file path=ppt/slides/slide27.xml><?xml version="1.0" encoding="utf-8"?>
 <p:sld xmlns:a="http://schemas.openxmlformats.org/drawingml/2006/main" xmlns:r="http://schemas.openxmlformats.org/officeDocument/2006/relationships" xmlns:p="http://schemas.openxmlformats.org/presentationml/2006/main">
   <p:cSld>
     <p:spTree>
@@ -10793,7 +11482,7 @@
 </p:sld>
 </file>
 
-<file path=ppt/slides/slide27.xml><?xml version="1.0" encoding="utf-8"?>
+<file path=ppt/slides/slide28.xml><?xml version="1.0" encoding="utf-8"?>
 <p:sld xmlns:a="http://schemas.openxmlformats.org/drawingml/2006/main" xmlns:r="http://schemas.openxmlformats.org/officeDocument/2006/relationships" xmlns:p="http://schemas.openxmlformats.org/presentationml/2006/main">
   <p:cSld>
     <p:spTree>
@@ -10890,7 +11579,7 @@
 </p:sld>
 </file>
 
-<file path=ppt/slides/slide28.xml><?xml version="1.0" encoding="utf-8"?>
+<file path=ppt/slides/slide29.xml><?xml version="1.0" encoding="utf-8"?>
 <p:sld xmlns:a="http://schemas.openxmlformats.org/drawingml/2006/main" xmlns:r="http://schemas.openxmlformats.org/officeDocument/2006/relationships" xmlns:p="http://schemas.openxmlformats.org/presentationml/2006/main">
   <p:cSld>
     <p:spTree>
@@ -10987,7 +11676,318 @@
 </p:sld>
 </file>
 
-<file path=ppt/slides/slide29.xml><?xml version="1.0" encoding="utf-8"?>
+<file path=ppt/slides/slide3.xml><?xml version="1.0" encoding="utf-8"?>
+<p:sld xmlns:a="http://schemas.openxmlformats.org/drawingml/2006/main" xmlns:r="http://schemas.openxmlformats.org/officeDocument/2006/relationships" xmlns:p="http://schemas.openxmlformats.org/presentationml/2006/main">
+  <p:cSld>
+    <p:spTree>
+      <p:nvGrpSpPr>
+        <p:cNvPr id="1" name=""/>
+        <p:cNvGrpSpPr/>
+        <p:nvPr/>
+      </p:nvGrpSpPr>
+      <p:grpSpPr>
+        <a:xfrm>
+          <a:off x="0" y="0"/>
+          <a:ext cx="0" cy="0"/>
+          <a:chOff x="0" y="0"/>
+          <a:chExt cx="0" cy="0"/>
+        </a:xfrm>
+      </p:grpSpPr>
+      <p:sp>
+        <p:nvSpPr>
+          <p:cNvPr id="2" name="标题 1"/>
+          <p:cNvSpPr>
+            <a:spLocks noGrp="1"/>
+          </p:cNvSpPr>
+          <p:nvPr>
+            <p:ph type="title"/>
+          </p:nvPr>
+        </p:nvSpPr>
+        <p:spPr>
+          <a:xfrm>
+            <a:off x="4653738" y="4868564"/>
+            <a:ext cx="6919563" cy="1280890"/>
+          </a:xfrm>
+        </p:spPr>
+        <p:txBody>
+          <a:bodyPr/>
+          <a:lstStyle/>
+          <a:p>
+            <a:r>
+              <a:rPr lang="zh-CN" altLang="en-US" dirty="0" smtClean="0"/>
+              <a:t>“选呗”是什么</a:t>
+            </a:r>
+            <a:r>
+              <a:rPr lang="en-US" altLang="zh-CN" dirty="0" smtClean="0"/>
+              <a:t>——</a:t>
+            </a:r>
+            <a:r>
+              <a:rPr lang="zh-CN" altLang="en-US" dirty="0" smtClean="0"/>
+              <a:t>前情回顾</a:t>
+            </a:r>
+            <a:endParaRPr lang="zh-CN" altLang="en-US" dirty="0"/>
+          </a:p>
+        </p:txBody>
+      </p:sp>
+      <p:sp>
+        <p:nvSpPr>
+          <p:cNvPr id="3" name="内容占位符 2"/>
+          <p:cNvSpPr>
+            <a:spLocks noGrp="1"/>
+          </p:cNvSpPr>
+          <p:nvPr>
+            <p:ph idx="1"/>
+          </p:nvPr>
+        </p:nvSpPr>
+        <p:spPr>
+          <a:xfrm>
+            <a:off x="1009934" y="1187353"/>
+            <a:ext cx="10494678" cy="5117911"/>
+          </a:xfrm>
+        </p:spPr>
+        <p:txBody>
+          <a:bodyPr/>
+          <a:lstStyle/>
+          <a:p>
+            <a:r>
+              <a:rPr lang="zh-CN" altLang="en-US" sz="2800" dirty="0"/>
+              <a:t>实现一个</a:t>
+            </a:r>
+            <a:r>
+              <a:rPr lang="zh-CN" altLang="en-US" sz="2800" dirty="0">
+                <a:solidFill>
+                  <a:srgbClr val="92D050"/>
+                </a:solidFill>
+                <a:effectLst>
+                  <a:outerShdw blurRad="38100" dist="38100" dir="2700000" algn="tl">
+                    <a:srgbClr val="000000">
+                      <a:alpha val="43137"/>
+                    </a:srgbClr>
+                  </a:outerShdw>
+                </a:effectLst>
+              </a:rPr>
+              <a:t>手机应用“</a:t>
+            </a:r>
+            <a:r>
+              <a:rPr lang="zh-CN" altLang="en-US" sz="2800" b="1" dirty="0">
+                <a:solidFill>
+                  <a:srgbClr val="C00000"/>
+                </a:solidFill>
+                <a:effectLst>
+                  <a:outerShdw blurRad="38100" dist="38100" dir="2700000" algn="tl">
+                    <a:srgbClr val="000000">
+                      <a:alpha val="43137"/>
+                    </a:srgbClr>
+                  </a:outerShdw>
+                </a:effectLst>
+              </a:rPr>
+              <a:t>选呗</a:t>
+            </a:r>
+            <a:r>
+              <a:rPr lang="zh-CN" altLang="en-US" sz="2800" dirty="0">
+                <a:solidFill>
+                  <a:srgbClr val="92D050"/>
+                </a:solidFill>
+                <a:effectLst>
+                  <a:outerShdw blurRad="38100" dist="38100" dir="2700000" algn="tl">
+                    <a:srgbClr val="000000">
+                      <a:alpha val="43137"/>
+                    </a:srgbClr>
+                  </a:outerShdw>
+                </a:effectLst>
+              </a:rPr>
+              <a:t>”</a:t>
+            </a:r>
+            <a:endParaRPr lang="en-US" altLang="zh-CN" sz="2800" dirty="0">
+              <a:solidFill>
+                <a:srgbClr val="92D050"/>
+              </a:solidFill>
+              <a:effectLst>
+                <a:outerShdw blurRad="38100" dist="38100" dir="2700000" algn="tl">
+                  <a:srgbClr val="000000">
+                    <a:alpha val="43137"/>
+                  </a:srgbClr>
+                </a:outerShdw>
+              </a:effectLst>
+            </a:endParaRPr>
+          </a:p>
+          <a:p>
+            <a:r>
+              <a:rPr lang="zh-CN" altLang="en-US" sz="2800" dirty="0"/>
+              <a:t>用户可以</a:t>
+            </a:r>
+            <a:r>
+              <a:rPr lang="zh-CN" altLang="en-US" sz="2800" dirty="0">
+                <a:solidFill>
+                  <a:srgbClr val="00B0F0"/>
+                </a:solidFill>
+                <a:effectLst>
+                  <a:outerShdw blurRad="38100" dist="38100" dir="2700000" algn="tl">
+                    <a:srgbClr val="000000">
+                      <a:alpha val="43137"/>
+                    </a:srgbClr>
+                  </a:outerShdw>
+                </a:effectLst>
+              </a:rPr>
+              <a:t>发起投票</a:t>
+            </a:r>
+            <a:r>
+              <a:rPr lang="zh-CN" altLang="en-US" sz="2800" dirty="0"/>
+              <a:t>，上传</a:t>
+            </a:r>
+            <a:r>
+              <a:rPr lang="zh-CN" altLang="en-US" sz="2800" dirty="0">
+                <a:solidFill>
+                  <a:srgbClr val="FFC000"/>
+                </a:solidFill>
+                <a:effectLst>
+                  <a:outerShdw blurRad="38100" dist="38100" dir="2700000" algn="tl">
+                    <a:srgbClr val="000000">
+                      <a:alpha val="43137"/>
+                    </a:srgbClr>
+                  </a:outerShdw>
+                </a:effectLst>
+              </a:rPr>
+              <a:t>至少两张</a:t>
+            </a:r>
+            <a:r>
+              <a:rPr lang="zh-CN" altLang="en-US" sz="2800" dirty="0"/>
+              <a:t>图片用于表达自己面对的选择</a:t>
+            </a:r>
+            <a:endParaRPr lang="en-US" altLang="zh-CN" sz="2800" dirty="0"/>
+          </a:p>
+          <a:p>
+            <a:r>
+              <a:rPr lang="zh-CN" altLang="en-US" sz="2800" dirty="0"/>
+              <a:t>其他用户可以</a:t>
+            </a:r>
+            <a:r>
+              <a:rPr lang="zh-CN" altLang="en-US" sz="2800" dirty="0">
+                <a:solidFill>
+                  <a:srgbClr val="0070C0"/>
+                </a:solidFill>
+                <a:effectLst>
+                  <a:outerShdw blurRad="38100" dist="38100" dir="2700000" algn="tl">
+                    <a:srgbClr val="000000">
+                      <a:alpha val="43137"/>
+                    </a:srgbClr>
+                  </a:outerShdw>
+                </a:effectLst>
+              </a:rPr>
+              <a:t>参与投票</a:t>
+            </a:r>
+            <a:r>
+              <a:rPr lang="zh-CN" altLang="en-US" sz="2800" dirty="0"/>
+              <a:t>，</a:t>
+            </a:r>
+            <a:r>
+              <a:rPr lang="zh-CN" altLang="en-US" sz="2800" dirty="0">
+                <a:solidFill>
+                  <a:schemeClr val="tx1">
+                    <a:lumMod val="60000"/>
+                    <a:lumOff val="40000"/>
+                  </a:schemeClr>
+                </a:solidFill>
+                <a:effectLst>
+                  <a:outerShdw blurRad="38100" dist="38100" dir="2700000" algn="tl">
+                    <a:srgbClr val="000000">
+                      <a:alpha val="43137"/>
+                    </a:srgbClr>
+                  </a:outerShdw>
+                </a:effectLst>
+              </a:rPr>
+              <a:t>选择一张</a:t>
+            </a:r>
+            <a:r>
+              <a:rPr lang="zh-CN" altLang="en-US" sz="2800" dirty="0"/>
+              <a:t>图片作为推荐选择，并进行</a:t>
+            </a:r>
+            <a:r>
+              <a:rPr lang="zh-CN" altLang="en-US" sz="2800" dirty="0">
+                <a:solidFill>
+                  <a:srgbClr val="00B050"/>
+                </a:solidFill>
+                <a:effectLst>
+                  <a:outerShdw blurRad="38100" dist="38100" dir="2700000" algn="tl">
+                    <a:srgbClr val="000000">
+                      <a:alpha val="43137"/>
+                    </a:srgbClr>
+                  </a:outerShdw>
+                </a:effectLst>
+              </a:rPr>
+              <a:t>可选的</a:t>
+            </a:r>
+            <a:r>
+              <a:rPr lang="zh-CN" altLang="en-US" sz="2800" dirty="0"/>
+              <a:t>评论</a:t>
+            </a:r>
+            <a:endParaRPr lang="en-US" altLang="zh-CN" sz="2800" dirty="0"/>
+          </a:p>
+          <a:p>
+            <a:r>
+              <a:rPr lang="zh-CN" altLang="en-US" sz="2800" dirty="0"/>
+              <a:t>杂项功能：</a:t>
+            </a:r>
+            <a:endParaRPr lang="en-US" altLang="zh-CN" sz="2800" dirty="0"/>
+          </a:p>
+          <a:p>
+            <a:pPr lvl="1"/>
+            <a:r>
+              <a:rPr lang="zh-CN" altLang="en-US" sz="2400" dirty="0"/>
+              <a:t>注册</a:t>
+            </a:r>
+            <a:endParaRPr lang="en-US" altLang="zh-CN" sz="2400" dirty="0"/>
+          </a:p>
+          <a:p>
+            <a:pPr lvl="1"/>
+            <a:r>
+              <a:rPr lang="zh-CN" altLang="en-US" sz="2400" dirty="0"/>
+              <a:t>登录</a:t>
+            </a:r>
+            <a:endParaRPr lang="en-US" altLang="zh-CN" sz="2400" dirty="0"/>
+          </a:p>
+          <a:p>
+            <a:pPr lvl="1"/>
+            <a:r>
+              <a:rPr lang="zh-CN" altLang="en-US" sz="2400" dirty="0"/>
+              <a:t>管理</a:t>
+            </a:r>
+            <a:endParaRPr lang="en-US" altLang="zh-CN" sz="2400" dirty="0"/>
+          </a:p>
+          <a:p>
+            <a:pPr lvl="1"/>
+            <a:r>
+              <a:rPr lang="zh-CN" altLang="en-US" sz="2400" dirty="0"/>
+              <a:t>历史</a:t>
+            </a:r>
+            <a:endParaRPr lang="en-US" altLang="zh-CN" sz="2400" dirty="0"/>
+          </a:p>
+          <a:p>
+            <a:endParaRPr lang="zh-CN" altLang="en-US" dirty="0"/>
+          </a:p>
+        </p:txBody>
+      </p:sp>
+    </p:spTree>
+    <p:extLst>
+      <p:ext uri="{BB962C8B-B14F-4D97-AF65-F5344CB8AC3E}">
+        <p14:creationId xmlns:p14="http://schemas.microsoft.com/office/powerpoint/2010/main" val="3383093811"/>
+      </p:ext>
+    </p:extLst>
+  </p:cSld>
+  <p:clrMapOvr>
+    <a:masterClrMapping/>
+  </p:clrMapOvr>
+  <p:timing>
+    <p:tnLst>
+      <p:par>
+        <p:cTn id="1" dur="indefinite" restart="never" nodeType="tmRoot"/>
+      </p:par>
+    </p:tnLst>
+  </p:timing>
+</p:sld>
+</file>
+
+<file path=ppt/slides/slide30.xml><?xml version="1.0" encoding="utf-8"?>
 <p:sld xmlns:a="http://schemas.openxmlformats.org/drawingml/2006/main" xmlns:r="http://schemas.openxmlformats.org/officeDocument/2006/relationships" xmlns:p="http://schemas.openxmlformats.org/presentationml/2006/main">
   <p:cSld>
     <p:spTree>
@@ -11124,110 +12124,7 @@
 </p:sld>
 </file>
 
-<file path=ppt/slides/slide3.xml><?xml version="1.0" encoding="utf-8"?>
-<p:sld xmlns:a="http://schemas.openxmlformats.org/drawingml/2006/main" xmlns:r="http://schemas.openxmlformats.org/officeDocument/2006/relationships" xmlns:p="http://schemas.openxmlformats.org/presentationml/2006/main">
-  <p:cSld>
-    <p:spTree>
-      <p:nvGrpSpPr>
-        <p:cNvPr id="1" name=""/>
-        <p:cNvGrpSpPr/>
-        <p:nvPr/>
-      </p:nvGrpSpPr>
-      <p:grpSpPr>
-        <a:xfrm>
-          <a:off x="0" y="0"/>
-          <a:ext cx="0" cy="0"/>
-          <a:chOff x="0" y="0"/>
-          <a:chExt cx="0" cy="0"/>
-        </a:xfrm>
-      </p:grpSpPr>
-      <p:sp>
-        <p:nvSpPr>
-          <p:cNvPr id="2" name="标题 1"/>
-          <p:cNvSpPr>
-            <a:spLocks noGrp="1"/>
-          </p:cNvSpPr>
-          <p:nvPr>
-            <p:ph type="ctrTitle"/>
-          </p:nvPr>
-        </p:nvSpPr>
-        <p:spPr/>
-        <p:txBody>
-          <a:bodyPr/>
-          <a:lstStyle/>
-          <a:p>
-            <a:r>
-              <a:rPr lang="zh-CN" altLang="en-US" dirty="0"/>
-              <a:t>概要</a:t>
-            </a:r>
-            <a:r>
-              <a:rPr lang="zh-CN" altLang="en-US" dirty="0" smtClean="0"/>
-              <a:t>设计</a:t>
-            </a:r>
-            <a:endParaRPr lang="zh-CN" altLang="en-US" dirty="0"/>
-          </a:p>
-        </p:txBody>
-      </p:sp>
-      <p:sp>
-        <p:nvSpPr>
-          <p:cNvPr id="3" name="副标题 2"/>
-          <p:cNvSpPr>
-            <a:spLocks noGrp="1"/>
-          </p:cNvSpPr>
-          <p:nvPr>
-            <p:ph type="subTitle" idx="1"/>
-          </p:nvPr>
-        </p:nvSpPr>
-        <p:spPr/>
-        <p:txBody>
-          <a:bodyPr/>
-          <a:lstStyle/>
-          <a:p>
-            <a:r>
-              <a:rPr lang="zh-CN" altLang="en-US" dirty="0" smtClean="0"/>
-              <a:t>根据结构化分析数据流图设计初始</a:t>
-            </a:r>
-            <a:r>
-              <a:rPr lang="en-US" altLang="zh-CN" dirty="0" smtClean="0"/>
-              <a:t>MSD</a:t>
-            </a:r>
-            <a:r>
-              <a:rPr lang="zh-CN" altLang="en-US" dirty="0" smtClean="0"/>
-              <a:t>以及其他设计</a:t>
-            </a:r>
-            <a:endParaRPr lang="zh-CN" altLang="en-US" dirty="0"/>
-          </a:p>
-        </p:txBody>
-      </p:sp>
-    </p:spTree>
-    <p:extLst>
-      <p:ext uri="{BB962C8B-B14F-4D97-AF65-F5344CB8AC3E}">
-        <p14:creationId xmlns:p14="http://schemas.microsoft.com/office/powerpoint/2010/main" val="38665523"/>
-      </p:ext>
-    </p:extLst>
-  </p:cSld>
-  <p:clrMapOvr>
-    <a:masterClrMapping/>
-  </p:clrMapOvr>
-  <mc:AlternateContent xmlns:mc="http://schemas.openxmlformats.org/markup-compatibility/2006" xmlns:p14="http://schemas.microsoft.com/office/powerpoint/2010/main">
-    <mc:Choice Requires="p14">
-      <p:transition p14:dur="0"/>
-    </mc:Choice>
-    <mc:Fallback xmlns="">
-      <p:transition/>
-    </mc:Fallback>
-  </mc:AlternateContent>
-  <p:timing>
-    <p:tnLst>
-      <p:par>
-        <p:cTn id="1" dur="indefinite" restart="never" nodeType="tmRoot"/>
-      </p:par>
-    </p:tnLst>
-  </p:timing>
-</p:sld>
-</file>
-
-<file path=ppt/slides/slide30.xml><?xml version="1.0" encoding="utf-8"?>
+<file path=ppt/slides/slide31.xml><?xml version="1.0" encoding="utf-8"?>
 <p:sld xmlns:a="http://schemas.openxmlformats.org/drawingml/2006/main" xmlns:r="http://schemas.openxmlformats.org/officeDocument/2006/relationships" xmlns:p="http://schemas.openxmlformats.org/presentationml/2006/main">
   <p:cSld>
     <p:spTree>
@@ -11360,7 +12257,7 @@
 </p:sld>
 </file>
 
-<file path=ppt/slides/slide31.xml><?xml version="1.0" encoding="utf-8"?>
+<file path=ppt/slides/slide32.xml><?xml version="1.0" encoding="utf-8"?>
 <p:sld xmlns:a="http://schemas.openxmlformats.org/drawingml/2006/main" xmlns:r="http://schemas.openxmlformats.org/officeDocument/2006/relationships" xmlns:p="http://schemas.openxmlformats.org/presentationml/2006/main">
   <p:cSld>
     <p:spTree>
@@ -11457,95 +12354,6 @@
 </p:sld>
 </file>
 
-<file path=ppt/slides/slide32.xml><?xml version="1.0" encoding="utf-8"?>
-<p:sld xmlns:a="http://schemas.openxmlformats.org/drawingml/2006/main" xmlns:r="http://schemas.openxmlformats.org/officeDocument/2006/relationships" xmlns:p="http://schemas.openxmlformats.org/presentationml/2006/main">
-  <p:cSld>
-    <p:spTree>
-      <p:nvGrpSpPr>
-        <p:cNvPr id="1" name=""/>
-        <p:cNvGrpSpPr/>
-        <p:nvPr/>
-      </p:nvGrpSpPr>
-      <p:grpSpPr>
-        <a:xfrm>
-          <a:off x="0" y="0"/>
-          <a:ext cx="0" cy="0"/>
-          <a:chOff x="0" y="0"/>
-          <a:chExt cx="0" cy="0"/>
-        </a:xfrm>
-      </p:grpSpPr>
-      <p:sp>
-        <p:nvSpPr>
-          <p:cNvPr id="2" name="标题 1"/>
-          <p:cNvSpPr>
-            <a:spLocks noGrp="1"/>
-          </p:cNvSpPr>
-          <p:nvPr>
-            <p:ph type="title"/>
-          </p:nvPr>
-        </p:nvSpPr>
-        <p:spPr/>
-        <p:txBody>
-          <a:bodyPr/>
-          <a:lstStyle/>
-          <a:p>
-            <a:r>
-              <a:rPr lang="zh-CN" altLang="en-US" smtClean="0"/>
-              <a:t>施工人员与工期</a:t>
-            </a:r>
-            <a:endParaRPr lang="zh-CN" altLang="en-US"/>
-          </a:p>
-        </p:txBody>
-      </p:sp>
-      <p:pic>
-        <p:nvPicPr>
-          <p:cNvPr id="4" name="内容占位符 3"/>
-          <p:cNvPicPr>
-            <a:picLocks noGrp="1" noChangeAspect="1"/>
-          </p:cNvPicPr>
-          <p:nvPr>
-            <p:ph idx="1"/>
-          </p:nvPr>
-        </p:nvPicPr>
-        <p:blipFill>
-          <a:blip r:embed="rId2">
-            <a:extLst>
-              <a:ext uri="{28A0092B-C50C-407E-A947-70E740481C1C}">
-                <a14:useLocalDpi xmlns:a14="http://schemas.microsoft.com/office/drawing/2010/main" val="0"/>
-              </a:ext>
-            </a:extLst>
-          </a:blip>
-          <a:stretch>
-            <a:fillRect/>
-          </a:stretch>
-        </p:blipFill>
-        <p:spPr>
-          <a:xfrm>
-            <a:off x="442204" y="2369024"/>
-            <a:ext cx="11349012" cy="2327492"/>
-          </a:xfrm>
-        </p:spPr>
-      </p:pic>
-    </p:spTree>
-    <p:extLst>
-      <p:ext uri="{BB962C8B-B14F-4D97-AF65-F5344CB8AC3E}">
-        <p14:creationId xmlns:p14="http://schemas.microsoft.com/office/powerpoint/2010/main" val="4163350754"/>
-      </p:ext>
-    </p:extLst>
-  </p:cSld>
-  <p:clrMapOvr>
-    <a:masterClrMapping/>
-  </p:clrMapOvr>
-  <p:timing>
-    <p:tnLst>
-      <p:par>
-        <p:cTn id="1" dur="indefinite" restart="never" nodeType="tmRoot"/>
-      </p:par>
-    </p:tnLst>
-  </p:timing>
-</p:sld>
-</file>
-
 <file path=ppt/slides/slide33.xml><?xml version="1.0" encoding="utf-8"?>
 <p:sld xmlns:a="http://schemas.openxmlformats.org/drawingml/2006/main" xmlns:r="http://schemas.openxmlformats.org/officeDocument/2006/relationships" xmlns:p="http://schemas.openxmlformats.org/presentationml/2006/main">
   <p:cSld>
@@ -11630,6 +12438,109 @@
           <a:chExt cx="0" cy="0"/>
         </a:xfrm>
       </p:grpSpPr>
+      <p:sp>
+        <p:nvSpPr>
+          <p:cNvPr id="2" name="标题 1"/>
+          <p:cNvSpPr>
+            <a:spLocks noGrp="1"/>
+          </p:cNvSpPr>
+          <p:nvPr>
+            <p:ph type="ctrTitle"/>
+          </p:nvPr>
+        </p:nvSpPr>
+        <p:spPr/>
+        <p:txBody>
+          <a:bodyPr/>
+          <a:lstStyle/>
+          <a:p>
+            <a:r>
+              <a:rPr lang="zh-CN" altLang="en-US" dirty="0"/>
+              <a:t>概要</a:t>
+            </a:r>
+            <a:r>
+              <a:rPr lang="zh-CN" altLang="en-US" dirty="0" smtClean="0"/>
+              <a:t>设计</a:t>
+            </a:r>
+            <a:endParaRPr lang="zh-CN" altLang="en-US" dirty="0"/>
+          </a:p>
+        </p:txBody>
+      </p:sp>
+      <p:sp>
+        <p:nvSpPr>
+          <p:cNvPr id="3" name="副标题 2"/>
+          <p:cNvSpPr>
+            <a:spLocks noGrp="1"/>
+          </p:cNvSpPr>
+          <p:nvPr>
+            <p:ph type="subTitle" idx="1"/>
+          </p:nvPr>
+        </p:nvSpPr>
+        <p:spPr/>
+        <p:txBody>
+          <a:bodyPr/>
+          <a:lstStyle/>
+          <a:p>
+            <a:r>
+              <a:rPr lang="zh-CN" altLang="en-US" dirty="0" smtClean="0"/>
+              <a:t>根据结构化分析数据流图设计初始</a:t>
+            </a:r>
+            <a:r>
+              <a:rPr lang="en-US" altLang="zh-CN" dirty="0" smtClean="0"/>
+              <a:t>MSD</a:t>
+            </a:r>
+            <a:r>
+              <a:rPr lang="zh-CN" altLang="en-US" dirty="0" smtClean="0"/>
+              <a:t>以及其他设计</a:t>
+            </a:r>
+            <a:endParaRPr lang="zh-CN" altLang="en-US" dirty="0"/>
+          </a:p>
+        </p:txBody>
+      </p:sp>
+    </p:spTree>
+    <p:extLst>
+      <p:ext uri="{BB962C8B-B14F-4D97-AF65-F5344CB8AC3E}">
+        <p14:creationId xmlns:p14="http://schemas.microsoft.com/office/powerpoint/2010/main" val="38665523"/>
+      </p:ext>
+    </p:extLst>
+  </p:cSld>
+  <p:clrMapOvr>
+    <a:masterClrMapping/>
+  </p:clrMapOvr>
+  <mc:AlternateContent xmlns:mc="http://schemas.openxmlformats.org/markup-compatibility/2006" xmlns:p14="http://schemas.microsoft.com/office/powerpoint/2010/main">
+    <mc:Choice Requires="p14">
+      <p:transition p14:dur="0"/>
+    </mc:Choice>
+    <mc:Fallback xmlns="">
+      <p:transition/>
+    </mc:Fallback>
+  </mc:AlternateContent>
+  <p:timing>
+    <p:tnLst>
+      <p:par>
+        <p:cTn id="1" dur="indefinite" restart="never" nodeType="tmRoot"/>
+      </p:par>
+    </p:tnLst>
+  </p:timing>
+</p:sld>
+</file>
+
+<file path=ppt/slides/slide5.xml><?xml version="1.0" encoding="utf-8"?>
+<p:sld xmlns:a="http://schemas.openxmlformats.org/drawingml/2006/main" xmlns:r="http://schemas.openxmlformats.org/officeDocument/2006/relationships" xmlns:p="http://schemas.openxmlformats.org/presentationml/2006/main">
+  <p:cSld>
+    <p:spTree>
+      <p:nvGrpSpPr>
+        <p:cNvPr id="1" name=""/>
+        <p:cNvGrpSpPr/>
+        <p:nvPr/>
+      </p:nvGrpSpPr>
+      <p:grpSpPr>
+        <a:xfrm>
+          <a:off x="0" y="0"/>
+          <a:ext cx="0" cy="0"/>
+          <a:chOff x="0" y="0"/>
+          <a:chExt cx="0" cy="0"/>
+        </a:xfrm>
+      </p:grpSpPr>
       <p:pic>
         <p:nvPicPr>
           <p:cNvPr id="7" name="内容占位符 6"/>
@@ -11682,12 +12593,12 @@
           <a:lstStyle/>
           <a:p>
             <a:r>
-              <a:rPr lang="zh-CN" altLang="en-US" sz="4000" dirty="0" smtClean="0"/>
-              <a:t>初始</a:t>
-            </a:r>
-            <a:r>
               <a:rPr lang="en-US" altLang="zh-CN" sz="4000" dirty="0" smtClean="0"/>
-              <a:t>MSD——</a:t>
+              <a:t> MSD</a:t>
+            </a:r>
+            <a:r>
+              <a:rPr lang="en-US" altLang="zh-CN" sz="4000" dirty="0" smtClean="0"/>
+              <a:t>——</a:t>
             </a:r>
             <a:r>
               <a:rPr lang="zh-CN" altLang="en-US" sz="4000" dirty="0" smtClean="0"/>
@@ -11725,7 +12636,7 @@
 </p:sld>
 </file>
 
-<file path=ppt/slides/slide5.xml><?xml version="1.0" encoding="utf-8"?>
+<file path=ppt/slides/slide6.xml><?xml version="1.0" encoding="utf-8"?>
 <p:sld xmlns:a="http://schemas.openxmlformats.org/drawingml/2006/main" xmlns:r="http://schemas.openxmlformats.org/officeDocument/2006/relationships" xmlns:p="http://schemas.openxmlformats.org/presentationml/2006/main">
   <p:cSld>
     <p:spTree>
@@ -11829,7 +12740,7 @@
 </p:sld>
 </file>
 
-<file path=ppt/slides/slide6.xml><?xml version="1.0" encoding="utf-8"?>
+<file path=ppt/slides/slide7.xml><?xml version="1.0" encoding="utf-8"?>
 <p:sld xmlns:a="http://schemas.openxmlformats.org/drawingml/2006/main" xmlns:r="http://schemas.openxmlformats.org/officeDocument/2006/relationships" xmlns:p="http://schemas.openxmlformats.org/presentationml/2006/main">
   <p:cSld>
     <p:spTree>
@@ -11945,7 +12856,7 @@
 </p:sld>
 </file>
 
-<file path=ppt/slides/slide7.xml><?xml version="1.0" encoding="utf-8"?>
+<file path=ppt/slides/slide8.xml><?xml version="1.0" encoding="utf-8"?>
 <p:sld xmlns:a="http://schemas.openxmlformats.org/drawingml/2006/main" xmlns:r="http://schemas.openxmlformats.org/officeDocument/2006/relationships" xmlns:p="http://schemas.openxmlformats.org/presentationml/2006/main">
   <p:cSld>
     <p:spTree>
@@ -12155,7 +13066,7 @@
 </p:sld>
 </file>
 
-<file path=ppt/slides/slide8.xml><?xml version="1.0" encoding="utf-8"?>
+<file path=ppt/slides/slide9.xml><?xml version="1.0" encoding="utf-8"?>
 <p:sld xmlns:a="http://schemas.openxmlformats.org/drawingml/2006/main" xmlns:r="http://schemas.openxmlformats.org/officeDocument/2006/relationships" xmlns:p="http://schemas.openxmlformats.org/presentationml/2006/main">
   <p:cSld>
     <p:spTree>
@@ -13351,923 +14262,6 @@
 </p:sld>
 </file>
 
-<file path=ppt/slides/slide9.xml><?xml version="1.0" encoding="utf-8"?>
-<p:sld xmlns:a="http://schemas.openxmlformats.org/drawingml/2006/main" xmlns:r="http://schemas.openxmlformats.org/officeDocument/2006/relationships" xmlns:p="http://schemas.openxmlformats.org/presentationml/2006/main">
-  <p:cSld>
-    <p:spTree>
-      <p:nvGrpSpPr>
-        <p:cNvPr id="1" name=""/>
-        <p:cNvGrpSpPr/>
-        <p:nvPr/>
-      </p:nvGrpSpPr>
-      <p:grpSpPr>
-        <a:xfrm>
-          <a:off x="0" y="0"/>
-          <a:ext cx="0" cy="0"/>
-          <a:chOff x="0" y="0"/>
-          <a:chExt cx="0" cy="0"/>
-        </a:xfrm>
-      </p:grpSpPr>
-      <p:sp>
-        <p:nvSpPr>
-          <p:cNvPr id="2" name="标题 1"/>
-          <p:cNvSpPr>
-            <a:spLocks noGrp="1"/>
-          </p:cNvSpPr>
-          <p:nvPr>
-            <p:ph type="title"/>
-          </p:nvPr>
-        </p:nvSpPr>
-        <p:spPr>
-          <a:xfrm>
-            <a:off x="1869025" y="243110"/>
-            <a:ext cx="8138575" cy="1280890"/>
-          </a:xfrm>
-        </p:spPr>
-        <p:txBody>
-          <a:bodyPr/>
-          <a:lstStyle/>
-          <a:p>
-            <a:r>
-              <a:rPr lang="zh-CN" altLang="en-US" dirty="0"/>
-              <a:t>接口设计</a:t>
-            </a:r>
-            <a:r>
-              <a:rPr lang="en-US" altLang="zh-CN" dirty="0" smtClean="0"/>
-              <a:t>——</a:t>
-            </a:r>
-            <a:r>
-              <a:rPr lang="zh-CN" altLang="en-US" dirty="0"/>
-              <a:t>内部</a:t>
-            </a:r>
-            <a:r>
-              <a:rPr lang="zh-CN" altLang="en-US" dirty="0" smtClean="0"/>
-              <a:t>接口</a:t>
-            </a:r>
-            <a:endParaRPr lang="zh-CN" altLang="en-US" dirty="0"/>
-          </a:p>
-        </p:txBody>
-      </p:sp>
-      <p:graphicFrame>
-        <p:nvGraphicFramePr>
-          <p:cNvPr id="4" name="内容占位符 3"/>
-          <p:cNvGraphicFramePr>
-            <a:graphicFrameLocks noGrp="1"/>
-          </p:cNvGraphicFramePr>
-          <p:nvPr>
-            <p:ph idx="1"/>
-            <p:extLst>
-              <p:ext uri="{D42A27DB-BD31-4B8C-83A1-F6EECF244321}">
-                <p14:modId xmlns:p14="http://schemas.microsoft.com/office/powerpoint/2010/main" val="2692891161"/>
-              </p:ext>
-            </p:extLst>
-          </p:nvPr>
-        </p:nvGraphicFramePr>
-        <p:xfrm>
-          <a:off x="2628900" y="1447793"/>
-          <a:ext cx="9194800" cy="4597406"/>
-        </p:xfrm>
-        <a:graphic>
-          <a:graphicData uri="http://schemas.openxmlformats.org/drawingml/2006/table">
-            <a:tbl>
-              <a:tblPr>
-                <a:tableStyleId>{5C22544A-7EE6-4342-B048-85BDC9FD1C3A}</a:tableStyleId>
-              </a:tblPr>
-              <a:tblGrid>
-                <a:gridCol w="2300050"/>
-                <a:gridCol w="3253545"/>
-                <a:gridCol w="3641205"/>
-              </a:tblGrid>
-              <a:tr h="417946">
-                <a:tc>
-                  <a:txBody>
-                    <a:bodyPr/>
-                    <a:lstStyle/>
-                    <a:p>
-                      <a:pPr algn="ctr">
-                        <a:spcAft>
-                          <a:spcPts val="0"/>
-                        </a:spcAft>
-                      </a:pPr>
-                      <a:r>
-                        <a:rPr lang="zh-CN" sz="1800" kern="100" dirty="0">
-                          <a:effectLst/>
-                          <a:latin typeface="华文宋体" panose="02010600040101010101" pitchFamily="2" charset="-122"/>
-                          <a:ea typeface="华文宋体" panose="02010600040101010101" pitchFamily="2" charset="-122"/>
-                        </a:rPr>
-                        <a:t>函数</a:t>
-                      </a:r>
-                    </a:p>
-                  </a:txBody>
-                  <a:tcPr marL="68580" marR="68580" marT="0" marB="0" anchor="ctr"/>
-                </a:tc>
-                <a:tc>
-                  <a:txBody>
-                    <a:bodyPr/>
-                    <a:lstStyle/>
-                    <a:p>
-                      <a:pPr algn="ctr">
-                        <a:spcAft>
-                          <a:spcPts val="0"/>
-                        </a:spcAft>
-                      </a:pPr>
-                      <a:r>
-                        <a:rPr lang="zh-CN" sz="1800" kern="100">
-                          <a:effectLst/>
-                          <a:latin typeface="华文宋体" panose="02010600040101010101" pitchFamily="2" charset="-122"/>
-                          <a:ea typeface="华文宋体" panose="02010600040101010101" pitchFamily="2" charset="-122"/>
-                        </a:rPr>
-                        <a:t>输入</a:t>
-                      </a:r>
-                    </a:p>
-                  </a:txBody>
-                  <a:tcPr marL="68580" marR="68580" marT="0" marB="0" anchor="ctr"/>
-                </a:tc>
-                <a:tc>
-                  <a:txBody>
-                    <a:bodyPr/>
-                    <a:lstStyle/>
-                    <a:p>
-                      <a:pPr algn="ctr">
-                        <a:spcAft>
-                          <a:spcPts val="0"/>
-                        </a:spcAft>
-                      </a:pPr>
-                      <a:r>
-                        <a:rPr lang="zh-CN" sz="1800" kern="100">
-                          <a:effectLst/>
-                          <a:latin typeface="华文宋体" panose="02010600040101010101" pitchFamily="2" charset="-122"/>
-                          <a:ea typeface="华文宋体" panose="02010600040101010101" pitchFamily="2" charset="-122"/>
-                        </a:rPr>
-                        <a:t>返回</a:t>
-                      </a:r>
-                    </a:p>
-                  </a:txBody>
-                  <a:tcPr marL="68580" marR="68580" marT="0" marB="0" anchor="ctr"/>
-                </a:tc>
-              </a:tr>
-              <a:tr h="417946">
-                <a:tc>
-                  <a:txBody>
-                    <a:bodyPr/>
-                    <a:lstStyle/>
-                    <a:p>
-                      <a:pPr algn="ctr">
-                        <a:spcAft>
-                          <a:spcPts val="0"/>
-                        </a:spcAft>
-                      </a:pPr>
-                      <a:r>
-                        <a:rPr lang="en-US" sz="1800" kern="100" dirty="0" err="1">
-                          <a:effectLst/>
-                          <a:latin typeface="华文宋体" panose="02010600040101010101" pitchFamily="2" charset="-122"/>
-                          <a:ea typeface="华文宋体" panose="02010600040101010101" pitchFamily="2" charset="-122"/>
-                        </a:rPr>
-                        <a:t>UsrLoginCheck</a:t>
-                      </a:r>
-                      <a:endParaRPr lang="zh-CN" sz="1800" kern="100" dirty="0">
-                        <a:effectLst/>
-                        <a:latin typeface="华文宋体" panose="02010600040101010101" pitchFamily="2" charset="-122"/>
-                        <a:ea typeface="华文宋体" panose="02010600040101010101" pitchFamily="2" charset="-122"/>
-                      </a:endParaRPr>
-                    </a:p>
-                  </a:txBody>
-                  <a:tcPr marL="68580" marR="68580" marT="0" marB="0" anchor="ctr"/>
-                </a:tc>
-                <a:tc>
-                  <a:txBody>
-                    <a:bodyPr/>
-                    <a:lstStyle/>
-                    <a:p>
-                      <a:pPr algn="ctr">
-                        <a:spcAft>
-                          <a:spcPts val="0"/>
-                        </a:spcAft>
-                      </a:pPr>
-                      <a:r>
-                        <a:rPr lang="zh-CN" sz="1800" kern="100">
-                          <a:effectLst/>
-                          <a:latin typeface="华文宋体" panose="02010600040101010101" pitchFamily="2" charset="-122"/>
-                          <a:ea typeface="华文宋体" panose="02010600040101010101" pitchFamily="2" charset="-122"/>
-                        </a:rPr>
-                        <a:t>用户名，密码</a:t>
-                      </a:r>
-                    </a:p>
-                  </a:txBody>
-                  <a:tcPr marL="68580" marR="68580" marT="0" marB="0" anchor="ctr"/>
-                </a:tc>
-                <a:tc>
-                  <a:txBody>
-                    <a:bodyPr/>
-                    <a:lstStyle/>
-                    <a:p>
-                      <a:pPr algn="ctr">
-                        <a:spcAft>
-                          <a:spcPts val="0"/>
-                        </a:spcAft>
-                      </a:pPr>
-                      <a:r>
-                        <a:rPr lang="zh-CN" sz="1800" kern="100">
-                          <a:effectLst/>
-                          <a:latin typeface="华文宋体" panose="02010600040101010101" pitchFamily="2" charset="-122"/>
-                          <a:ea typeface="华文宋体" panose="02010600040101010101" pitchFamily="2" charset="-122"/>
-                        </a:rPr>
-                        <a:t>是否登陆成功</a:t>
-                      </a:r>
-                    </a:p>
-                  </a:txBody>
-                  <a:tcPr marL="68580" marR="68580" marT="0" marB="0" anchor="ctr"/>
-                </a:tc>
-              </a:tr>
-              <a:tr h="417946">
-                <a:tc>
-                  <a:txBody>
-                    <a:bodyPr/>
-                    <a:lstStyle/>
-                    <a:p>
-                      <a:pPr algn="ctr">
-                        <a:spcAft>
-                          <a:spcPts val="0"/>
-                        </a:spcAft>
-                      </a:pPr>
-                      <a:r>
-                        <a:rPr lang="en-US" sz="1800" kern="100">
-                          <a:effectLst/>
-                          <a:latin typeface="华文宋体" panose="02010600040101010101" pitchFamily="2" charset="-122"/>
-                          <a:ea typeface="华文宋体" panose="02010600040101010101" pitchFamily="2" charset="-122"/>
-                        </a:rPr>
-                        <a:t>ManLoginCheck</a:t>
-                      </a:r>
-                      <a:endParaRPr lang="zh-CN" sz="1800" kern="100">
-                        <a:effectLst/>
-                        <a:latin typeface="华文宋体" panose="02010600040101010101" pitchFamily="2" charset="-122"/>
-                        <a:ea typeface="华文宋体" panose="02010600040101010101" pitchFamily="2" charset="-122"/>
-                      </a:endParaRPr>
-                    </a:p>
-                  </a:txBody>
-                  <a:tcPr marL="68580" marR="68580" marT="0" marB="0" anchor="ctr"/>
-                </a:tc>
-                <a:tc>
-                  <a:txBody>
-                    <a:bodyPr/>
-                    <a:lstStyle/>
-                    <a:p>
-                      <a:pPr algn="ctr">
-                        <a:spcAft>
-                          <a:spcPts val="0"/>
-                        </a:spcAft>
-                      </a:pPr>
-                      <a:r>
-                        <a:rPr lang="zh-CN" sz="1800" kern="100">
-                          <a:effectLst/>
-                          <a:latin typeface="华文宋体" panose="02010600040101010101" pitchFamily="2" charset="-122"/>
-                          <a:ea typeface="华文宋体" panose="02010600040101010101" pitchFamily="2" charset="-122"/>
-                        </a:rPr>
-                        <a:t>管理员名，密码</a:t>
-                      </a:r>
-                    </a:p>
-                  </a:txBody>
-                  <a:tcPr marL="68580" marR="68580" marT="0" marB="0" anchor="ctr"/>
-                </a:tc>
-                <a:tc>
-                  <a:txBody>
-                    <a:bodyPr/>
-                    <a:lstStyle/>
-                    <a:p>
-                      <a:pPr algn="ctr">
-                        <a:spcAft>
-                          <a:spcPts val="0"/>
-                        </a:spcAft>
-                      </a:pPr>
-                      <a:r>
-                        <a:rPr lang="zh-CN" sz="1800" kern="100">
-                          <a:effectLst/>
-                          <a:latin typeface="华文宋体" panose="02010600040101010101" pitchFamily="2" charset="-122"/>
-                          <a:ea typeface="华文宋体" panose="02010600040101010101" pitchFamily="2" charset="-122"/>
-                        </a:rPr>
-                        <a:t>是否登陆成功</a:t>
-                      </a:r>
-                    </a:p>
-                  </a:txBody>
-                  <a:tcPr marL="68580" marR="68580" marT="0" marB="0" anchor="ctr"/>
-                </a:tc>
-              </a:tr>
-              <a:tr h="417946">
-                <a:tc>
-                  <a:txBody>
-                    <a:bodyPr/>
-                    <a:lstStyle/>
-                    <a:p>
-                      <a:pPr algn="ctr">
-                        <a:spcAft>
-                          <a:spcPts val="0"/>
-                        </a:spcAft>
-                      </a:pPr>
-                      <a:r>
-                        <a:rPr lang="en-US" sz="1800" kern="100">
-                          <a:effectLst/>
-                          <a:latin typeface="华文宋体" panose="02010600040101010101" pitchFamily="2" charset="-122"/>
-                          <a:ea typeface="华文宋体" panose="02010600040101010101" pitchFamily="2" charset="-122"/>
-                        </a:rPr>
-                        <a:t>Register</a:t>
-                      </a:r>
-                      <a:endParaRPr lang="zh-CN" sz="1800" kern="100">
-                        <a:effectLst/>
-                        <a:latin typeface="华文宋体" panose="02010600040101010101" pitchFamily="2" charset="-122"/>
-                        <a:ea typeface="华文宋体" panose="02010600040101010101" pitchFamily="2" charset="-122"/>
-                      </a:endParaRPr>
-                    </a:p>
-                  </a:txBody>
-                  <a:tcPr marL="68580" marR="68580" marT="0" marB="0" anchor="ctr"/>
-                </a:tc>
-                <a:tc>
-                  <a:txBody>
-                    <a:bodyPr/>
-                    <a:lstStyle/>
-                    <a:p>
-                      <a:pPr algn="ctr">
-                        <a:spcAft>
-                          <a:spcPts val="0"/>
-                        </a:spcAft>
-                      </a:pPr>
-                      <a:r>
-                        <a:rPr lang="zh-CN" sz="1800" kern="100" dirty="0">
-                          <a:effectLst/>
-                          <a:latin typeface="华文宋体" panose="02010600040101010101" pitchFamily="2" charset="-122"/>
-                          <a:ea typeface="华文宋体" panose="02010600040101010101" pitchFamily="2" charset="-122"/>
-                        </a:rPr>
-                        <a:t>注册的用户名，密码</a:t>
-                      </a:r>
-                    </a:p>
-                  </a:txBody>
-                  <a:tcPr marL="68580" marR="68580" marT="0" marB="0" anchor="ctr"/>
-                </a:tc>
-                <a:tc>
-                  <a:txBody>
-                    <a:bodyPr/>
-                    <a:lstStyle/>
-                    <a:p>
-                      <a:pPr algn="ctr">
-                        <a:spcAft>
-                          <a:spcPts val="0"/>
-                        </a:spcAft>
-                      </a:pPr>
-                      <a:r>
-                        <a:rPr lang="zh-CN" sz="1800" kern="100">
-                          <a:effectLst/>
-                          <a:latin typeface="华文宋体" panose="02010600040101010101" pitchFamily="2" charset="-122"/>
-                          <a:ea typeface="华文宋体" panose="02010600040101010101" pitchFamily="2" charset="-122"/>
-                        </a:rPr>
-                        <a:t>是否增加成功</a:t>
-                      </a:r>
-                    </a:p>
-                  </a:txBody>
-                  <a:tcPr marL="68580" marR="68580" marT="0" marB="0" anchor="ctr"/>
-                </a:tc>
-              </a:tr>
-              <a:tr h="417946">
-                <a:tc>
-                  <a:txBody>
-                    <a:bodyPr/>
-                    <a:lstStyle/>
-                    <a:p>
-                      <a:pPr algn="ctr">
-                        <a:spcAft>
-                          <a:spcPts val="0"/>
-                        </a:spcAft>
-                      </a:pPr>
-                      <a:r>
-                        <a:rPr lang="en-US" sz="1800" kern="100">
-                          <a:effectLst/>
-                          <a:latin typeface="华文宋体" panose="02010600040101010101" pitchFamily="2" charset="-122"/>
-                          <a:ea typeface="华文宋体" panose="02010600040101010101" pitchFamily="2" charset="-122"/>
-                        </a:rPr>
-                        <a:t>Vote</a:t>
-                      </a:r>
-                      <a:endParaRPr lang="zh-CN" sz="1800" kern="100">
-                        <a:effectLst/>
-                        <a:latin typeface="华文宋体" panose="02010600040101010101" pitchFamily="2" charset="-122"/>
-                        <a:ea typeface="华文宋体" panose="02010600040101010101" pitchFamily="2" charset="-122"/>
-                      </a:endParaRPr>
-                    </a:p>
-                  </a:txBody>
-                  <a:tcPr marL="68580" marR="68580" marT="0" marB="0" anchor="ctr"/>
-                </a:tc>
-                <a:tc>
-                  <a:txBody>
-                    <a:bodyPr/>
-                    <a:lstStyle/>
-                    <a:p>
-                      <a:pPr algn="ctr">
-                        <a:spcAft>
-                          <a:spcPts val="0"/>
-                        </a:spcAft>
-                      </a:pPr>
-                      <a:r>
-                        <a:rPr lang="zh-CN" sz="1800" kern="100">
-                          <a:effectLst/>
-                          <a:latin typeface="华文宋体" panose="02010600040101010101" pitchFamily="2" charset="-122"/>
-                          <a:ea typeface="华文宋体" panose="02010600040101010101" pitchFamily="2" charset="-122"/>
-                        </a:rPr>
-                        <a:t>用户名，投票编号，投票</a:t>
-                      </a:r>
-                    </a:p>
-                  </a:txBody>
-                  <a:tcPr marL="68580" marR="68580" marT="0" marB="0" anchor="ctr"/>
-                </a:tc>
-                <a:tc>
-                  <a:txBody>
-                    <a:bodyPr/>
-                    <a:lstStyle/>
-                    <a:p>
-                      <a:pPr algn="ctr">
-                        <a:spcAft>
-                          <a:spcPts val="0"/>
-                        </a:spcAft>
-                      </a:pPr>
-                      <a:r>
-                        <a:rPr lang="zh-CN" sz="1800" kern="100">
-                          <a:effectLst/>
-                          <a:latin typeface="华文宋体" panose="02010600040101010101" pitchFamily="2" charset="-122"/>
-                          <a:ea typeface="华文宋体" panose="02010600040101010101" pitchFamily="2" charset="-122"/>
-                        </a:rPr>
-                        <a:t>数据是否更新成功</a:t>
-                      </a:r>
-                    </a:p>
-                  </a:txBody>
-                  <a:tcPr marL="68580" marR="68580" marT="0" marB="0" anchor="ctr"/>
-                </a:tc>
-              </a:tr>
-              <a:tr h="417946">
-                <a:tc>
-                  <a:txBody>
-                    <a:bodyPr/>
-                    <a:lstStyle/>
-                    <a:p>
-                      <a:pPr algn="ctr">
-                        <a:spcAft>
-                          <a:spcPts val="0"/>
-                        </a:spcAft>
-                      </a:pPr>
-                      <a:r>
-                        <a:rPr lang="en-US" sz="1800" kern="100">
-                          <a:effectLst/>
-                          <a:latin typeface="华文宋体" panose="02010600040101010101" pitchFamily="2" charset="-122"/>
-                          <a:ea typeface="华文宋体" panose="02010600040101010101" pitchFamily="2" charset="-122"/>
-                        </a:rPr>
-                        <a:t>CheckVote</a:t>
-                      </a:r>
-                      <a:endParaRPr lang="zh-CN" sz="1800" kern="100">
-                        <a:effectLst/>
-                        <a:latin typeface="华文宋体" panose="02010600040101010101" pitchFamily="2" charset="-122"/>
-                        <a:ea typeface="华文宋体" panose="02010600040101010101" pitchFamily="2" charset="-122"/>
-                      </a:endParaRPr>
-                    </a:p>
-                  </a:txBody>
-                  <a:tcPr marL="68580" marR="68580" marT="0" marB="0" anchor="ctr"/>
-                </a:tc>
-                <a:tc>
-                  <a:txBody>
-                    <a:bodyPr/>
-                    <a:lstStyle/>
-                    <a:p>
-                      <a:pPr algn="ctr">
-                        <a:spcAft>
-                          <a:spcPts val="0"/>
-                        </a:spcAft>
-                      </a:pPr>
-                      <a:r>
-                        <a:rPr lang="zh-CN" sz="1800" kern="100" dirty="0">
-                          <a:effectLst/>
-                          <a:latin typeface="华文宋体" panose="02010600040101010101" pitchFamily="2" charset="-122"/>
-                          <a:ea typeface="华文宋体" panose="02010600040101010101" pitchFamily="2" charset="-122"/>
-                        </a:rPr>
-                        <a:t>投票编号</a:t>
-                      </a:r>
-                    </a:p>
-                  </a:txBody>
-                  <a:tcPr marL="68580" marR="68580" marT="0" marB="0" anchor="ctr"/>
-                </a:tc>
-                <a:tc>
-                  <a:txBody>
-                    <a:bodyPr/>
-                    <a:lstStyle/>
-                    <a:p>
-                      <a:pPr algn="ctr">
-                        <a:spcAft>
-                          <a:spcPts val="0"/>
-                        </a:spcAft>
-                      </a:pPr>
-                      <a:r>
-                        <a:rPr lang="zh-CN" sz="1800" kern="100">
-                          <a:effectLst/>
-                          <a:latin typeface="华文宋体" panose="02010600040101010101" pitchFamily="2" charset="-122"/>
-                          <a:ea typeface="华文宋体" panose="02010600040101010101" pitchFamily="2" charset="-122"/>
-                        </a:rPr>
-                        <a:t>投票结果</a:t>
-                      </a:r>
-                    </a:p>
-                  </a:txBody>
-                  <a:tcPr marL="68580" marR="68580" marT="0" marB="0" anchor="ctr"/>
-                </a:tc>
-              </a:tr>
-              <a:tr h="417946">
-                <a:tc>
-                  <a:txBody>
-                    <a:bodyPr/>
-                    <a:lstStyle/>
-                    <a:p>
-                      <a:pPr algn="ctr">
-                        <a:spcAft>
-                          <a:spcPts val="0"/>
-                        </a:spcAft>
-                      </a:pPr>
-                      <a:r>
-                        <a:rPr lang="en-US" sz="1800" kern="100">
-                          <a:effectLst/>
-                          <a:latin typeface="华文宋体" panose="02010600040101010101" pitchFamily="2" charset="-122"/>
-                          <a:ea typeface="华文宋体" panose="02010600040101010101" pitchFamily="2" charset="-122"/>
-                        </a:rPr>
-                        <a:t>DeleteVote</a:t>
-                      </a:r>
-                      <a:endParaRPr lang="zh-CN" sz="1800" kern="100">
-                        <a:effectLst/>
-                        <a:latin typeface="华文宋体" panose="02010600040101010101" pitchFamily="2" charset="-122"/>
-                        <a:ea typeface="华文宋体" panose="02010600040101010101" pitchFamily="2" charset="-122"/>
-                      </a:endParaRPr>
-                    </a:p>
-                  </a:txBody>
-                  <a:tcPr marL="68580" marR="68580" marT="0" marB="0" anchor="ctr"/>
-                </a:tc>
-                <a:tc>
-                  <a:txBody>
-                    <a:bodyPr/>
-                    <a:lstStyle/>
-                    <a:p>
-                      <a:pPr algn="ctr">
-                        <a:spcAft>
-                          <a:spcPts val="0"/>
-                        </a:spcAft>
-                      </a:pPr>
-                      <a:r>
-                        <a:rPr lang="zh-CN" sz="1800" kern="100">
-                          <a:effectLst/>
-                          <a:latin typeface="华文宋体" panose="02010600040101010101" pitchFamily="2" charset="-122"/>
-                          <a:ea typeface="华文宋体" panose="02010600040101010101" pitchFamily="2" charset="-122"/>
-                        </a:rPr>
-                        <a:t>用户名，投票编号</a:t>
-                      </a:r>
-                    </a:p>
-                  </a:txBody>
-                  <a:tcPr marL="68580" marR="68580" marT="0" marB="0" anchor="ctr"/>
-                </a:tc>
-                <a:tc>
-                  <a:txBody>
-                    <a:bodyPr/>
-                    <a:lstStyle/>
-                    <a:p>
-                      <a:pPr algn="ctr">
-                        <a:spcAft>
-                          <a:spcPts val="0"/>
-                        </a:spcAft>
-                      </a:pPr>
-                      <a:r>
-                        <a:rPr lang="zh-CN" sz="1800" kern="100" dirty="0">
-                          <a:effectLst/>
-                          <a:latin typeface="华文宋体" panose="02010600040101010101" pitchFamily="2" charset="-122"/>
-                          <a:ea typeface="华文宋体" panose="02010600040101010101" pitchFamily="2" charset="-122"/>
-                        </a:rPr>
-                        <a:t>是否删除成功</a:t>
-                      </a:r>
-                    </a:p>
-                  </a:txBody>
-                  <a:tcPr marL="68580" marR="68580" marT="0" marB="0" anchor="ctr"/>
-                </a:tc>
-              </a:tr>
-              <a:tr h="417946">
-                <a:tc>
-                  <a:txBody>
-                    <a:bodyPr/>
-                    <a:lstStyle/>
-                    <a:p>
-                      <a:pPr algn="ctr">
-                        <a:spcAft>
-                          <a:spcPts val="0"/>
-                        </a:spcAft>
-                      </a:pPr>
-                      <a:r>
-                        <a:rPr lang="en-US" sz="1800" kern="100">
-                          <a:effectLst/>
-                          <a:latin typeface="华文宋体" panose="02010600040101010101" pitchFamily="2" charset="-122"/>
-                          <a:ea typeface="华文宋体" panose="02010600040101010101" pitchFamily="2" charset="-122"/>
-                        </a:rPr>
-                        <a:t>DeleteUsr</a:t>
-                      </a:r>
-                      <a:endParaRPr lang="zh-CN" sz="1800" kern="100">
-                        <a:effectLst/>
-                        <a:latin typeface="华文宋体" panose="02010600040101010101" pitchFamily="2" charset="-122"/>
-                        <a:ea typeface="华文宋体" panose="02010600040101010101" pitchFamily="2" charset="-122"/>
-                      </a:endParaRPr>
-                    </a:p>
-                  </a:txBody>
-                  <a:tcPr marL="68580" marR="68580" marT="0" marB="0" anchor="ctr"/>
-                </a:tc>
-                <a:tc>
-                  <a:txBody>
-                    <a:bodyPr/>
-                    <a:lstStyle/>
-                    <a:p>
-                      <a:pPr algn="ctr">
-                        <a:spcAft>
-                          <a:spcPts val="0"/>
-                        </a:spcAft>
-                      </a:pPr>
-                      <a:r>
-                        <a:rPr lang="zh-CN" sz="1800" kern="100">
-                          <a:effectLst/>
-                          <a:latin typeface="华文宋体" panose="02010600040101010101" pitchFamily="2" charset="-122"/>
-                          <a:ea typeface="华文宋体" panose="02010600040101010101" pitchFamily="2" charset="-122"/>
-                        </a:rPr>
-                        <a:t>用户名</a:t>
-                      </a:r>
-                    </a:p>
-                  </a:txBody>
-                  <a:tcPr marL="68580" marR="68580" marT="0" marB="0" anchor="ctr"/>
-                </a:tc>
-                <a:tc>
-                  <a:txBody>
-                    <a:bodyPr/>
-                    <a:lstStyle/>
-                    <a:p>
-                      <a:pPr algn="ctr">
-                        <a:spcAft>
-                          <a:spcPts val="0"/>
-                        </a:spcAft>
-                      </a:pPr>
-                      <a:r>
-                        <a:rPr lang="zh-CN" sz="1800" kern="100">
-                          <a:effectLst/>
-                          <a:latin typeface="华文宋体" panose="02010600040101010101" pitchFamily="2" charset="-122"/>
-                          <a:ea typeface="华文宋体" panose="02010600040101010101" pitchFamily="2" charset="-122"/>
-                        </a:rPr>
-                        <a:t>是否删除成功</a:t>
-                      </a:r>
-                    </a:p>
-                  </a:txBody>
-                  <a:tcPr marL="68580" marR="68580" marT="0" marB="0" anchor="ctr"/>
-                </a:tc>
-              </a:tr>
-              <a:tr h="417946">
-                <a:tc>
-                  <a:txBody>
-                    <a:bodyPr/>
-                    <a:lstStyle/>
-                    <a:p>
-                      <a:pPr algn="ctr">
-                        <a:spcAft>
-                          <a:spcPts val="0"/>
-                        </a:spcAft>
-                      </a:pPr>
-                      <a:r>
-                        <a:rPr lang="en-US" sz="1800" kern="100">
-                          <a:effectLst/>
-                          <a:latin typeface="华文宋体" panose="02010600040101010101" pitchFamily="2" charset="-122"/>
-                          <a:ea typeface="华文宋体" panose="02010600040101010101" pitchFamily="2" charset="-122"/>
-                        </a:rPr>
-                        <a:t>MarkVote</a:t>
-                      </a:r>
-                      <a:endParaRPr lang="zh-CN" sz="1800" kern="100">
-                        <a:effectLst/>
-                        <a:latin typeface="华文宋体" panose="02010600040101010101" pitchFamily="2" charset="-122"/>
-                        <a:ea typeface="华文宋体" panose="02010600040101010101" pitchFamily="2" charset="-122"/>
-                      </a:endParaRPr>
-                    </a:p>
-                  </a:txBody>
-                  <a:tcPr marL="68580" marR="68580" marT="0" marB="0" anchor="ctr"/>
-                </a:tc>
-                <a:tc>
-                  <a:txBody>
-                    <a:bodyPr/>
-                    <a:lstStyle/>
-                    <a:p>
-                      <a:pPr algn="ctr">
-                        <a:spcAft>
-                          <a:spcPts val="0"/>
-                        </a:spcAft>
-                      </a:pPr>
-                      <a:r>
-                        <a:rPr lang="zh-CN" sz="1800" kern="100">
-                          <a:effectLst/>
-                          <a:latin typeface="华文宋体" panose="02010600040101010101" pitchFamily="2" charset="-122"/>
-                          <a:ea typeface="华文宋体" panose="02010600040101010101" pitchFamily="2" charset="-122"/>
-                        </a:rPr>
-                        <a:t>用户名，投票编号</a:t>
-                      </a:r>
-                    </a:p>
-                  </a:txBody>
-                  <a:tcPr marL="68580" marR="68580" marT="0" marB="0" anchor="ctr"/>
-                </a:tc>
-                <a:tc>
-                  <a:txBody>
-                    <a:bodyPr/>
-                    <a:lstStyle/>
-                    <a:p>
-                      <a:pPr algn="ctr">
-                        <a:spcAft>
-                          <a:spcPts val="0"/>
-                        </a:spcAft>
-                      </a:pPr>
-                      <a:r>
-                        <a:rPr lang="zh-CN" sz="1800" kern="100" dirty="0">
-                          <a:effectLst/>
-                          <a:latin typeface="华文宋体" panose="02010600040101010101" pitchFamily="2" charset="-122"/>
-                          <a:ea typeface="华文宋体" panose="02010600040101010101" pitchFamily="2" charset="-122"/>
-                        </a:rPr>
-                        <a:t>是否关注成功</a:t>
-                      </a:r>
-                    </a:p>
-                  </a:txBody>
-                  <a:tcPr marL="68580" marR="68580" marT="0" marB="0" anchor="ctr"/>
-                </a:tc>
-              </a:tr>
-              <a:tr h="417946">
-                <a:tc>
-                  <a:txBody>
-                    <a:bodyPr/>
-                    <a:lstStyle/>
-                    <a:p>
-                      <a:pPr algn="ctr">
-                        <a:spcAft>
-                          <a:spcPts val="0"/>
-                        </a:spcAft>
-                      </a:pPr>
-                      <a:r>
-                        <a:rPr lang="en-US" sz="1800" kern="100">
-                          <a:effectLst/>
-                          <a:latin typeface="华文宋体" panose="02010600040101010101" pitchFamily="2" charset="-122"/>
-                          <a:ea typeface="华文宋体" panose="02010600040101010101" pitchFamily="2" charset="-122"/>
-                        </a:rPr>
-                        <a:t>CheckMark</a:t>
-                      </a:r>
-                      <a:endParaRPr lang="zh-CN" sz="1800" kern="100">
-                        <a:effectLst/>
-                        <a:latin typeface="华文宋体" panose="02010600040101010101" pitchFamily="2" charset="-122"/>
-                        <a:ea typeface="华文宋体" panose="02010600040101010101" pitchFamily="2" charset="-122"/>
-                      </a:endParaRPr>
-                    </a:p>
-                  </a:txBody>
-                  <a:tcPr marL="68580" marR="68580" marT="0" marB="0" anchor="ctr"/>
-                </a:tc>
-                <a:tc>
-                  <a:txBody>
-                    <a:bodyPr/>
-                    <a:lstStyle/>
-                    <a:p>
-                      <a:pPr algn="ctr">
-                        <a:spcAft>
-                          <a:spcPts val="0"/>
-                        </a:spcAft>
-                      </a:pPr>
-                      <a:r>
-                        <a:rPr lang="zh-CN" sz="1800" kern="100">
-                          <a:effectLst/>
-                          <a:latin typeface="华文宋体" panose="02010600040101010101" pitchFamily="2" charset="-122"/>
-                          <a:ea typeface="华文宋体" panose="02010600040101010101" pitchFamily="2" charset="-122"/>
-                        </a:rPr>
-                        <a:t>用户名</a:t>
-                      </a:r>
-                    </a:p>
-                  </a:txBody>
-                  <a:tcPr marL="68580" marR="68580" marT="0" marB="0" anchor="ctr"/>
-                </a:tc>
-                <a:tc>
-                  <a:txBody>
-                    <a:bodyPr/>
-                    <a:lstStyle/>
-                    <a:p>
-                      <a:pPr algn="ctr">
-                        <a:spcAft>
-                          <a:spcPts val="0"/>
-                        </a:spcAft>
-                      </a:pPr>
-                      <a:r>
-                        <a:rPr lang="zh-CN" sz="1800" kern="100" dirty="0">
-                          <a:effectLst/>
-                          <a:latin typeface="华文宋体" panose="02010600040101010101" pitchFamily="2" charset="-122"/>
-                          <a:ea typeface="华文宋体" panose="02010600040101010101" pitchFamily="2" charset="-122"/>
-                        </a:rPr>
-                        <a:t>用户关注列表</a:t>
-                      </a:r>
-                    </a:p>
-                  </a:txBody>
-                  <a:tcPr marL="68580" marR="68580" marT="0" marB="0" anchor="ctr"/>
-                </a:tc>
-              </a:tr>
-              <a:tr h="417946">
-                <a:tc>
-                  <a:txBody>
-                    <a:bodyPr/>
-                    <a:lstStyle/>
-                    <a:p>
-                      <a:pPr algn="ctr">
-                        <a:spcAft>
-                          <a:spcPts val="0"/>
-                        </a:spcAft>
-                      </a:pPr>
-                      <a:r>
-                        <a:rPr lang="en-US" sz="1800" kern="100">
-                          <a:effectLst/>
-                          <a:latin typeface="华文宋体" panose="02010600040101010101" pitchFamily="2" charset="-122"/>
-                          <a:ea typeface="华文宋体" panose="02010600040101010101" pitchFamily="2" charset="-122"/>
-                        </a:rPr>
-                        <a:t>CheckHistory</a:t>
-                      </a:r>
-                      <a:endParaRPr lang="zh-CN" sz="1800" kern="100">
-                        <a:effectLst/>
-                        <a:latin typeface="华文宋体" panose="02010600040101010101" pitchFamily="2" charset="-122"/>
-                        <a:ea typeface="华文宋体" panose="02010600040101010101" pitchFamily="2" charset="-122"/>
-                      </a:endParaRPr>
-                    </a:p>
-                  </a:txBody>
-                  <a:tcPr marL="68580" marR="68580" marT="0" marB="0" anchor="ctr"/>
-                </a:tc>
-                <a:tc>
-                  <a:txBody>
-                    <a:bodyPr/>
-                    <a:lstStyle/>
-                    <a:p>
-                      <a:pPr algn="ctr">
-                        <a:spcAft>
-                          <a:spcPts val="0"/>
-                        </a:spcAft>
-                      </a:pPr>
-                      <a:r>
-                        <a:rPr lang="zh-CN" sz="1800" kern="100">
-                          <a:effectLst/>
-                          <a:latin typeface="华文宋体" panose="02010600040101010101" pitchFamily="2" charset="-122"/>
-                          <a:ea typeface="华文宋体" panose="02010600040101010101" pitchFamily="2" charset="-122"/>
-                        </a:rPr>
-                        <a:t>用户名</a:t>
-                      </a:r>
-                    </a:p>
-                  </a:txBody>
-                  <a:tcPr marL="68580" marR="68580" marT="0" marB="0" anchor="ctr"/>
-                </a:tc>
-                <a:tc>
-                  <a:txBody>
-                    <a:bodyPr/>
-                    <a:lstStyle/>
-                    <a:p>
-                      <a:pPr algn="ctr">
-                        <a:spcAft>
-                          <a:spcPts val="0"/>
-                        </a:spcAft>
-                      </a:pPr>
-                      <a:r>
-                        <a:rPr lang="zh-CN" sz="1800" kern="100" dirty="0">
-                          <a:effectLst/>
-                          <a:latin typeface="华文宋体" panose="02010600040101010101" pitchFamily="2" charset="-122"/>
-                          <a:ea typeface="华文宋体" panose="02010600040101010101" pitchFamily="2" charset="-122"/>
-                        </a:rPr>
-                        <a:t>用户投票历史</a:t>
-                      </a:r>
-                    </a:p>
-                  </a:txBody>
-                  <a:tcPr marL="68580" marR="68580" marT="0" marB="0" anchor="ctr"/>
-                </a:tc>
-              </a:tr>
-            </a:tbl>
-          </a:graphicData>
-        </a:graphic>
-      </p:graphicFrame>
-    </p:spTree>
-    <p:extLst>
-      <p:ext uri="{BB962C8B-B14F-4D97-AF65-F5344CB8AC3E}">
-        <p14:creationId xmlns:p14="http://schemas.microsoft.com/office/powerpoint/2010/main" val="2915597152"/>
-      </p:ext>
-    </p:extLst>
-  </p:cSld>
-  <p:clrMapOvr>
-    <a:masterClrMapping/>
-  </p:clrMapOvr>
-  <mc:AlternateContent xmlns:mc="http://schemas.openxmlformats.org/markup-compatibility/2006" xmlns:p14="http://schemas.microsoft.com/office/powerpoint/2010/main">
-    <mc:Choice Requires="p14">
-      <p:transition p14:dur="0"/>
-    </mc:Choice>
-    <mc:Fallback xmlns="">
-      <p:transition/>
-    </mc:Fallback>
-  </mc:AlternateContent>
-  <p:timing>
-    <p:tnLst>
-      <p:par>
-        <p:cTn id="1" dur="indefinite" restart="never" nodeType="tmRoot"/>
-      </p:par>
-    </p:tnLst>
-  </p:timing>
-</p:sld>
-</file>
-
 <file path=ppt/theme/theme1.xml><?xml version="1.0" encoding="utf-8"?>
 <a:theme xmlns:a="http://schemas.openxmlformats.org/drawingml/2006/main" name="丝状">
   <a:themeElements>
@@ -14505,7 +14499,7 @@
   <a:extraClrSchemeLst/>
   <a:extLst>
     <a:ext uri="{05A4C25C-085E-4340-85A3-A5531E510DB2}">
-      <thm15:themeFamily xmlns="" xmlns:thm15="http://schemas.microsoft.com/office/thememl/2012/main" name="Wisp" id="{7CB32D59-10C0-40DD-B7BD-2E94284A981C}" vid="{24B1A44C-C006-48B2-A4D7-E5549B3D8CD4}"/>
+      <thm15:themeFamily xmlns:thm15="http://schemas.microsoft.com/office/thememl/2012/main" name="Wisp" id="{7CB32D59-10C0-40DD-B7BD-2E94284A981C}" vid="{24B1A44C-C006-48B2-A4D7-E5549B3D8CD4}"/>
     </a:ext>
   </a:extLst>
 </a:theme>
